--- a/04_ChainesFermees/Applications/png/Figure.pptx
+++ b/04_ChainesFermees/Applications/png/Figure.pptx
@@ -7,6 +7,9 @@
   <p:sldIdLst>
     <p:sldId id="258" r:id="rId2"/>
     <p:sldId id="259" r:id="rId3"/>
+    <p:sldId id="260" r:id="rId4"/>
+    <p:sldId id="261" r:id="rId5"/>
+    <p:sldId id="262" r:id="rId6"/>
   </p:sldIdLst>
   <p:sldSz cx="9144000" cy="6858000" type="screen4x3"/>
   <p:notesSz cx="6858000" cy="9144000"/>
@@ -290,7 +293,7 @@
             <a:fld id="{AA309A6D-C09C-4548-B29A-6CF363A7E532}" type="datetimeFigureOut">
               <a:rPr lang="fr-FR" smtClean="0"/>
               <a:pPr/>
-              <a:t>04/11/2013</a:t>
+              <a:t>18/11/2013</a:t>
             </a:fld>
             <a:endParaRPr lang="fr-BE"/>
           </a:p>
@@ -457,7 +460,7 @@
             <a:fld id="{AA309A6D-C09C-4548-B29A-6CF363A7E532}" type="datetimeFigureOut">
               <a:rPr lang="fr-FR" smtClean="0"/>
               <a:pPr/>
-              <a:t>04/11/2013</a:t>
+              <a:t>18/11/2013</a:t>
             </a:fld>
             <a:endParaRPr lang="fr-BE"/>
           </a:p>
@@ -634,7 +637,7 @@
             <a:fld id="{AA309A6D-C09C-4548-B29A-6CF363A7E532}" type="datetimeFigureOut">
               <a:rPr lang="fr-FR" smtClean="0"/>
               <a:pPr/>
-              <a:t>04/11/2013</a:t>
+              <a:t>18/11/2013</a:t>
             </a:fld>
             <a:endParaRPr lang="fr-BE"/>
           </a:p>
@@ -801,7 +804,7 @@
             <a:fld id="{AA309A6D-C09C-4548-B29A-6CF363A7E532}" type="datetimeFigureOut">
               <a:rPr lang="fr-FR" smtClean="0"/>
               <a:pPr/>
-              <a:t>04/11/2013</a:t>
+              <a:t>18/11/2013</a:t>
             </a:fld>
             <a:endParaRPr lang="fr-BE"/>
           </a:p>
@@ -1044,7 +1047,7 @@
             <a:fld id="{AA309A6D-C09C-4548-B29A-6CF363A7E532}" type="datetimeFigureOut">
               <a:rPr lang="fr-FR" smtClean="0"/>
               <a:pPr/>
-              <a:t>04/11/2013</a:t>
+              <a:t>18/11/2013</a:t>
             </a:fld>
             <a:endParaRPr lang="fr-BE"/>
           </a:p>
@@ -1329,7 +1332,7 @@
             <a:fld id="{AA309A6D-C09C-4548-B29A-6CF363A7E532}" type="datetimeFigureOut">
               <a:rPr lang="fr-FR" smtClean="0"/>
               <a:pPr/>
-              <a:t>04/11/2013</a:t>
+              <a:t>18/11/2013</a:t>
             </a:fld>
             <a:endParaRPr lang="fr-BE"/>
           </a:p>
@@ -1748,7 +1751,7 @@
             <a:fld id="{AA309A6D-C09C-4548-B29A-6CF363A7E532}" type="datetimeFigureOut">
               <a:rPr lang="fr-FR" smtClean="0"/>
               <a:pPr/>
-              <a:t>04/11/2013</a:t>
+              <a:t>18/11/2013</a:t>
             </a:fld>
             <a:endParaRPr lang="fr-BE"/>
           </a:p>
@@ -1863,7 +1866,7 @@
             <a:fld id="{AA309A6D-C09C-4548-B29A-6CF363A7E532}" type="datetimeFigureOut">
               <a:rPr lang="fr-FR" smtClean="0"/>
               <a:pPr/>
-              <a:t>04/11/2013</a:t>
+              <a:t>18/11/2013</a:t>
             </a:fld>
             <a:endParaRPr lang="fr-BE"/>
           </a:p>
@@ -1955,7 +1958,7 @@
             <a:fld id="{AA309A6D-C09C-4548-B29A-6CF363A7E532}" type="datetimeFigureOut">
               <a:rPr lang="fr-FR" smtClean="0"/>
               <a:pPr/>
-              <a:t>04/11/2013</a:t>
+              <a:t>18/11/2013</a:t>
             </a:fld>
             <a:endParaRPr lang="fr-BE"/>
           </a:p>
@@ -2229,7 +2232,7 @@
             <a:fld id="{AA309A6D-C09C-4548-B29A-6CF363A7E532}" type="datetimeFigureOut">
               <a:rPr lang="fr-FR" smtClean="0"/>
               <a:pPr/>
-              <a:t>04/11/2013</a:t>
+              <a:t>18/11/2013</a:t>
             </a:fld>
             <a:endParaRPr lang="fr-BE"/>
           </a:p>
@@ -2479,7 +2482,7 @@
             <a:fld id="{AA309A6D-C09C-4548-B29A-6CF363A7E532}" type="datetimeFigureOut">
               <a:rPr lang="fr-FR" smtClean="0"/>
               <a:pPr/>
-              <a:t>04/11/2013</a:t>
+              <a:t>18/11/2013</a:t>
             </a:fld>
             <a:endParaRPr lang="fr-BE"/>
           </a:p>
@@ -2689,7 +2692,7 @@
             <a:fld id="{AA309A6D-C09C-4548-B29A-6CF363A7E532}" type="datetimeFigureOut">
               <a:rPr lang="fr-FR" smtClean="0"/>
               <a:pPr/>
-              <a:t>04/11/2013</a:t>
+              <a:t>18/11/2013</a:t>
             </a:fld>
             <a:endParaRPr lang="fr-BE"/>
           </a:p>
@@ -3126,8 +3129,8 @@
           </a:fontRef>
         </p:style>
       </p:cxnSp>
-      <mc:AlternateContent xmlns:mc="http://schemas.openxmlformats.org/markup-compatibility/2006">
-        <mc:Choice xmlns:a14="http://schemas.microsoft.com/office/drawing/2010/main" Requires="a14">
+      <mc:AlternateContent xmlns:mc="http://schemas.openxmlformats.org/markup-compatibility/2006" xmlns:a14="http://schemas.microsoft.com/office/drawing/2010/main">
+        <mc:Choice Requires="a14">
           <p:sp>
             <p:nvSpPr>
               <p:cNvPr id="5" name="ZoneTexte 4"/>
@@ -3150,6 +3153,7 @@
               </a:bodyPr>
               <a:lstStyle/>
               <a:p>
+                <a:pPr/>
                 <a14:m>
                   <m:oMathPara xmlns:m="http://schemas.openxmlformats.org/officeDocument/2006/math">
                     <m:oMathParaPr>
@@ -3182,7 +3186,7 @@
             </p:txBody>
           </p:sp>
         </mc:Choice>
-        <mc:Fallback>
+        <mc:Fallback xmlns="">
           <p:sp>
             <p:nvSpPr>
               <p:cNvPr id="5" name="ZoneTexte 4"/>
@@ -3221,8 +3225,8 @@
           </p:sp>
         </mc:Fallback>
       </mc:AlternateContent>
-      <mc:AlternateContent xmlns:mc="http://schemas.openxmlformats.org/markup-compatibility/2006">
-        <mc:Choice xmlns:a14="http://schemas.microsoft.com/office/drawing/2010/main" Requires="a14">
+      <mc:AlternateContent xmlns:mc="http://schemas.openxmlformats.org/markup-compatibility/2006" xmlns:a14="http://schemas.microsoft.com/office/drawing/2010/main">
+        <mc:Choice Requires="a14">
           <p:sp>
             <p:nvSpPr>
               <p:cNvPr id="23" name="ZoneTexte 22"/>
@@ -3245,6 +3249,7 @@
               </a:bodyPr>
               <a:lstStyle/>
               <a:p>
+                <a:pPr/>
                 <a14:m>
                   <m:oMathPara xmlns:m="http://schemas.openxmlformats.org/officeDocument/2006/math">
                     <m:oMathParaPr>
@@ -3277,7 +3282,7 @@
             </p:txBody>
           </p:sp>
         </mc:Choice>
-        <mc:Fallback>
+        <mc:Fallback xmlns="">
           <p:sp>
             <p:nvSpPr>
               <p:cNvPr id="23" name="ZoneTexte 22"/>
@@ -3382,8 +3387,8 @@
           </a:fontRef>
         </p:style>
       </p:cxnSp>
-      <mc:AlternateContent xmlns:mc="http://schemas.openxmlformats.org/markup-compatibility/2006">
-        <mc:Choice xmlns:a14="http://schemas.microsoft.com/office/drawing/2010/main" Requires="a14">
+      <mc:AlternateContent xmlns:mc="http://schemas.openxmlformats.org/markup-compatibility/2006" xmlns:a14="http://schemas.microsoft.com/office/drawing/2010/main">
+        <mc:Choice Requires="a14">
           <p:sp>
             <p:nvSpPr>
               <p:cNvPr id="27" name="ZoneTexte 26"/>
@@ -3406,6 +3411,7 @@
               </a:bodyPr>
               <a:lstStyle/>
               <a:p>
+                <a:pPr/>
                 <a14:m>
                   <m:oMathPara xmlns:m="http://schemas.openxmlformats.org/officeDocument/2006/math">
                     <m:oMathParaPr>
@@ -3438,7 +3444,7 @@
             </p:txBody>
           </p:sp>
         </mc:Choice>
-        <mc:Fallback>
+        <mc:Fallback xmlns="">
           <p:sp>
             <p:nvSpPr>
               <p:cNvPr id="27" name="ZoneTexte 26"/>
@@ -3477,8 +3483,8 @@
           </p:sp>
         </mc:Fallback>
       </mc:AlternateContent>
-      <mc:AlternateContent xmlns:mc="http://schemas.openxmlformats.org/markup-compatibility/2006">
-        <mc:Choice xmlns:a14="http://schemas.microsoft.com/office/drawing/2010/main" Requires="a14">
+      <mc:AlternateContent xmlns:mc="http://schemas.openxmlformats.org/markup-compatibility/2006" xmlns:a14="http://schemas.microsoft.com/office/drawing/2010/main">
+        <mc:Choice Requires="a14">
           <p:sp>
             <p:nvSpPr>
               <p:cNvPr id="29" name="ZoneTexte 28"/>
@@ -3501,6 +3507,7 @@
               </a:bodyPr>
               <a:lstStyle/>
               <a:p>
+                <a:pPr/>
                 <a14:m>
                   <m:oMathPara xmlns:m="http://schemas.openxmlformats.org/officeDocument/2006/math">
                     <m:oMathParaPr>
@@ -3533,7 +3540,7 @@
             </p:txBody>
           </p:sp>
         </mc:Choice>
-        <mc:Fallback>
+        <mc:Fallback xmlns="">
           <p:sp>
             <p:nvSpPr>
               <p:cNvPr id="29" name="ZoneTexte 28"/>
@@ -3638,8 +3645,8 @@
           </a:fontRef>
         </p:style>
       </p:cxnSp>
-      <mc:AlternateContent xmlns:mc="http://schemas.openxmlformats.org/markup-compatibility/2006">
-        <mc:Choice xmlns:a14="http://schemas.microsoft.com/office/drawing/2010/main" Requires="a14">
+      <mc:AlternateContent xmlns:mc="http://schemas.openxmlformats.org/markup-compatibility/2006" xmlns:a14="http://schemas.microsoft.com/office/drawing/2010/main">
+        <mc:Choice Requires="a14">
           <p:sp>
             <p:nvSpPr>
               <p:cNvPr id="37" name="ZoneTexte 36"/>
@@ -3662,6 +3669,7 @@
               </a:bodyPr>
               <a:lstStyle/>
               <a:p>
+                <a:pPr/>
                 <a14:m>
                   <m:oMathPara xmlns:m="http://schemas.openxmlformats.org/officeDocument/2006/math">
                     <m:oMathParaPr>
@@ -3694,7 +3702,7 @@
             </p:txBody>
           </p:sp>
         </mc:Choice>
-        <mc:Fallback>
+        <mc:Fallback xmlns="">
           <p:sp>
             <p:nvSpPr>
               <p:cNvPr id="37" name="ZoneTexte 36"/>
@@ -3733,8 +3741,8 @@
           </p:sp>
         </mc:Fallback>
       </mc:AlternateContent>
-      <mc:AlternateContent xmlns:mc="http://schemas.openxmlformats.org/markup-compatibility/2006">
-        <mc:Choice xmlns:a14="http://schemas.microsoft.com/office/drawing/2010/main" Requires="a14">
+      <mc:AlternateContent xmlns:mc="http://schemas.openxmlformats.org/markup-compatibility/2006" xmlns:a14="http://schemas.microsoft.com/office/drawing/2010/main">
+        <mc:Choice Requires="a14">
           <p:sp>
             <p:nvSpPr>
               <p:cNvPr id="38" name="ZoneTexte 37"/>
@@ -3757,6 +3765,7 @@
               </a:bodyPr>
               <a:lstStyle/>
               <a:p>
+                <a:pPr/>
                 <a14:m>
                   <m:oMathPara xmlns:m="http://schemas.openxmlformats.org/officeDocument/2006/math">
                     <m:oMathParaPr>
@@ -3789,7 +3798,7 @@
             </p:txBody>
           </p:sp>
         </mc:Choice>
-        <mc:Fallback>
+        <mc:Fallback xmlns="">
           <p:sp>
             <p:nvSpPr>
               <p:cNvPr id="38" name="ZoneTexte 37"/>
@@ -3828,8 +3837,8 @@
           </p:sp>
         </mc:Fallback>
       </mc:AlternateContent>
-      <mc:AlternateContent xmlns:mc="http://schemas.openxmlformats.org/markup-compatibility/2006">
-        <mc:Choice xmlns:a14="http://schemas.microsoft.com/office/drawing/2010/main" Requires="a14">
+      <mc:AlternateContent xmlns:mc="http://schemas.openxmlformats.org/markup-compatibility/2006" xmlns:a14="http://schemas.microsoft.com/office/drawing/2010/main">
+        <mc:Choice Requires="a14">
           <p:sp>
             <p:nvSpPr>
               <p:cNvPr id="39" name="ZoneTexte 38"/>
@@ -3852,6 +3861,7 @@
               </a:bodyPr>
               <a:lstStyle/>
               <a:p>
+                <a:pPr/>
                 <a14:m>
                   <m:oMathPara xmlns:m="http://schemas.openxmlformats.org/officeDocument/2006/math">
                     <m:oMathParaPr>
@@ -3884,7 +3894,7 @@
             </p:txBody>
           </p:sp>
         </mc:Choice>
-        <mc:Fallback>
+        <mc:Fallback xmlns="">
           <p:sp>
             <p:nvSpPr>
               <p:cNvPr id="39" name="ZoneTexte 38"/>
@@ -3989,8 +3999,8 @@
           </a:fontRef>
         </p:style>
       </p:cxnSp>
-      <mc:AlternateContent xmlns:mc="http://schemas.openxmlformats.org/markup-compatibility/2006">
-        <mc:Choice xmlns:a14="http://schemas.microsoft.com/office/drawing/2010/main" Requires="a14">
+      <mc:AlternateContent xmlns:mc="http://schemas.openxmlformats.org/markup-compatibility/2006" xmlns:a14="http://schemas.microsoft.com/office/drawing/2010/main">
+        <mc:Choice Requires="a14">
           <p:sp>
             <p:nvSpPr>
               <p:cNvPr id="46" name="ZoneTexte 45"/>
@@ -4013,6 +4023,7 @@
               </a:bodyPr>
               <a:lstStyle/>
               <a:p>
+                <a:pPr/>
                 <a14:m>
                   <m:oMathPara xmlns:m="http://schemas.openxmlformats.org/officeDocument/2006/math">
                     <m:oMathParaPr>
@@ -4045,7 +4056,7 @@
             </p:txBody>
           </p:sp>
         </mc:Choice>
-        <mc:Fallback>
+        <mc:Fallback xmlns="">
           <p:sp>
             <p:nvSpPr>
               <p:cNvPr id="46" name="ZoneTexte 45"/>
@@ -4150,8 +4161,8 @@
           </a:fontRef>
         </p:style>
       </p:cxnSp>
-      <mc:AlternateContent xmlns:mc="http://schemas.openxmlformats.org/markup-compatibility/2006">
-        <mc:Choice xmlns:a14="http://schemas.microsoft.com/office/drawing/2010/main" Requires="a14">
+      <mc:AlternateContent xmlns:mc="http://schemas.openxmlformats.org/markup-compatibility/2006" xmlns:a14="http://schemas.microsoft.com/office/drawing/2010/main">
+        <mc:Choice Requires="a14">
           <p:sp>
             <p:nvSpPr>
               <p:cNvPr id="49" name="ZoneTexte 48"/>
@@ -4174,6 +4185,7 @@
               </a:bodyPr>
               <a:lstStyle/>
               <a:p>
+                <a:pPr/>
                 <a14:m>
                   <m:oMathPara xmlns:m="http://schemas.openxmlformats.org/officeDocument/2006/math">
                     <m:oMathParaPr>
@@ -4206,7 +4218,7 @@
             </p:txBody>
           </p:sp>
         </mc:Choice>
-        <mc:Fallback>
+        <mc:Fallback xmlns="">
           <p:sp>
             <p:nvSpPr>
               <p:cNvPr id="49" name="ZoneTexte 48"/>
@@ -4245,8 +4257,8 @@
           </p:sp>
         </mc:Fallback>
       </mc:AlternateContent>
-      <mc:AlternateContent xmlns:mc="http://schemas.openxmlformats.org/markup-compatibility/2006">
-        <mc:Choice xmlns:a14="http://schemas.microsoft.com/office/drawing/2010/main" Requires="a14">
+      <mc:AlternateContent xmlns:mc="http://schemas.openxmlformats.org/markup-compatibility/2006" xmlns:a14="http://schemas.microsoft.com/office/drawing/2010/main">
+        <mc:Choice Requires="a14">
           <p:sp>
             <p:nvSpPr>
               <p:cNvPr id="50" name="ZoneTexte 49"/>
@@ -4269,6 +4281,7 @@
               </a:bodyPr>
               <a:lstStyle/>
               <a:p>
+                <a:pPr/>
                 <a14:m>
                   <m:oMathPara xmlns:m="http://schemas.openxmlformats.org/officeDocument/2006/math">
                     <m:oMathParaPr>
@@ -4301,7 +4314,7 @@
             </p:txBody>
           </p:sp>
         </mc:Choice>
-        <mc:Fallback>
+        <mc:Fallback xmlns="">
           <p:sp>
             <p:nvSpPr>
               <p:cNvPr id="50" name="ZoneTexte 49"/>
@@ -4436,8 +4449,8 @@
           </a:fontRef>
         </p:style>
       </p:cxnSp>
-      <mc:AlternateContent xmlns:mc="http://schemas.openxmlformats.org/markup-compatibility/2006">
-        <mc:Choice xmlns:a14="http://schemas.microsoft.com/office/drawing/2010/main" Requires="a14">
+      <mc:AlternateContent xmlns:mc="http://schemas.openxmlformats.org/markup-compatibility/2006" xmlns:a14="http://schemas.microsoft.com/office/drawing/2010/main">
+        <mc:Choice Requires="a14">
           <p:sp>
             <p:nvSpPr>
               <p:cNvPr id="6" name="ZoneTexte 5"/>
@@ -4460,6 +4473,7 @@
               </a:bodyPr>
               <a:lstStyle/>
               <a:p>
+                <a:pPr/>
                 <a14:m>
                   <m:oMathPara xmlns:m="http://schemas.openxmlformats.org/officeDocument/2006/math">
                     <m:oMathParaPr>
@@ -4492,7 +4506,7 @@
             </p:txBody>
           </p:sp>
         </mc:Choice>
-        <mc:Fallback>
+        <mc:Fallback xmlns="">
           <p:sp>
             <p:nvSpPr>
               <p:cNvPr id="6" name="ZoneTexte 5"/>
@@ -4531,8 +4545,8 @@
           </p:sp>
         </mc:Fallback>
       </mc:AlternateContent>
-      <mc:AlternateContent xmlns:mc="http://schemas.openxmlformats.org/markup-compatibility/2006">
-        <mc:Choice xmlns:a14="http://schemas.microsoft.com/office/drawing/2010/main" Requires="a14">
+      <mc:AlternateContent xmlns:mc="http://schemas.openxmlformats.org/markup-compatibility/2006" xmlns:a14="http://schemas.microsoft.com/office/drawing/2010/main">
+        <mc:Choice Requires="a14">
           <p:sp>
             <p:nvSpPr>
               <p:cNvPr id="7" name="ZoneTexte 6"/>
@@ -4555,6 +4569,7 @@
               </a:bodyPr>
               <a:lstStyle/>
               <a:p>
+                <a:pPr/>
                 <a14:m>
                   <m:oMathPara xmlns:m="http://schemas.openxmlformats.org/officeDocument/2006/math">
                     <m:oMathParaPr>
@@ -4587,7 +4602,7 @@
             </p:txBody>
           </p:sp>
         </mc:Choice>
-        <mc:Fallback>
+        <mc:Fallback xmlns="">
           <p:sp>
             <p:nvSpPr>
               <p:cNvPr id="7" name="ZoneTexte 6"/>
@@ -4692,8 +4707,8 @@
           </a:fontRef>
         </p:style>
       </p:cxnSp>
-      <mc:AlternateContent xmlns:mc="http://schemas.openxmlformats.org/markup-compatibility/2006">
-        <mc:Choice xmlns:a14="http://schemas.microsoft.com/office/drawing/2010/main" Requires="a14">
+      <mc:AlternateContent xmlns:mc="http://schemas.openxmlformats.org/markup-compatibility/2006" xmlns:a14="http://schemas.microsoft.com/office/drawing/2010/main">
+        <mc:Choice Requires="a14">
           <p:sp>
             <p:nvSpPr>
               <p:cNvPr id="18" name="ZoneTexte 17"/>
@@ -4716,6 +4731,7 @@
               </a:bodyPr>
               <a:lstStyle/>
               <a:p>
+                <a:pPr/>
                 <a14:m>
                   <m:oMathPara xmlns:m="http://schemas.openxmlformats.org/officeDocument/2006/math">
                     <m:oMathParaPr>
@@ -4748,7 +4764,7 @@
             </p:txBody>
           </p:sp>
         </mc:Choice>
-        <mc:Fallback>
+        <mc:Fallback xmlns="">
           <p:sp>
             <p:nvSpPr>
               <p:cNvPr id="18" name="ZoneTexte 17"/>
@@ -4787,8 +4803,8 @@
           </p:sp>
         </mc:Fallback>
       </mc:AlternateContent>
-      <mc:AlternateContent xmlns:mc="http://schemas.openxmlformats.org/markup-compatibility/2006">
-        <mc:Choice xmlns:a14="http://schemas.microsoft.com/office/drawing/2010/main" Requires="a14">
+      <mc:AlternateContent xmlns:mc="http://schemas.openxmlformats.org/markup-compatibility/2006" xmlns:a14="http://schemas.microsoft.com/office/drawing/2010/main">
+        <mc:Choice Requires="a14">
           <p:sp>
             <p:nvSpPr>
               <p:cNvPr id="19" name="ZoneTexte 18"/>
@@ -4811,6 +4827,7 @@
               </a:bodyPr>
               <a:lstStyle/>
               <a:p>
+                <a:pPr/>
                 <a14:m>
                   <m:oMathPara xmlns:m="http://schemas.openxmlformats.org/officeDocument/2006/math">
                     <m:oMathParaPr>
@@ -4862,7 +4879,7 @@
             </p:txBody>
           </p:sp>
         </mc:Choice>
-        <mc:Fallback>
+        <mc:Fallback xmlns="">
           <p:sp>
             <p:nvSpPr>
               <p:cNvPr id="19" name="ZoneTexte 18"/>
@@ -4934,8 +4951,8 @@
           </a:fontRef>
         </p:style>
       </p:cxnSp>
-      <mc:AlternateContent xmlns:mc="http://schemas.openxmlformats.org/markup-compatibility/2006">
-        <mc:Choice xmlns:a14="http://schemas.microsoft.com/office/drawing/2010/main" Requires="a14">
+      <mc:AlternateContent xmlns:mc="http://schemas.openxmlformats.org/markup-compatibility/2006" xmlns:a14="http://schemas.microsoft.com/office/drawing/2010/main">
+        <mc:Choice Requires="a14">
           <p:sp>
             <p:nvSpPr>
               <p:cNvPr id="23" name="ZoneTexte 22"/>
@@ -4958,6 +4975,7 @@
               </a:bodyPr>
               <a:lstStyle/>
               <a:p>
+                <a:pPr/>
                 <a14:m>
                   <m:oMathPara xmlns:m="http://schemas.openxmlformats.org/officeDocument/2006/math">
                     <m:oMathParaPr>
@@ -4990,7 +5008,7 @@
             </p:txBody>
           </p:sp>
         </mc:Choice>
-        <mc:Fallback>
+        <mc:Fallback xmlns="">
           <p:sp>
             <p:nvSpPr>
               <p:cNvPr id="23" name="ZoneTexte 22"/>
@@ -5133,8 +5151,8 @@
           </a:fontRef>
         </p:style>
       </p:cxnSp>
-      <mc:AlternateContent xmlns:mc="http://schemas.openxmlformats.org/markup-compatibility/2006">
-        <mc:Choice xmlns:a14="http://schemas.microsoft.com/office/drawing/2010/main" Requires="a14">
+      <mc:AlternateContent xmlns:mc="http://schemas.openxmlformats.org/markup-compatibility/2006" xmlns:a14="http://schemas.microsoft.com/office/drawing/2010/main">
+        <mc:Choice Requires="a14">
           <p:sp>
             <p:nvSpPr>
               <p:cNvPr id="31" name="ZoneTexte 30"/>
@@ -5157,6 +5175,7 @@
               </a:bodyPr>
               <a:lstStyle/>
               <a:p>
+                <a:pPr/>
                 <a14:m>
                   <m:oMathPara xmlns:m="http://schemas.openxmlformats.org/officeDocument/2006/math">
                     <m:oMathParaPr>
@@ -5189,7 +5208,7 @@
             </p:txBody>
           </p:sp>
         </mc:Choice>
-        <mc:Fallback>
+        <mc:Fallback xmlns="">
           <p:sp>
             <p:nvSpPr>
               <p:cNvPr id="31" name="ZoneTexte 30"/>
@@ -5228,8 +5247,8 @@
           </p:sp>
         </mc:Fallback>
       </mc:AlternateContent>
-      <mc:AlternateContent xmlns:mc="http://schemas.openxmlformats.org/markup-compatibility/2006">
-        <mc:Choice xmlns:a14="http://schemas.microsoft.com/office/drawing/2010/main" Requires="a14">
+      <mc:AlternateContent xmlns:mc="http://schemas.openxmlformats.org/markup-compatibility/2006" xmlns:a14="http://schemas.microsoft.com/office/drawing/2010/main">
+        <mc:Choice Requires="a14">
           <p:sp>
             <p:nvSpPr>
               <p:cNvPr id="32" name="ZoneTexte 31"/>
@@ -5252,6 +5271,7 @@
               </a:bodyPr>
               <a:lstStyle/>
               <a:p>
+                <a:pPr/>
                 <a14:m>
                   <m:oMathPara xmlns:m="http://schemas.openxmlformats.org/officeDocument/2006/math">
                     <m:oMathParaPr>
@@ -5284,7 +5304,7 @@
             </p:txBody>
           </p:sp>
         </mc:Choice>
-        <mc:Fallback>
+        <mc:Fallback xmlns="">
           <p:sp>
             <p:nvSpPr>
               <p:cNvPr id="32" name="ZoneTexte 31"/>
@@ -5389,8 +5409,8 @@
           </a:fontRef>
         </p:style>
       </p:cxnSp>
-      <mc:AlternateContent xmlns:mc="http://schemas.openxmlformats.org/markup-compatibility/2006">
-        <mc:Choice xmlns:a14="http://schemas.microsoft.com/office/drawing/2010/main" Requires="a14">
+      <mc:AlternateContent xmlns:mc="http://schemas.openxmlformats.org/markup-compatibility/2006" xmlns:a14="http://schemas.microsoft.com/office/drawing/2010/main">
+        <mc:Choice Requires="a14">
           <p:sp>
             <p:nvSpPr>
               <p:cNvPr id="35" name="ZoneTexte 34"/>
@@ -5413,6 +5433,7 @@
               </a:bodyPr>
               <a:lstStyle/>
               <a:p>
+                <a:pPr/>
                 <a14:m>
                   <m:oMathPara xmlns:m="http://schemas.openxmlformats.org/officeDocument/2006/math">
                     <m:oMathParaPr>
@@ -5445,7 +5466,7 @@
             </p:txBody>
           </p:sp>
         </mc:Choice>
-        <mc:Fallback>
+        <mc:Fallback xmlns="">
           <p:sp>
             <p:nvSpPr>
               <p:cNvPr id="35" name="ZoneTexte 34"/>
@@ -5484,8 +5505,8 @@
           </p:sp>
         </mc:Fallback>
       </mc:AlternateContent>
-      <mc:AlternateContent xmlns:mc="http://schemas.openxmlformats.org/markup-compatibility/2006">
-        <mc:Choice xmlns:a14="http://schemas.microsoft.com/office/drawing/2010/main" Requires="a14">
+      <mc:AlternateContent xmlns:mc="http://schemas.openxmlformats.org/markup-compatibility/2006" xmlns:a14="http://schemas.microsoft.com/office/drawing/2010/main">
+        <mc:Choice Requires="a14">
           <p:sp>
             <p:nvSpPr>
               <p:cNvPr id="36" name="ZoneTexte 35"/>
@@ -5508,6 +5529,7 @@
               </a:bodyPr>
               <a:lstStyle/>
               <a:p>
+                <a:pPr/>
                 <a14:m>
                   <m:oMathPara xmlns:m="http://schemas.openxmlformats.org/officeDocument/2006/math">
                     <m:oMathParaPr>
@@ -5559,7 +5581,7 @@
             </p:txBody>
           </p:sp>
         </mc:Choice>
-        <mc:Fallback>
+        <mc:Fallback xmlns="">
           <p:sp>
             <p:nvSpPr>
               <p:cNvPr id="36" name="ZoneTexte 35"/>
@@ -5631,8 +5653,8 @@
           </a:fontRef>
         </p:style>
       </p:cxnSp>
-      <mc:AlternateContent xmlns:mc="http://schemas.openxmlformats.org/markup-compatibility/2006">
-        <mc:Choice xmlns:a14="http://schemas.microsoft.com/office/drawing/2010/main" Requires="a14">
+      <mc:AlternateContent xmlns:mc="http://schemas.openxmlformats.org/markup-compatibility/2006" xmlns:a14="http://schemas.microsoft.com/office/drawing/2010/main">
+        <mc:Choice Requires="a14">
           <p:sp>
             <p:nvSpPr>
               <p:cNvPr id="38" name="ZoneTexte 37"/>
@@ -5655,6 +5677,7 @@
               </a:bodyPr>
               <a:lstStyle/>
               <a:p>
+                <a:pPr/>
                 <a14:m>
                   <m:oMathPara xmlns:m="http://schemas.openxmlformats.org/officeDocument/2006/math">
                     <m:oMathParaPr>
@@ -5687,7 +5710,7 @@
             </p:txBody>
           </p:sp>
         </mc:Choice>
-        <mc:Fallback>
+        <mc:Fallback xmlns="">
           <p:sp>
             <p:nvSpPr>
               <p:cNvPr id="38" name="ZoneTexte 37"/>
@@ -5830,8 +5853,8 @@
           </a:fontRef>
         </p:style>
       </p:cxnSp>
-      <mc:AlternateContent xmlns:mc="http://schemas.openxmlformats.org/markup-compatibility/2006">
-        <mc:Choice xmlns:a14="http://schemas.microsoft.com/office/drawing/2010/main" Requires="a14">
+      <mc:AlternateContent xmlns:mc="http://schemas.openxmlformats.org/markup-compatibility/2006" xmlns:a14="http://schemas.microsoft.com/office/drawing/2010/main">
+        <mc:Choice Requires="a14">
           <p:sp>
             <p:nvSpPr>
               <p:cNvPr id="44" name="ZoneTexte 43"/>
@@ -5854,6 +5877,7 @@
               </a:bodyPr>
               <a:lstStyle/>
               <a:p>
+                <a:pPr/>
                 <a14:m>
                   <m:oMathPara xmlns:m="http://schemas.openxmlformats.org/officeDocument/2006/math">
                     <m:oMathParaPr>
@@ -5886,7 +5910,7 @@
             </p:txBody>
           </p:sp>
         </mc:Choice>
-        <mc:Fallback>
+        <mc:Fallback xmlns="">
           <p:sp>
             <p:nvSpPr>
               <p:cNvPr id="44" name="ZoneTexte 43"/>
@@ -5925,8 +5949,8 @@
           </p:sp>
         </mc:Fallback>
       </mc:AlternateContent>
-      <mc:AlternateContent xmlns:mc="http://schemas.openxmlformats.org/markup-compatibility/2006">
-        <mc:Choice xmlns:a14="http://schemas.microsoft.com/office/drawing/2010/main" Requires="a14">
+      <mc:AlternateContent xmlns:mc="http://schemas.openxmlformats.org/markup-compatibility/2006" xmlns:a14="http://schemas.microsoft.com/office/drawing/2010/main">
+        <mc:Choice Requires="a14">
           <p:sp>
             <p:nvSpPr>
               <p:cNvPr id="45" name="ZoneTexte 44"/>
@@ -5949,6 +5973,7 @@
               </a:bodyPr>
               <a:lstStyle/>
               <a:p>
+                <a:pPr/>
                 <a14:m>
                   <m:oMathPara xmlns:m="http://schemas.openxmlformats.org/officeDocument/2006/math">
                     <m:oMathParaPr>
@@ -5981,7 +6006,7 @@
             </p:txBody>
           </p:sp>
         </mc:Choice>
-        <mc:Fallback>
+        <mc:Fallback xmlns="">
           <p:sp>
             <p:nvSpPr>
               <p:cNvPr id="45" name="ZoneTexte 44"/>
@@ -6086,8 +6111,8 @@
           </a:fontRef>
         </p:style>
       </p:cxnSp>
-      <mc:AlternateContent xmlns:mc="http://schemas.openxmlformats.org/markup-compatibility/2006">
-        <mc:Choice xmlns:a14="http://schemas.microsoft.com/office/drawing/2010/main" Requires="a14">
+      <mc:AlternateContent xmlns:mc="http://schemas.openxmlformats.org/markup-compatibility/2006" xmlns:a14="http://schemas.microsoft.com/office/drawing/2010/main">
+        <mc:Choice Requires="a14">
           <p:sp>
             <p:nvSpPr>
               <p:cNvPr id="48" name="ZoneTexte 47"/>
@@ -6110,6 +6135,7 @@
               </a:bodyPr>
               <a:lstStyle/>
               <a:p>
+                <a:pPr/>
                 <a14:m>
                   <m:oMathPara xmlns:m="http://schemas.openxmlformats.org/officeDocument/2006/math">
                     <m:oMathParaPr>
@@ -6161,7 +6187,7 @@
             </p:txBody>
           </p:sp>
         </mc:Choice>
-        <mc:Fallback>
+        <mc:Fallback xmlns="">
           <p:sp>
             <p:nvSpPr>
               <p:cNvPr id="48" name="ZoneTexte 47"/>
@@ -6200,8 +6226,8 @@
           </p:sp>
         </mc:Fallback>
       </mc:AlternateContent>
-      <mc:AlternateContent xmlns:mc="http://schemas.openxmlformats.org/markup-compatibility/2006">
-        <mc:Choice xmlns:a14="http://schemas.microsoft.com/office/drawing/2010/main" Requires="a14">
+      <mc:AlternateContent xmlns:mc="http://schemas.openxmlformats.org/markup-compatibility/2006" xmlns:a14="http://schemas.microsoft.com/office/drawing/2010/main">
+        <mc:Choice Requires="a14">
           <p:sp>
             <p:nvSpPr>
               <p:cNvPr id="49" name="ZoneTexte 48"/>
@@ -6224,6 +6250,7 @@
               </a:bodyPr>
               <a:lstStyle/>
               <a:p>
+                <a:pPr/>
                 <a14:m>
                   <m:oMathPara xmlns:m="http://schemas.openxmlformats.org/officeDocument/2006/math">
                     <m:oMathParaPr>
@@ -6256,7 +6283,7 @@
             </p:txBody>
           </p:sp>
         </mc:Choice>
-        <mc:Fallback>
+        <mc:Fallback xmlns="">
           <p:sp>
             <p:nvSpPr>
               <p:cNvPr id="49" name="ZoneTexte 48"/>
@@ -6328,8 +6355,8 @@
           </a:fontRef>
         </p:style>
       </p:cxnSp>
-      <mc:AlternateContent xmlns:mc="http://schemas.openxmlformats.org/markup-compatibility/2006">
-        <mc:Choice xmlns:a14="http://schemas.microsoft.com/office/drawing/2010/main" Requires="a14">
+      <mc:AlternateContent xmlns:mc="http://schemas.openxmlformats.org/markup-compatibility/2006" xmlns:a14="http://schemas.microsoft.com/office/drawing/2010/main">
+        <mc:Choice Requires="a14">
           <p:sp>
             <p:nvSpPr>
               <p:cNvPr id="51" name="ZoneTexte 50"/>
@@ -6352,6 +6379,7 @@
               </a:bodyPr>
               <a:lstStyle/>
               <a:p>
+                <a:pPr/>
                 <a14:m>
                   <m:oMathPara xmlns:m="http://schemas.openxmlformats.org/officeDocument/2006/math">
                     <m:oMathParaPr>
@@ -6384,7 +6412,7 @@
             </p:txBody>
           </p:sp>
         </mc:Choice>
-        <mc:Fallback>
+        <mc:Fallback xmlns="">
           <p:sp>
             <p:nvSpPr>
               <p:cNvPr id="51" name="ZoneTexte 50"/>
@@ -6527,8 +6555,8 @@
           </a:fontRef>
         </p:style>
       </p:cxnSp>
-      <mc:AlternateContent xmlns:mc="http://schemas.openxmlformats.org/markup-compatibility/2006">
-        <mc:Choice xmlns:a14="http://schemas.microsoft.com/office/drawing/2010/main" Requires="a14">
+      <mc:AlternateContent xmlns:mc="http://schemas.openxmlformats.org/markup-compatibility/2006" xmlns:a14="http://schemas.microsoft.com/office/drawing/2010/main">
+        <mc:Choice Requires="a14">
           <p:sp>
             <p:nvSpPr>
               <p:cNvPr id="57" name="ZoneTexte 56"/>
@@ -6551,6 +6579,7 @@
               </a:bodyPr>
               <a:lstStyle/>
               <a:p>
+                <a:pPr/>
                 <a14:m>
                   <m:oMathPara xmlns:m="http://schemas.openxmlformats.org/officeDocument/2006/math">
                     <m:oMathParaPr>
@@ -6583,7 +6612,7 @@
             </p:txBody>
           </p:sp>
         </mc:Choice>
-        <mc:Fallback>
+        <mc:Fallback xmlns="">
           <p:sp>
             <p:nvSpPr>
               <p:cNvPr id="57" name="ZoneTexte 56"/>
@@ -6622,8 +6651,8 @@
           </p:sp>
         </mc:Fallback>
       </mc:AlternateContent>
-      <mc:AlternateContent xmlns:mc="http://schemas.openxmlformats.org/markup-compatibility/2006">
-        <mc:Choice xmlns:a14="http://schemas.microsoft.com/office/drawing/2010/main" Requires="a14">
+      <mc:AlternateContent xmlns:mc="http://schemas.openxmlformats.org/markup-compatibility/2006" xmlns:a14="http://schemas.microsoft.com/office/drawing/2010/main">
+        <mc:Choice Requires="a14">
           <p:sp>
             <p:nvSpPr>
               <p:cNvPr id="58" name="ZoneTexte 57"/>
@@ -6646,6 +6675,7 @@
               </a:bodyPr>
               <a:lstStyle/>
               <a:p>
+                <a:pPr/>
                 <a14:m>
                   <m:oMathPara xmlns:m="http://schemas.openxmlformats.org/officeDocument/2006/math">
                     <m:oMathParaPr>
@@ -6678,7 +6708,7 @@
             </p:txBody>
           </p:sp>
         </mc:Choice>
-        <mc:Fallback>
+        <mc:Fallback xmlns="">
           <p:sp>
             <p:nvSpPr>
               <p:cNvPr id="58" name="ZoneTexte 57"/>
@@ -6783,8 +6813,8 @@
           </a:fontRef>
         </p:style>
       </p:cxnSp>
-      <mc:AlternateContent xmlns:mc="http://schemas.openxmlformats.org/markup-compatibility/2006">
-        <mc:Choice xmlns:a14="http://schemas.microsoft.com/office/drawing/2010/main" Requires="a14">
+      <mc:AlternateContent xmlns:mc="http://schemas.openxmlformats.org/markup-compatibility/2006" xmlns:a14="http://schemas.microsoft.com/office/drawing/2010/main">
+        <mc:Choice Requires="a14">
           <p:sp>
             <p:nvSpPr>
               <p:cNvPr id="61" name="ZoneTexte 60"/>
@@ -6807,6 +6837,7 @@
               </a:bodyPr>
               <a:lstStyle/>
               <a:p>
+                <a:pPr/>
                 <a14:m>
                   <m:oMathPara xmlns:m="http://schemas.openxmlformats.org/officeDocument/2006/math">
                     <m:oMathParaPr>
@@ -6858,7 +6889,7 @@
             </p:txBody>
           </p:sp>
         </mc:Choice>
-        <mc:Fallback>
+        <mc:Fallback xmlns="">
           <p:sp>
             <p:nvSpPr>
               <p:cNvPr id="61" name="ZoneTexte 60"/>
@@ -6897,8 +6928,8 @@
           </p:sp>
         </mc:Fallback>
       </mc:AlternateContent>
-      <mc:AlternateContent xmlns:mc="http://schemas.openxmlformats.org/markup-compatibility/2006">
-        <mc:Choice xmlns:a14="http://schemas.microsoft.com/office/drawing/2010/main" Requires="a14">
+      <mc:AlternateContent xmlns:mc="http://schemas.openxmlformats.org/markup-compatibility/2006" xmlns:a14="http://schemas.microsoft.com/office/drawing/2010/main">
+        <mc:Choice Requires="a14">
           <p:sp>
             <p:nvSpPr>
               <p:cNvPr id="62" name="ZoneTexte 61"/>
@@ -6921,6 +6952,7 @@
               </a:bodyPr>
               <a:lstStyle/>
               <a:p>
+                <a:pPr/>
                 <a14:m>
                   <m:oMathPara xmlns:m="http://schemas.openxmlformats.org/officeDocument/2006/math">
                     <m:oMathParaPr>
@@ -6953,7 +6985,7 @@
             </p:txBody>
           </p:sp>
         </mc:Choice>
-        <mc:Fallback>
+        <mc:Fallback xmlns="">
           <p:sp>
             <p:nvSpPr>
               <p:cNvPr id="62" name="ZoneTexte 61"/>
@@ -7025,8 +7057,8 @@
           </a:fontRef>
         </p:style>
       </p:cxnSp>
-      <mc:AlternateContent xmlns:mc="http://schemas.openxmlformats.org/markup-compatibility/2006">
-        <mc:Choice xmlns:a14="http://schemas.microsoft.com/office/drawing/2010/main" Requires="a14">
+      <mc:AlternateContent xmlns:mc="http://schemas.openxmlformats.org/markup-compatibility/2006" xmlns:a14="http://schemas.microsoft.com/office/drawing/2010/main">
+        <mc:Choice Requires="a14">
           <p:sp>
             <p:nvSpPr>
               <p:cNvPr id="64" name="ZoneTexte 63"/>
@@ -7049,6 +7081,7 @@
               </a:bodyPr>
               <a:lstStyle/>
               <a:p>
+                <a:pPr/>
                 <a14:m>
                   <m:oMathPara xmlns:m="http://schemas.openxmlformats.org/officeDocument/2006/math">
                     <m:oMathParaPr>
@@ -7081,7 +7114,7 @@
             </p:txBody>
           </p:sp>
         </mc:Choice>
-        <mc:Fallback>
+        <mc:Fallback xmlns="">
           <p:sp>
             <p:nvSpPr>
               <p:cNvPr id="64" name="ZoneTexte 63"/>
@@ -7224,8 +7257,8 @@
           </a:fontRef>
         </p:style>
       </p:cxnSp>
-      <mc:AlternateContent xmlns:mc="http://schemas.openxmlformats.org/markup-compatibility/2006">
-        <mc:Choice xmlns:a14="http://schemas.microsoft.com/office/drawing/2010/main" Requires="a14">
+      <mc:AlternateContent xmlns:mc="http://schemas.openxmlformats.org/markup-compatibility/2006" xmlns:a14="http://schemas.microsoft.com/office/drawing/2010/main">
+        <mc:Choice Requires="a14">
           <p:sp>
             <p:nvSpPr>
               <p:cNvPr id="71" name="ZoneTexte 70"/>
@@ -7248,6 +7281,7 @@
               </a:bodyPr>
               <a:lstStyle/>
               <a:p>
+                <a:pPr/>
                 <a14:m>
                   <m:oMathPara xmlns:m="http://schemas.openxmlformats.org/officeDocument/2006/math">
                     <m:oMathParaPr>
@@ -7280,7 +7314,7 @@
             </p:txBody>
           </p:sp>
         </mc:Choice>
-        <mc:Fallback>
+        <mc:Fallback xmlns="">
           <p:sp>
             <p:nvSpPr>
               <p:cNvPr id="71" name="ZoneTexte 70"/>
@@ -7319,8 +7353,8 @@
           </p:sp>
         </mc:Fallback>
       </mc:AlternateContent>
-      <mc:AlternateContent xmlns:mc="http://schemas.openxmlformats.org/markup-compatibility/2006">
-        <mc:Choice xmlns:a14="http://schemas.microsoft.com/office/drawing/2010/main" Requires="a14">
+      <mc:AlternateContent xmlns:mc="http://schemas.openxmlformats.org/markup-compatibility/2006" xmlns:a14="http://schemas.microsoft.com/office/drawing/2010/main">
+        <mc:Choice Requires="a14">
           <p:sp>
             <p:nvSpPr>
               <p:cNvPr id="72" name="ZoneTexte 71"/>
@@ -7343,6 +7377,7 @@
               </a:bodyPr>
               <a:lstStyle/>
               <a:p>
+                <a:pPr/>
                 <a14:m>
                   <m:oMathPara xmlns:m="http://schemas.openxmlformats.org/officeDocument/2006/math">
                     <m:oMathParaPr>
@@ -7375,7 +7410,7 @@
             </p:txBody>
           </p:sp>
         </mc:Choice>
-        <mc:Fallback>
+        <mc:Fallback xmlns="">
           <p:sp>
             <p:nvSpPr>
               <p:cNvPr id="72" name="ZoneTexte 71"/>
@@ -7480,8 +7515,8 @@
           </a:fontRef>
         </p:style>
       </p:cxnSp>
-      <mc:AlternateContent xmlns:mc="http://schemas.openxmlformats.org/markup-compatibility/2006">
-        <mc:Choice xmlns:a14="http://schemas.microsoft.com/office/drawing/2010/main" Requires="a14">
+      <mc:AlternateContent xmlns:mc="http://schemas.openxmlformats.org/markup-compatibility/2006" xmlns:a14="http://schemas.microsoft.com/office/drawing/2010/main">
+        <mc:Choice Requires="a14">
           <p:sp>
             <p:nvSpPr>
               <p:cNvPr id="75" name="ZoneTexte 74"/>
@@ -7504,6 +7539,7 @@
               </a:bodyPr>
               <a:lstStyle/>
               <a:p>
+                <a:pPr/>
                 <a14:m>
                   <m:oMathPara xmlns:m="http://schemas.openxmlformats.org/officeDocument/2006/math">
                     <m:oMathParaPr>
@@ -7536,7 +7572,7 @@
             </p:txBody>
           </p:sp>
         </mc:Choice>
-        <mc:Fallback>
+        <mc:Fallback xmlns="">
           <p:sp>
             <p:nvSpPr>
               <p:cNvPr id="75" name="ZoneTexte 74"/>
@@ -7575,8 +7611,8 @@
           </p:sp>
         </mc:Fallback>
       </mc:AlternateContent>
-      <mc:AlternateContent xmlns:mc="http://schemas.openxmlformats.org/markup-compatibility/2006">
-        <mc:Choice xmlns:a14="http://schemas.microsoft.com/office/drawing/2010/main" Requires="a14">
+      <mc:AlternateContent xmlns:mc="http://schemas.openxmlformats.org/markup-compatibility/2006" xmlns:a14="http://schemas.microsoft.com/office/drawing/2010/main">
+        <mc:Choice Requires="a14">
           <p:sp>
             <p:nvSpPr>
               <p:cNvPr id="76" name="ZoneTexte 75"/>
@@ -7599,6 +7635,7 @@
               </a:bodyPr>
               <a:lstStyle/>
               <a:p>
+                <a:pPr/>
                 <a14:m>
                   <m:oMathPara xmlns:m="http://schemas.openxmlformats.org/officeDocument/2006/math">
                     <m:oMathParaPr>
@@ -7631,7 +7668,7 @@
             </p:txBody>
           </p:sp>
         </mc:Choice>
-        <mc:Fallback>
+        <mc:Fallback xmlns="">
           <p:sp>
             <p:nvSpPr>
               <p:cNvPr id="76" name="ZoneTexte 75"/>
@@ -7703,8 +7740,8 @@
           </a:fontRef>
         </p:style>
       </p:cxnSp>
-      <mc:AlternateContent xmlns:mc="http://schemas.openxmlformats.org/markup-compatibility/2006">
-        <mc:Choice xmlns:a14="http://schemas.microsoft.com/office/drawing/2010/main" Requires="a14">
+      <mc:AlternateContent xmlns:mc="http://schemas.openxmlformats.org/markup-compatibility/2006" xmlns:a14="http://schemas.microsoft.com/office/drawing/2010/main">
+        <mc:Choice Requires="a14">
           <p:sp>
             <p:nvSpPr>
               <p:cNvPr id="78" name="ZoneTexte 77"/>
@@ -7727,6 +7764,7 @@
               </a:bodyPr>
               <a:lstStyle/>
               <a:p>
+                <a:pPr/>
                 <a14:m>
                   <m:oMathPara xmlns:m="http://schemas.openxmlformats.org/officeDocument/2006/math">
                     <m:oMathParaPr>
@@ -7759,7 +7797,7 @@
             </p:txBody>
           </p:sp>
         </mc:Choice>
-        <mc:Fallback>
+        <mc:Fallback xmlns="">
           <p:sp>
             <p:nvSpPr>
               <p:cNvPr id="78" name="ZoneTexte 77"/>
@@ -7836,8 +7874,8 @@
           </a:fontRef>
         </p:style>
       </p:cxnSp>
-      <mc:AlternateContent xmlns:mc="http://schemas.openxmlformats.org/markup-compatibility/2006">
-        <mc:Choice xmlns:a14="http://schemas.microsoft.com/office/drawing/2010/main" Requires="a14">
+      <mc:AlternateContent xmlns:mc="http://schemas.openxmlformats.org/markup-compatibility/2006" xmlns:a14="http://schemas.microsoft.com/office/drawing/2010/main">
+        <mc:Choice Requires="a14">
           <p:sp>
             <p:nvSpPr>
               <p:cNvPr id="83" name="ZoneTexte 82"/>
@@ -7860,6 +7898,7 @@
               </a:bodyPr>
               <a:lstStyle/>
               <a:p>
+                <a:pPr/>
                 <a14:m>
                   <m:oMathPara xmlns:m="http://schemas.openxmlformats.org/officeDocument/2006/math">
                     <m:oMathParaPr>
@@ -7911,7 +7950,7 @@
             </p:txBody>
           </p:sp>
         </mc:Choice>
-        <mc:Fallback>
+        <mc:Fallback xmlns="">
           <p:sp>
             <p:nvSpPr>
               <p:cNvPr id="83" name="ZoneTexte 82"/>
@@ -8016,8 +8055,8 @@
           </a:fontRef>
         </p:style>
       </p:cxnSp>
-      <mc:AlternateContent xmlns:mc="http://schemas.openxmlformats.org/markup-compatibility/2006">
-        <mc:Choice xmlns:a14="http://schemas.microsoft.com/office/drawing/2010/main" Requires="a14">
+      <mc:AlternateContent xmlns:mc="http://schemas.openxmlformats.org/markup-compatibility/2006" xmlns:a14="http://schemas.microsoft.com/office/drawing/2010/main">
+        <mc:Choice Requires="a14">
           <p:sp>
             <p:nvSpPr>
               <p:cNvPr id="86" name="ZoneTexte 85"/>
@@ -8040,6 +8079,7 @@
               </a:bodyPr>
               <a:lstStyle/>
               <a:p>
+                <a:pPr/>
                 <a14:m>
                   <m:oMathPara xmlns:m="http://schemas.openxmlformats.org/officeDocument/2006/math">
                     <m:oMathParaPr>
@@ -8072,7 +8112,7 @@
             </p:txBody>
           </p:sp>
         </mc:Choice>
-        <mc:Fallback>
+        <mc:Fallback xmlns="">
           <p:sp>
             <p:nvSpPr>
               <p:cNvPr id="86" name="ZoneTexte 85"/>
@@ -8111,8 +8151,8 @@
           </p:sp>
         </mc:Fallback>
       </mc:AlternateContent>
-      <mc:AlternateContent xmlns:mc="http://schemas.openxmlformats.org/markup-compatibility/2006">
-        <mc:Choice xmlns:a14="http://schemas.microsoft.com/office/drawing/2010/main" Requires="a14">
+      <mc:AlternateContent xmlns:mc="http://schemas.openxmlformats.org/markup-compatibility/2006" xmlns:a14="http://schemas.microsoft.com/office/drawing/2010/main">
+        <mc:Choice Requires="a14">
           <p:sp>
             <p:nvSpPr>
               <p:cNvPr id="87" name="ZoneTexte 86"/>
@@ -8135,6 +8175,7 @@
               </a:bodyPr>
               <a:lstStyle/>
               <a:p>
+                <a:pPr/>
                 <a14:m>
                   <m:oMathPara xmlns:m="http://schemas.openxmlformats.org/officeDocument/2006/math">
                     <m:oMathParaPr>
@@ -8167,7 +8208,7 @@
             </p:txBody>
           </p:sp>
         </mc:Choice>
-        <mc:Fallback>
+        <mc:Fallback xmlns="">
           <p:sp>
             <p:nvSpPr>
               <p:cNvPr id="87" name="ZoneTexte 86"/>
@@ -8272,8 +8313,8 @@
           </a:fontRef>
         </p:style>
       </p:cxnSp>
-      <mc:AlternateContent xmlns:mc="http://schemas.openxmlformats.org/markup-compatibility/2006">
-        <mc:Choice xmlns:a14="http://schemas.microsoft.com/office/drawing/2010/main" Requires="a14">
+      <mc:AlternateContent xmlns:mc="http://schemas.openxmlformats.org/markup-compatibility/2006" xmlns:a14="http://schemas.microsoft.com/office/drawing/2010/main">
+        <mc:Choice Requires="a14">
           <p:sp>
             <p:nvSpPr>
               <p:cNvPr id="90" name="ZoneTexte 89"/>
@@ -8296,6 +8337,7 @@
               </a:bodyPr>
               <a:lstStyle/>
               <a:p>
+                <a:pPr/>
                 <a14:m>
                   <m:oMathPara xmlns:m="http://schemas.openxmlformats.org/officeDocument/2006/math">
                     <m:oMathParaPr>
@@ -8328,7 +8370,7 @@
             </p:txBody>
           </p:sp>
         </mc:Choice>
-        <mc:Fallback>
+        <mc:Fallback xmlns="">
           <p:sp>
             <p:nvSpPr>
               <p:cNvPr id="90" name="ZoneTexte 89"/>
@@ -8367,8 +8409,8 @@
           </p:sp>
         </mc:Fallback>
       </mc:AlternateContent>
-      <mc:AlternateContent xmlns:mc="http://schemas.openxmlformats.org/markup-compatibility/2006">
-        <mc:Choice xmlns:a14="http://schemas.microsoft.com/office/drawing/2010/main" Requires="a14">
+      <mc:AlternateContent xmlns:mc="http://schemas.openxmlformats.org/markup-compatibility/2006" xmlns:a14="http://schemas.microsoft.com/office/drawing/2010/main">
+        <mc:Choice Requires="a14">
           <p:sp>
             <p:nvSpPr>
               <p:cNvPr id="91" name="ZoneTexte 90"/>
@@ -8391,6 +8433,7 @@
               </a:bodyPr>
               <a:lstStyle/>
               <a:p>
+                <a:pPr/>
                 <a14:m>
                   <m:oMathPara xmlns:m="http://schemas.openxmlformats.org/officeDocument/2006/math">
                     <m:oMathParaPr>
@@ -8442,7 +8485,7 @@
             </p:txBody>
           </p:sp>
         </mc:Choice>
-        <mc:Fallback>
+        <mc:Fallback xmlns="">
           <p:sp>
             <p:nvSpPr>
               <p:cNvPr id="91" name="ZoneTexte 90"/>
@@ -8514,8 +8557,8 @@
           </a:fontRef>
         </p:style>
       </p:cxnSp>
-      <mc:AlternateContent xmlns:mc="http://schemas.openxmlformats.org/markup-compatibility/2006">
-        <mc:Choice xmlns:a14="http://schemas.microsoft.com/office/drawing/2010/main" Requires="a14">
+      <mc:AlternateContent xmlns:mc="http://schemas.openxmlformats.org/markup-compatibility/2006" xmlns:a14="http://schemas.microsoft.com/office/drawing/2010/main">
+        <mc:Choice Requires="a14">
           <p:sp>
             <p:nvSpPr>
               <p:cNvPr id="93" name="ZoneTexte 92"/>
@@ -8538,6 +8581,7 @@
               </a:bodyPr>
               <a:lstStyle/>
               <a:p>
+                <a:pPr/>
                 <a14:m>
                   <m:oMathPara xmlns:m="http://schemas.openxmlformats.org/officeDocument/2006/math">
                     <m:oMathParaPr>
@@ -8570,7 +8614,7 @@
             </p:txBody>
           </p:sp>
         </mc:Choice>
-        <mc:Fallback>
+        <mc:Fallback xmlns="">
           <p:sp>
             <p:nvSpPr>
               <p:cNvPr id="93" name="ZoneTexte 92"/>
@@ -8651,6 +8695,5053 @@
     <p:extLst>
       <p:ext uri="{BB962C8B-B14F-4D97-AF65-F5344CB8AC3E}">
         <p14:creationId xmlns:p14="http://schemas.microsoft.com/office/powerpoint/2010/main" val="2801158416"/>
+      </p:ext>
+    </p:extLst>
+  </p:cSld>
+  <p:clrMapOvr>
+    <a:masterClrMapping/>
+  </p:clrMapOvr>
+</p:sld>
+</file>
+
+<file path=ppt/slides/slide3.xml><?xml version="1.0" encoding="utf-8"?>
+<p:sld xmlns:a="http://schemas.openxmlformats.org/drawingml/2006/main" xmlns:r="http://schemas.openxmlformats.org/officeDocument/2006/relationships" xmlns:p="http://schemas.openxmlformats.org/presentationml/2006/main">
+  <p:cSld>
+    <p:spTree>
+      <p:nvGrpSpPr>
+        <p:cNvPr id="1" name=""/>
+        <p:cNvGrpSpPr/>
+        <p:nvPr/>
+      </p:nvGrpSpPr>
+      <p:grpSpPr>
+        <a:xfrm>
+          <a:off x="0" y="0"/>
+          <a:ext cx="0" cy="0"/>
+          <a:chOff x="0" y="0"/>
+          <a:chExt cx="0" cy="0"/>
+        </a:xfrm>
+      </p:grpSpPr>
+      <p:sp>
+        <p:nvSpPr>
+          <p:cNvPr id="21" name="Ellipse 20"/>
+          <p:cNvSpPr/>
+          <p:nvPr/>
+        </p:nvSpPr>
+        <p:spPr>
+          <a:xfrm>
+            <a:off x="2346775" y="3356992"/>
+            <a:ext cx="1584178" cy="1584178"/>
+          </a:xfrm>
+          <a:prstGeom prst="ellipse">
+            <a:avLst/>
+          </a:prstGeom>
+          <a:solidFill>
+            <a:schemeClr val="bg1"/>
+          </a:solidFill>
+          <a:ln w="19050">
+            <a:solidFill>
+              <a:srgbClr val="00B050"/>
+            </a:solidFill>
+          </a:ln>
+        </p:spPr>
+        <p:style>
+          <a:lnRef idx="2">
+            <a:schemeClr val="accent1">
+              <a:shade val="50000"/>
+            </a:schemeClr>
+          </a:lnRef>
+          <a:fillRef idx="1">
+            <a:schemeClr val="accent1"/>
+          </a:fillRef>
+          <a:effectRef idx="0">
+            <a:schemeClr val="accent1"/>
+          </a:effectRef>
+          <a:fontRef idx="minor">
+            <a:schemeClr val="lt1"/>
+          </a:fontRef>
+        </p:style>
+        <p:txBody>
+          <a:bodyPr rtlCol="0" anchor="ctr"/>
+          <a:lstStyle/>
+          <a:p>
+            <a:pPr algn="ctr"/>
+            <a:endParaRPr lang="fr-FR"/>
+          </a:p>
+        </p:txBody>
+      </p:sp>
+      <p:sp>
+        <p:nvSpPr>
+          <p:cNvPr id="17" name="Rectangle 16"/>
+          <p:cNvSpPr/>
+          <p:nvPr/>
+        </p:nvSpPr>
+        <p:spPr>
+          <a:xfrm>
+            <a:off x="1507594" y="5291712"/>
+            <a:ext cx="360000" cy="144000"/>
+          </a:xfrm>
+          <a:prstGeom prst="rect">
+            <a:avLst/>
+          </a:prstGeom>
+          <a:pattFill prst="wdUpDiag">
+            <a:fgClr>
+              <a:schemeClr val="tx1"/>
+            </a:fgClr>
+            <a:bgClr>
+              <a:schemeClr val="bg1"/>
+            </a:bgClr>
+          </a:pattFill>
+          <a:ln>
+            <a:noFill/>
+          </a:ln>
+        </p:spPr>
+        <p:style>
+          <a:lnRef idx="2">
+            <a:schemeClr val="accent1">
+              <a:shade val="50000"/>
+            </a:schemeClr>
+          </a:lnRef>
+          <a:fillRef idx="1">
+            <a:schemeClr val="accent1"/>
+          </a:fillRef>
+          <a:effectRef idx="0">
+            <a:schemeClr val="accent1"/>
+          </a:effectRef>
+          <a:fontRef idx="minor">
+            <a:schemeClr val="lt1"/>
+          </a:fontRef>
+        </p:style>
+        <p:txBody>
+          <a:bodyPr rtlCol="0" anchor="ctr"/>
+          <a:lstStyle/>
+          <a:p>
+            <a:pPr algn="ctr"/>
+            <a:endParaRPr lang="fr-FR"/>
+          </a:p>
+        </p:txBody>
+      </p:sp>
+      <p:cxnSp>
+        <p:nvCxnSpPr>
+          <p:cNvPr id="6" name="Connecteur droit 5"/>
+          <p:cNvCxnSpPr>
+            <a:stCxn id="4" idx="4"/>
+            <a:endCxn id="17" idx="0"/>
+          </p:cNvCxnSpPr>
+          <p:nvPr/>
+        </p:nvCxnSpPr>
+        <p:spPr>
+          <a:xfrm flipH="1">
+            <a:off x="1687594" y="5005322"/>
+            <a:ext cx="21" cy="286390"/>
+          </a:xfrm>
+          <a:prstGeom prst="line">
+            <a:avLst/>
+          </a:prstGeom>
+          <a:ln w="19050">
+            <a:solidFill>
+              <a:schemeClr val="tx1"/>
+            </a:solidFill>
+          </a:ln>
+        </p:spPr>
+        <p:style>
+          <a:lnRef idx="1">
+            <a:schemeClr val="accent1"/>
+          </a:lnRef>
+          <a:fillRef idx="0">
+            <a:schemeClr val="accent1"/>
+          </a:fillRef>
+          <a:effectRef idx="0">
+            <a:schemeClr val="accent1"/>
+          </a:effectRef>
+          <a:fontRef idx="minor">
+            <a:schemeClr val="tx1"/>
+          </a:fontRef>
+        </p:style>
+      </p:cxnSp>
+      <p:cxnSp>
+        <p:nvCxnSpPr>
+          <p:cNvPr id="8" name="Connecteur droit 7"/>
+          <p:cNvCxnSpPr/>
+          <p:nvPr/>
+        </p:nvCxnSpPr>
+        <p:spPr>
+          <a:xfrm flipH="1">
+            <a:off x="1507594" y="5291713"/>
+            <a:ext cx="360040" cy="0"/>
+          </a:xfrm>
+          <a:prstGeom prst="line">
+            <a:avLst/>
+          </a:prstGeom>
+          <a:ln w="19050">
+            <a:solidFill>
+              <a:schemeClr val="tx1"/>
+            </a:solidFill>
+          </a:ln>
+        </p:spPr>
+        <p:style>
+          <a:lnRef idx="1">
+            <a:schemeClr val="accent1"/>
+          </a:lnRef>
+          <a:fillRef idx="0">
+            <a:schemeClr val="accent1"/>
+          </a:fillRef>
+          <a:effectRef idx="0">
+            <a:schemeClr val="accent1"/>
+          </a:effectRef>
+          <a:fontRef idx="minor">
+            <a:schemeClr val="tx1"/>
+          </a:fontRef>
+        </p:style>
+      </p:cxnSp>
+      <p:cxnSp>
+        <p:nvCxnSpPr>
+          <p:cNvPr id="18" name="Connecteur droit 17"/>
+          <p:cNvCxnSpPr/>
+          <p:nvPr/>
+        </p:nvCxnSpPr>
+        <p:spPr>
+          <a:xfrm flipV="1">
+            <a:off x="1687615" y="4149081"/>
+            <a:ext cx="1451249" cy="712241"/>
+          </a:xfrm>
+          <a:prstGeom prst="line">
+            <a:avLst/>
+          </a:prstGeom>
+          <a:ln w="19050">
+            <a:solidFill>
+              <a:srgbClr val="FF0000"/>
+            </a:solidFill>
+          </a:ln>
+        </p:spPr>
+        <p:style>
+          <a:lnRef idx="1">
+            <a:schemeClr val="accent1"/>
+          </a:lnRef>
+          <a:fillRef idx="0">
+            <a:schemeClr val="accent1"/>
+          </a:fillRef>
+          <a:effectRef idx="0">
+            <a:schemeClr val="accent1"/>
+          </a:effectRef>
+          <a:fontRef idx="minor">
+            <a:schemeClr val="tx1"/>
+          </a:fontRef>
+        </p:style>
+      </p:cxnSp>
+      <p:sp>
+        <p:nvSpPr>
+          <p:cNvPr id="4" name="Ellipse 3"/>
+          <p:cNvSpPr/>
+          <p:nvPr/>
+        </p:nvSpPr>
+        <p:spPr>
+          <a:xfrm>
+            <a:off x="1543615" y="4717322"/>
+            <a:ext cx="288000" cy="288000"/>
+          </a:xfrm>
+          <a:prstGeom prst="ellipse">
+            <a:avLst/>
+          </a:prstGeom>
+          <a:solidFill>
+            <a:schemeClr val="bg1"/>
+          </a:solidFill>
+          <a:ln w="19050">
+            <a:solidFill>
+              <a:schemeClr val="tx1"/>
+            </a:solidFill>
+          </a:ln>
+        </p:spPr>
+        <p:style>
+          <a:lnRef idx="2">
+            <a:schemeClr val="accent1">
+              <a:shade val="50000"/>
+            </a:schemeClr>
+          </a:lnRef>
+          <a:fillRef idx="1">
+            <a:schemeClr val="accent1"/>
+          </a:fillRef>
+          <a:effectRef idx="0">
+            <a:schemeClr val="accent1"/>
+          </a:effectRef>
+          <a:fontRef idx="minor">
+            <a:schemeClr val="lt1"/>
+          </a:fontRef>
+        </p:style>
+        <p:txBody>
+          <a:bodyPr rtlCol="0" anchor="ctr"/>
+          <a:lstStyle/>
+          <a:p>
+            <a:pPr algn="ctr"/>
+            <a:endParaRPr lang="fr-FR"/>
+          </a:p>
+        </p:txBody>
+      </p:sp>
+      <p:sp>
+        <p:nvSpPr>
+          <p:cNvPr id="28" name="Ellipse 27"/>
+          <p:cNvSpPr/>
+          <p:nvPr/>
+        </p:nvSpPr>
+        <p:spPr>
+          <a:xfrm>
+            <a:off x="2978926" y="3989143"/>
+            <a:ext cx="319875" cy="319875"/>
+          </a:xfrm>
+          <a:prstGeom prst="ellipse">
+            <a:avLst/>
+          </a:prstGeom>
+          <a:solidFill>
+            <a:schemeClr val="bg1"/>
+          </a:solidFill>
+          <a:ln w="19050">
+            <a:solidFill>
+              <a:srgbClr val="00B050"/>
+            </a:solidFill>
+          </a:ln>
+        </p:spPr>
+        <p:style>
+          <a:lnRef idx="2">
+            <a:schemeClr val="accent1">
+              <a:shade val="50000"/>
+            </a:schemeClr>
+          </a:lnRef>
+          <a:fillRef idx="1">
+            <a:schemeClr val="accent1"/>
+          </a:fillRef>
+          <a:effectRef idx="0">
+            <a:schemeClr val="accent1"/>
+          </a:effectRef>
+          <a:fontRef idx="minor">
+            <a:schemeClr val="lt1"/>
+          </a:fontRef>
+        </p:style>
+        <p:txBody>
+          <a:bodyPr rtlCol="0" anchor="ctr"/>
+          <a:lstStyle/>
+          <a:p>
+            <a:pPr algn="ctr"/>
+            <a:endParaRPr lang="fr-FR"/>
+          </a:p>
+        </p:txBody>
+      </p:sp>
+      <p:cxnSp>
+        <p:nvCxnSpPr>
+          <p:cNvPr id="30" name="Connecteur droit 29"/>
+          <p:cNvCxnSpPr/>
+          <p:nvPr/>
+        </p:nvCxnSpPr>
+        <p:spPr>
+          <a:xfrm>
+            <a:off x="2843808" y="4941170"/>
+            <a:ext cx="1433136" cy="0"/>
+          </a:xfrm>
+          <a:prstGeom prst="line">
+            <a:avLst/>
+          </a:prstGeom>
+          <a:ln w="19050">
+            <a:solidFill>
+              <a:srgbClr val="0070C0"/>
+            </a:solidFill>
+          </a:ln>
+        </p:spPr>
+        <p:style>
+          <a:lnRef idx="1">
+            <a:schemeClr val="accent1"/>
+          </a:lnRef>
+          <a:fillRef idx="0">
+            <a:schemeClr val="accent1"/>
+          </a:fillRef>
+          <a:effectRef idx="0">
+            <a:schemeClr val="accent1"/>
+          </a:effectRef>
+          <a:fontRef idx="minor">
+            <a:schemeClr val="tx1"/>
+          </a:fontRef>
+        </p:style>
+      </p:cxnSp>
+      <p:cxnSp>
+        <p:nvCxnSpPr>
+          <p:cNvPr id="33" name="Connecteur droit 32"/>
+          <p:cNvCxnSpPr/>
+          <p:nvPr/>
+        </p:nvCxnSpPr>
+        <p:spPr>
+          <a:xfrm flipV="1">
+            <a:off x="3560376" y="4941171"/>
+            <a:ext cx="1" cy="792088"/>
+          </a:xfrm>
+          <a:prstGeom prst="line">
+            <a:avLst/>
+          </a:prstGeom>
+          <a:ln w="19050">
+            <a:solidFill>
+              <a:srgbClr val="0070C0"/>
+            </a:solidFill>
+          </a:ln>
+        </p:spPr>
+        <p:style>
+          <a:lnRef idx="1">
+            <a:schemeClr val="accent1"/>
+          </a:lnRef>
+          <a:fillRef idx="0">
+            <a:schemeClr val="accent1"/>
+          </a:fillRef>
+          <a:effectRef idx="0">
+            <a:schemeClr val="accent1"/>
+          </a:effectRef>
+          <a:fontRef idx="minor">
+            <a:schemeClr val="tx1"/>
+          </a:fontRef>
+        </p:style>
+      </p:cxnSp>
+      <p:cxnSp>
+        <p:nvCxnSpPr>
+          <p:cNvPr id="36" name="Connecteur droit 35"/>
+          <p:cNvCxnSpPr>
+            <a:stCxn id="21" idx="7"/>
+            <a:endCxn id="28" idx="7"/>
+          </p:cNvCxnSpPr>
+          <p:nvPr/>
+        </p:nvCxnSpPr>
+        <p:spPr>
+          <a:xfrm flipH="1">
+            <a:off x="3251956" y="3588989"/>
+            <a:ext cx="447000" cy="446999"/>
+          </a:xfrm>
+          <a:prstGeom prst="line">
+            <a:avLst/>
+          </a:prstGeom>
+          <a:ln w="19050">
+            <a:solidFill>
+              <a:srgbClr val="00B050"/>
+            </a:solidFill>
+          </a:ln>
+        </p:spPr>
+        <p:style>
+          <a:lnRef idx="1">
+            <a:schemeClr val="accent1"/>
+          </a:lnRef>
+          <a:fillRef idx="0">
+            <a:schemeClr val="accent1"/>
+          </a:fillRef>
+          <a:effectRef idx="0">
+            <a:schemeClr val="accent1"/>
+          </a:effectRef>
+          <a:fontRef idx="minor">
+            <a:schemeClr val="tx1"/>
+          </a:fontRef>
+        </p:style>
+      </p:cxnSp>
+      <p:sp>
+        <p:nvSpPr>
+          <p:cNvPr id="39" name="Rectangle 38"/>
+          <p:cNvSpPr/>
+          <p:nvPr/>
+        </p:nvSpPr>
+        <p:spPr>
+          <a:xfrm>
+            <a:off x="3488376" y="5219712"/>
+            <a:ext cx="144000" cy="288000"/>
+          </a:xfrm>
+          <a:prstGeom prst="rect">
+            <a:avLst/>
+          </a:prstGeom>
+          <a:solidFill>
+            <a:schemeClr val="bg1"/>
+          </a:solidFill>
+          <a:ln w="19050">
+            <a:solidFill>
+              <a:schemeClr val="tx1"/>
+            </a:solidFill>
+          </a:ln>
+        </p:spPr>
+        <p:style>
+          <a:lnRef idx="2">
+            <a:schemeClr val="accent1">
+              <a:shade val="50000"/>
+            </a:schemeClr>
+          </a:lnRef>
+          <a:fillRef idx="1">
+            <a:schemeClr val="accent1"/>
+          </a:fillRef>
+          <a:effectRef idx="0">
+            <a:schemeClr val="accent1"/>
+          </a:effectRef>
+          <a:fontRef idx="minor">
+            <a:schemeClr val="lt1"/>
+          </a:fontRef>
+        </p:style>
+        <p:txBody>
+          <a:bodyPr rtlCol="0" anchor="ctr"/>
+          <a:lstStyle/>
+          <a:p>
+            <a:pPr algn="ctr"/>
+            <a:endParaRPr lang="fr-FR"/>
+          </a:p>
+        </p:txBody>
+      </p:sp>
+      <p:cxnSp>
+        <p:nvCxnSpPr>
+          <p:cNvPr id="40" name="Connecteur droit 39"/>
+          <p:cNvCxnSpPr/>
+          <p:nvPr/>
+        </p:nvCxnSpPr>
+        <p:spPr>
+          <a:xfrm flipH="1">
+            <a:off x="1687594" y="5148517"/>
+            <a:ext cx="1291332" cy="1"/>
+          </a:xfrm>
+          <a:prstGeom prst="line">
+            <a:avLst/>
+          </a:prstGeom>
+          <a:ln w="19050">
+            <a:solidFill>
+              <a:schemeClr val="tx1"/>
+            </a:solidFill>
+          </a:ln>
+        </p:spPr>
+        <p:style>
+          <a:lnRef idx="1">
+            <a:schemeClr val="accent1"/>
+          </a:lnRef>
+          <a:fillRef idx="0">
+            <a:schemeClr val="accent1"/>
+          </a:fillRef>
+          <a:effectRef idx="0">
+            <a:schemeClr val="accent1"/>
+          </a:effectRef>
+          <a:fontRef idx="minor">
+            <a:schemeClr val="tx1"/>
+          </a:fontRef>
+        </p:style>
+      </p:cxnSp>
+      <p:cxnSp>
+        <p:nvCxnSpPr>
+          <p:cNvPr id="43" name="Connecteur droit 42"/>
+          <p:cNvCxnSpPr>
+            <a:stCxn id="39" idx="1"/>
+          </p:cNvCxnSpPr>
+          <p:nvPr/>
+        </p:nvCxnSpPr>
+        <p:spPr>
+          <a:xfrm flipH="1">
+            <a:off x="2978926" y="5363712"/>
+            <a:ext cx="509450" cy="0"/>
+          </a:xfrm>
+          <a:prstGeom prst="line">
+            <a:avLst/>
+          </a:prstGeom>
+          <a:ln w="19050">
+            <a:solidFill>
+              <a:schemeClr val="tx1"/>
+            </a:solidFill>
+          </a:ln>
+        </p:spPr>
+        <p:style>
+          <a:lnRef idx="1">
+            <a:schemeClr val="accent1"/>
+          </a:lnRef>
+          <a:fillRef idx="0">
+            <a:schemeClr val="accent1"/>
+          </a:fillRef>
+          <a:effectRef idx="0">
+            <a:schemeClr val="accent1"/>
+          </a:effectRef>
+          <a:fontRef idx="minor">
+            <a:schemeClr val="tx1"/>
+          </a:fontRef>
+        </p:style>
+      </p:cxnSp>
+      <p:cxnSp>
+        <p:nvCxnSpPr>
+          <p:cNvPr id="46" name="Connecteur droit 45"/>
+          <p:cNvCxnSpPr/>
+          <p:nvPr/>
+        </p:nvCxnSpPr>
+        <p:spPr>
+          <a:xfrm>
+            <a:off x="2978926" y="5148518"/>
+            <a:ext cx="0" cy="215195"/>
+          </a:xfrm>
+          <a:prstGeom prst="line">
+            <a:avLst/>
+          </a:prstGeom>
+          <a:ln w="19050">
+            <a:solidFill>
+              <a:schemeClr val="tx1"/>
+            </a:solidFill>
+          </a:ln>
+        </p:spPr>
+        <p:style>
+          <a:lnRef idx="1">
+            <a:schemeClr val="accent1"/>
+          </a:lnRef>
+          <a:fillRef idx="0">
+            <a:schemeClr val="accent1"/>
+          </a:fillRef>
+          <a:effectRef idx="0">
+            <a:schemeClr val="accent1"/>
+          </a:effectRef>
+          <a:fontRef idx="minor">
+            <a:schemeClr val="tx1"/>
+          </a:fontRef>
+        </p:style>
+      </p:cxnSp>
+      <mc:AlternateContent xmlns:mc="http://schemas.openxmlformats.org/markup-compatibility/2006">
+        <mc:Choice xmlns:a14="http://schemas.microsoft.com/office/drawing/2010/main" Requires="a14">
+          <p:sp>
+            <p:nvSpPr>
+              <p:cNvPr id="51" name="ZoneTexte 50"/>
+              <p:cNvSpPr txBox="1"/>
+              <p:nvPr/>
+            </p:nvSpPr>
+            <p:spPr>
+              <a:xfrm>
+                <a:off x="1223343" y="4722822"/>
+                <a:ext cx="325024" cy="276999"/>
+              </a:xfrm>
+              <a:prstGeom prst="rect">
+                <a:avLst/>
+              </a:prstGeom>
+              <a:noFill/>
+            </p:spPr>
+            <p:txBody>
+              <a:bodyPr wrap="none" rtlCol="0">
+                <a:spAutoFit/>
+              </a:bodyPr>
+              <a:lstStyle/>
+              <a:p>
+                <a14:m>
+                  <m:oMathPara xmlns:m="http://schemas.openxmlformats.org/officeDocument/2006/math">
+                    <m:oMathParaPr>
+                      <m:jc m:val="centerGroup"/>
+                    </m:oMathParaPr>
+                    <m:oMath xmlns:m="http://schemas.openxmlformats.org/officeDocument/2006/math">
+                      <m:r>
+                        <a:rPr lang="fr-FR" sz="1200" b="0" i="1" smtClean="0">
+                          <a:latin typeface="Cambria Math"/>
+                        </a:rPr>
+                        <m:t>𝐵</m:t>
+                      </m:r>
+                    </m:oMath>
+                  </m:oMathPara>
+                </a14:m>
+                <a:endParaRPr lang="fr-FR" sz="1200" dirty="0"/>
+              </a:p>
+            </p:txBody>
+          </p:sp>
+        </mc:Choice>
+        <mc:Fallback>
+          <p:sp>
+            <p:nvSpPr>
+              <p:cNvPr id="51" name="ZoneTexte 50"/>
+              <p:cNvSpPr txBox="1">
+                <a:spLocks noRot="1" noChangeAspect="1" noMove="1" noResize="1" noEditPoints="1" noAdjustHandles="1" noChangeArrowheads="1" noChangeShapeType="1" noTextEdit="1"/>
+              </p:cNvSpPr>
+              <p:nvPr/>
+            </p:nvSpPr>
+            <p:spPr>
+              <a:xfrm>
+                <a:off x="1223343" y="4722822"/>
+                <a:ext cx="325024" cy="276999"/>
+              </a:xfrm>
+              <a:prstGeom prst="rect">
+                <a:avLst/>
+              </a:prstGeom>
+              <a:blipFill rotWithShape="1">
+                <a:blip r:embed="rId2"/>
+                <a:stretch>
+                  <a:fillRect/>
+                </a:stretch>
+              </a:blipFill>
+            </p:spPr>
+            <p:txBody>
+              <a:bodyPr/>
+              <a:lstStyle/>
+              <a:p>
+                <a:r>
+                  <a:rPr lang="fr-FR">
+                    <a:noFill/>
+                  </a:rPr>
+                  <a:t> </a:t>
+                </a:r>
+              </a:p>
+            </p:txBody>
+          </p:sp>
+        </mc:Fallback>
+      </mc:AlternateContent>
+      <mc:AlternateContent xmlns:mc="http://schemas.openxmlformats.org/markup-compatibility/2006">
+        <mc:Choice xmlns:a14="http://schemas.microsoft.com/office/drawing/2010/main" Requires="a14">
+          <p:sp>
+            <p:nvSpPr>
+              <p:cNvPr id="52" name="ZoneTexte 51"/>
+              <p:cNvSpPr txBox="1"/>
+              <p:nvPr/>
+            </p:nvSpPr>
+            <p:spPr>
+              <a:xfrm>
+                <a:off x="2979611" y="3709250"/>
+                <a:ext cx="319190" cy="276999"/>
+              </a:xfrm>
+              <a:prstGeom prst="rect">
+                <a:avLst/>
+              </a:prstGeom>
+              <a:noFill/>
+            </p:spPr>
+            <p:txBody>
+              <a:bodyPr wrap="none" rtlCol="0">
+                <a:spAutoFit/>
+              </a:bodyPr>
+              <a:lstStyle/>
+              <a:p>
+                <a14:m>
+                  <m:oMathPara xmlns:m="http://schemas.openxmlformats.org/officeDocument/2006/math">
+                    <m:oMathParaPr>
+                      <m:jc m:val="centerGroup"/>
+                    </m:oMathParaPr>
+                    <m:oMath xmlns:m="http://schemas.openxmlformats.org/officeDocument/2006/math">
+                      <m:r>
+                        <a:rPr lang="fr-FR" sz="1200" b="0" i="1" smtClean="0">
+                          <a:latin typeface="Cambria Math"/>
+                        </a:rPr>
+                        <m:t>𝐴</m:t>
+                      </m:r>
+                    </m:oMath>
+                  </m:oMathPara>
+                </a14:m>
+                <a:endParaRPr lang="fr-FR" sz="1200" dirty="0"/>
+              </a:p>
+            </p:txBody>
+          </p:sp>
+        </mc:Choice>
+        <mc:Fallback>
+          <p:sp>
+            <p:nvSpPr>
+              <p:cNvPr id="52" name="ZoneTexte 51"/>
+              <p:cNvSpPr txBox="1">
+                <a:spLocks noRot="1" noChangeAspect="1" noMove="1" noResize="1" noEditPoints="1" noAdjustHandles="1" noChangeArrowheads="1" noChangeShapeType="1" noTextEdit="1"/>
+              </p:cNvSpPr>
+              <p:nvPr/>
+            </p:nvSpPr>
+            <p:spPr>
+              <a:xfrm>
+                <a:off x="2979611" y="3709250"/>
+                <a:ext cx="319190" cy="276999"/>
+              </a:xfrm>
+              <a:prstGeom prst="rect">
+                <a:avLst/>
+              </a:prstGeom>
+              <a:blipFill rotWithShape="1">
+                <a:blip r:embed="rId3"/>
+                <a:stretch>
+                  <a:fillRect/>
+                </a:stretch>
+              </a:blipFill>
+            </p:spPr>
+            <p:txBody>
+              <a:bodyPr/>
+              <a:lstStyle/>
+              <a:p>
+                <a:r>
+                  <a:rPr lang="fr-FR">
+                    <a:noFill/>
+                  </a:rPr>
+                  <a:t> </a:t>
+                </a:r>
+              </a:p>
+            </p:txBody>
+          </p:sp>
+        </mc:Fallback>
+      </mc:AlternateContent>
+      <mc:AlternateContent xmlns:mc="http://schemas.openxmlformats.org/markup-compatibility/2006">
+        <mc:Choice xmlns:a14="http://schemas.microsoft.com/office/drawing/2010/main" Requires="a14">
+          <p:sp>
+            <p:nvSpPr>
+              <p:cNvPr id="53" name="ZoneTexte 52"/>
+              <p:cNvSpPr txBox="1"/>
+              <p:nvPr/>
+            </p:nvSpPr>
+            <p:spPr>
+              <a:xfrm>
+                <a:off x="2973753" y="4978559"/>
+                <a:ext cx="330219" cy="276999"/>
+              </a:xfrm>
+              <a:prstGeom prst="rect">
+                <a:avLst/>
+              </a:prstGeom>
+              <a:noFill/>
+            </p:spPr>
+            <p:txBody>
+              <a:bodyPr wrap="none" rtlCol="0">
+                <a:spAutoFit/>
+              </a:bodyPr>
+              <a:lstStyle/>
+              <a:p>
+                <a14:m>
+                  <m:oMathPara xmlns:m="http://schemas.openxmlformats.org/officeDocument/2006/math">
+                    <m:oMathParaPr>
+                      <m:jc m:val="centerGroup"/>
+                    </m:oMathParaPr>
+                    <m:oMath xmlns:m="http://schemas.openxmlformats.org/officeDocument/2006/math">
+                      <m:r>
+                        <a:rPr lang="fr-FR" sz="1200" b="0" i="1" smtClean="0">
+                          <a:latin typeface="Cambria Math"/>
+                        </a:rPr>
+                        <m:t>𝐷</m:t>
+                      </m:r>
+                    </m:oMath>
+                  </m:oMathPara>
+                </a14:m>
+                <a:endParaRPr lang="fr-FR" sz="1200" dirty="0"/>
+              </a:p>
+            </p:txBody>
+          </p:sp>
+        </mc:Choice>
+        <mc:Fallback>
+          <p:sp>
+            <p:nvSpPr>
+              <p:cNvPr id="53" name="ZoneTexte 52"/>
+              <p:cNvSpPr txBox="1">
+                <a:spLocks noRot="1" noChangeAspect="1" noMove="1" noResize="1" noEditPoints="1" noAdjustHandles="1" noChangeArrowheads="1" noChangeShapeType="1" noTextEdit="1"/>
+              </p:cNvSpPr>
+              <p:nvPr/>
+            </p:nvSpPr>
+            <p:spPr>
+              <a:xfrm>
+                <a:off x="2973753" y="4978559"/>
+                <a:ext cx="330219" cy="276999"/>
+              </a:xfrm>
+              <a:prstGeom prst="rect">
+                <a:avLst/>
+              </a:prstGeom>
+              <a:blipFill rotWithShape="1">
+                <a:blip r:embed="rId4"/>
+                <a:stretch>
+                  <a:fillRect/>
+                </a:stretch>
+              </a:blipFill>
+            </p:spPr>
+            <p:txBody>
+              <a:bodyPr/>
+              <a:lstStyle/>
+              <a:p>
+                <a:r>
+                  <a:rPr lang="fr-FR">
+                    <a:noFill/>
+                  </a:rPr>
+                  <a:t> </a:t>
+                </a:r>
+              </a:p>
+            </p:txBody>
+          </p:sp>
+        </mc:Fallback>
+      </mc:AlternateContent>
+      <mc:AlternateContent xmlns:mc="http://schemas.openxmlformats.org/markup-compatibility/2006">
+        <mc:Choice xmlns:a14="http://schemas.microsoft.com/office/drawing/2010/main" Requires="a14">
+          <p:sp>
+            <p:nvSpPr>
+              <p:cNvPr id="54" name="ZoneTexte 53"/>
+              <p:cNvSpPr txBox="1"/>
+              <p:nvPr/>
+            </p:nvSpPr>
+            <p:spPr>
+              <a:xfrm>
+                <a:off x="3560377" y="4941170"/>
+                <a:ext cx="322139" cy="276999"/>
+              </a:xfrm>
+              <a:prstGeom prst="rect">
+                <a:avLst/>
+              </a:prstGeom>
+              <a:noFill/>
+            </p:spPr>
+            <p:txBody>
+              <a:bodyPr wrap="none" rtlCol="0">
+                <a:spAutoFit/>
+              </a:bodyPr>
+              <a:lstStyle/>
+              <a:p>
+                <a14:m>
+                  <m:oMathPara xmlns:m="http://schemas.openxmlformats.org/officeDocument/2006/math">
+                    <m:oMathParaPr>
+                      <m:jc m:val="centerGroup"/>
+                    </m:oMathParaPr>
+                    <m:oMath xmlns:m="http://schemas.openxmlformats.org/officeDocument/2006/math">
+                      <m:r>
+                        <a:rPr lang="fr-FR" sz="1200" b="0" i="1" smtClean="0">
+                          <a:latin typeface="Cambria Math"/>
+                        </a:rPr>
+                        <m:t>𝐸</m:t>
+                      </m:r>
+                    </m:oMath>
+                  </m:oMathPara>
+                </a14:m>
+                <a:endParaRPr lang="fr-FR" sz="1200" dirty="0"/>
+              </a:p>
+            </p:txBody>
+          </p:sp>
+        </mc:Choice>
+        <mc:Fallback>
+          <p:sp>
+            <p:nvSpPr>
+              <p:cNvPr id="54" name="ZoneTexte 53"/>
+              <p:cNvSpPr txBox="1">
+                <a:spLocks noRot="1" noChangeAspect="1" noMove="1" noResize="1" noEditPoints="1" noAdjustHandles="1" noChangeArrowheads="1" noChangeShapeType="1" noTextEdit="1"/>
+              </p:cNvSpPr>
+              <p:nvPr/>
+            </p:nvSpPr>
+            <p:spPr>
+              <a:xfrm>
+                <a:off x="3560377" y="4941170"/>
+                <a:ext cx="322139" cy="276999"/>
+              </a:xfrm>
+              <a:prstGeom prst="rect">
+                <a:avLst/>
+              </a:prstGeom>
+              <a:blipFill rotWithShape="1">
+                <a:blip r:embed="rId5"/>
+                <a:stretch>
+                  <a:fillRect/>
+                </a:stretch>
+              </a:blipFill>
+            </p:spPr>
+            <p:txBody>
+              <a:bodyPr/>
+              <a:lstStyle/>
+              <a:p>
+                <a:r>
+                  <a:rPr lang="fr-FR">
+                    <a:noFill/>
+                  </a:rPr>
+                  <a:t> </a:t>
+                </a:r>
+              </a:p>
+            </p:txBody>
+          </p:sp>
+        </mc:Fallback>
+      </mc:AlternateContent>
+      <mc:AlternateContent xmlns:mc="http://schemas.openxmlformats.org/markup-compatibility/2006">
+        <mc:Choice xmlns:a14="http://schemas.microsoft.com/office/drawing/2010/main" Requires="a14">
+          <p:sp>
+            <p:nvSpPr>
+              <p:cNvPr id="55" name="ZoneTexte 54"/>
+              <p:cNvSpPr txBox="1"/>
+              <p:nvPr/>
+            </p:nvSpPr>
+            <p:spPr>
+              <a:xfrm>
+                <a:off x="3632376" y="5230713"/>
+                <a:ext cx="320536" cy="276999"/>
+              </a:xfrm>
+              <a:prstGeom prst="rect">
+                <a:avLst/>
+              </a:prstGeom>
+              <a:noFill/>
+            </p:spPr>
+            <p:txBody>
+              <a:bodyPr wrap="none" rtlCol="0">
+                <a:spAutoFit/>
+              </a:bodyPr>
+              <a:lstStyle/>
+              <a:p>
+                <a14:m>
+                  <m:oMathPara xmlns:m="http://schemas.openxmlformats.org/officeDocument/2006/math">
+                    <m:oMathParaPr>
+                      <m:jc m:val="centerGroup"/>
+                    </m:oMathParaPr>
+                    <m:oMath xmlns:m="http://schemas.openxmlformats.org/officeDocument/2006/math">
+                      <m:r>
+                        <a:rPr lang="fr-FR" sz="1200" b="0" i="1" smtClean="0">
+                          <a:latin typeface="Cambria Math"/>
+                        </a:rPr>
+                        <m:t>𝐹</m:t>
+                      </m:r>
+                    </m:oMath>
+                  </m:oMathPara>
+                </a14:m>
+                <a:endParaRPr lang="fr-FR" sz="1200" dirty="0"/>
+              </a:p>
+            </p:txBody>
+          </p:sp>
+        </mc:Choice>
+        <mc:Fallback>
+          <p:sp>
+            <p:nvSpPr>
+              <p:cNvPr id="55" name="ZoneTexte 54"/>
+              <p:cNvSpPr txBox="1">
+                <a:spLocks noRot="1" noChangeAspect="1" noMove="1" noResize="1" noEditPoints="1" noAdjustHandles="1" noChangeArrowheads="1" noChangeShapeType="1" noTextEdit="1"/>
+              </p:cNvSpPr>
+              <p:nvPr/>
+            </p:nvSpPr>
+            <p:spPr>
+              <a:xfrm>
+                <a:off x="3632376" y="5230713"/>
+                <a:ext cx="320536" cy="276999"/>
+              </a:xfrm>
+              <a:prstGeom prst="rect">
+                <a:avLst/>
+              </a:prstGeom>
+              <a:blipFill rotWithShape="1">
+                <a:blip r:embed="rId6"/>
+                <a:stretch>
+                  <a:fillRect/>
+                </a:stretch>
+              </a:blipFill>
+            </p:spPr>
+            <p:txBody>
+              <a:bodyPr/>
+              <a:lstStyle/>
+              <a:p>
+                <a:r>
+                  <a:rPr lang="fr-FR">
+                    <a:noFill/>
+                  </a:rPr>
+                  <a:t> </a:t>
+                </a:r>
+              </a:p>
+            </p:txBody>
+          </p:sp>
+        </mc:Fallback>
+      </mc:AlternateContent>
+      <mc:AlternateContent xmlns:mc="http://schemas.openxmlformats.org/markup-compatibility/2006">
+        <mc:Choice xmlns:a14="http://schemas.microsoft.com/office/drawing/2010/main" Requires="a14">
+          <p:sp>
+            <p:nvSpPr>
+              <p:cNvPr id="56" name="ZoneTexte 55"/>
+              <p:cNvSpPr txBox="1"/>
+              <p:nvPr/>
+            </p:nvSpPr>
+            <p:spPr>
+              <a:xfrm>
+                <a:off x="3691292" y="3356992"/>
+                <a:ext cx="318036" cy="276999"/>
+              </a:xfrm>
+              <a:prstGeom prst="rect">
+                <a:avLst/>
+              </a:prstGeom>
+              <a:noFill/>
+            </p:spPr>
+            <p:txBody>
+              <a:bodyPr wrap="none" rtlCol="0">
+                <a:spAutoFit/>
+              </a:bodyPr>
+              <a:lstStyle/>
+              <a:p>
+                <a14:m>
+                  <m:oMathPara xmlns:m="http://schemas.openxmlformats.org/officeDocument/2006/math">
+                    <m:oMathParaPr>
+                      <m:jc m:val="centerGroup"/>
+                    </m:oMathParaPr>
+                    <m:oMath xmlns:m="http://schemas.openxmlformats.org/officeDocument/2006/math">
+                      <m:r>
+                        <a:rPr lang="fr-FR" sz="1200" b="0" i="1" smtClean="0">
+                          <a:latin typeface="Cambria Math"/>
+                        </a:rPr>
+                        <m:t>𝐶</m:t>
+                      </m:r>
+                    </m:oMath>
+                  </m:oMathPara>
+                </a14:m>
+                <a:endParaRPr lang="fr-FR" sz="1200" dirty="0"/>
+              </a:p>
+            </p:txBody>
+          </p:sp>
+        </mc:Choice>
+        <mc:Fallback>
+          <p:sp>
+            <p:nvSpPr>
+              <p:cNvPr id="56" name="ZoneTexte 55"/>
+              <p:cNvSpPr txBox="1">
+                <a:spLocks noRot="1" noChangeAspect="1" noMove="1" noResize="1" noEditPoints="1" noAdjustHandles="1" noChangeArrowheads="1" noChangeShapeType="1" noTextEdit="1"/>
+              </p:cNvSpPr>
+              <p:nvPr/>
+            </p:nvSpPr>
+            <p:spPr>
+              <a:xfrm>
+                <a:off x="3691292" y="3356992"/>
+                <a:ext cx="318036" cy="276999"/>
+              </a:xfrm>
+              <a:prstGeom prst="rect">
+                <a:avLst/>
+              </a:prstGeom>
+              <a:blipFill rotWithShape="1">
+                <a:blip r:embed="rId7"/>
+                <a:stretch>
+                  <a:fillRect/>
+                </a:stretch>
+              </a:blipFill>
+            </p:spPr>
+            <p:txBody>
+              <a:bodyPr/>
+              <a:lstStyle/>
+              <a:p>
+                <a:r>
+                  <a:rPr lang="fr-FR">
+                    <a:noFill/>
+                  </a:rPr>
+                  <a:t> </a:t>
+                </a:r>
+              </a:p>
+            </p:txBody>
+          </p:sp>
+        </mc:Fallback>
+      </mc:AlternateContent>
+      <p:sp>
+        <p:nvSpPr>
+          <p:cNvPr id="58" name="Ellipse 57"/>
+          <p:cNvSpPr/>
+          <p:nvPr/>
+        </p:nvSpPr>
+        <p:spPr>
+          <a:xfrm>
+            <a:off x="1907704" y="5193215"/>
+            <a:ext cx="288000" cy="288000"/>
+          </a:xfrm>
+          <a:prstGeom prst="ellipse">
+            <a:avLst/>
+          </a:prstGeom>
+          <a:solidFill>
+            <a:schemeClr val="bg1"/>
+          </a:solidFill>
+          <a:ln w="19050">
+            <a:solidFill>
+              <a:schemeClr val="tx1"/>
+            </a:solidFill>
+          </a:ln>
+        </p:spPr>
+        <p:style>
+          <a:lnRef idx="2">
+            <a:schemeClr val="accent1">
+              <a:shade val="50000"/>
+            </a:schemeClr>
+          </a:lnRef>
+          <a:fillRef idx="1">
+            <a:schemeClr val="accent1"/>
+          </a:fillRef>
+          <a:effectRef idx="0">
+            <a:schemeClr val="accent1"/>
+          </a:effectRef>
+          <a:fontRef idx="minor">
+            <a:schemeClr val="lt1"/>
+          </a:fontRef>
+        </p:style>
+        <p:txBody>
+          <a:bodyPr rtlCol="0" anchor="ctr"/>
+          <a:lstStyle/>
+          <a:p>
+            <a:pPr algn="ctr"/>
+            <a:r>
+              <a:rPr lang="fr-FR" sz="1200" dirty="0" smtClean="0">
+                <a:solidFill>
+                  <a:sysClr val="windowText" lastClr="000000"/>
+                </a:solidFill>
+              </a:rPr>
+              <a:t>0</a:t>
+            </a:r>
+            <a:endParaRPr lang="fr-FR" sz="1200" dirty="0">
+              <a:solidFill>
+                <a:sysClr val="windowText" lastClr="000000"/>
+              </a:solidFill>
+            </a:endParaRPr>
+          </a:p>
+        </p:txBody>
+      </p:sp>
+      <p:sp>
+        <p:nvSpPr>
+          <p:cNvPr id="59" name="Ellipse 58"/>
+          <p:cNvSpPr/>
+          <p:nvPr/>
+        </p:nvSpPr>
+        <p:spPr>
+          <a:xfrm>
+            <a:off x="1923567" y="4309018"/>
+            <a:ext cx="288000" cy="288000"/>
+          </a:xfrm>
+          <a:prstGeom prst="ellipse">
+            <a:avLst/>
+          </a:prstGeom>
+          <a:solidFill>
+            <a:schemeClr val="bg1"/>
+          </a:solidFill>
+          <a:ln w="19050">
+            <a:solidFill>
+              <a:srgbClr val="FF0000"/>
+            </a:solidFill>
+          </a:ln>
+        </p:spPr>
+        <p:style>
+          <a:lnRef idx="2">
+            <a:schemeClr val="accent1">
+              <a:shade val="50000"/>
+            </a:schemeClr>
+          </a:lnRef>
+          <a:fillRef idx="1">
+            <a:schemeClr val="accent1"/>
+          </a:fillRef>
+          <a:effectRef idx="0">
+            <a:schemeClr val="accent1"/>
+          </a:effectRef>
+          <a:fontRef idx="minor">
+            <a:schemeClr val="lt1"/>
+          </a:fontRef>
+        </p:style>
+        <p:txBody>
+          <a:bodyPr rtlCol="0" anchor="ctr"/>
+          <a:lstStyle/>
+          <a:p>
+            <a:pPr algn="ctr"/>
+            <a:r>
+              <a:rPr lang="fr-FR" sz="1200" dirty="0">
+                <a:solidFill>
+                  <a:srgbClr val="FF0000"/>
+                </a:solidFill>
+              </a:rPr>
+              <a:t>1</a:t>
+            </a:r>
+            <a:endParaRPr lang="fr-FR" sz="1200" dirty="0">
+              <a:solidFill>
+                <a:srgbClr val="FF0000"/>
+              </a:solidFill>
+            </a:endParaRPr>
+          </a:p>
+        </p:txBody>
+      </p:sp>
+      <p:sp>
+        <p:nvSpPr>
+          <p:cNvPr id="60" name="Ellipse 59"/>
+          <p:cNvSpPr/>
+          <p:nvPr/>
+        </p:nvSpPr>
+        <p:spPr>
+          <a:xfrm>
+            <a:off x="3950917" y="4021018"/>
+            <a:ext cx="288000" cy="288000"/>
+          </a:xfrm>
+          <a:prstGeom prst="ellipse">
+            <a:avLst/>
+          </a:prstGeom>
+          <a:solidFill>
+            <a:schemeClr val="bg1"/>
+          </a:solidFill>
+          <a:ln w="19050">
+            <a:solidFill>
+              <a:srgbClr val="00B050"/>
+            </a:solidFill>
+          </a:ln>
+        </p:spPr>
+        <p:style>
+          <a:lnRef idx="2">
+            <a:schemeClr val="accent1">
+              <a:shade val="50000"/>
+            </a:schemeClr>
+          </a:lnRef>
+          <a:fillRef idx="1">
+            <a:schemeClr val="accent1"/>
+          </a:fillRef>
+          <a:effectRef idx="0">
+            <a:schemeClr val="accent1"/>
+          </a:effectRef>
+          <a:fontRef idx="minor">
+            <a:schemeClr val="lt1"/>
+          </a:fontRef>
+        </p:style>
+        <p:txBody>
+          <a:bodyPr rtlCol="0" anchor="ctr"/>
+          <a:lstStyle/>
+          <a:p>
+            <a:pPr algn="ctr"/>
+            <a:r>
+              <a:rPr lang="fr-FR" sz="1200" dirty="0" smtClean="0">
+                <a:solidFill>
+                  <a:srgbClr val="00B050"/>
+                </a:solidFill>
+              </a:rPr>
+              <a:t>2</a:t>
+            </a:r>
+            <a:endParaRPr lang="fr-FR" sz="1200" dirty="0">
+              <a:solidFill>
+                <a:srgbClr val="00B050"/>
+              </a:solidFill>
+            </a:endParaRPr>
+          </a:p>
+        </p:txBody>
+      </p:sp>
+      <p:sp>
+        <p:nvSpPr>
+          <p:cNvPr id="61" name="Ellipse 60"/>
+          <p:cNvSpPr/>
+          <p:nvPr/>
+        </p:nvSpPr>
+        <p:spPr>
+          <a:xfrm>
+            <a:off x="4009328" y="4631298"/>
+            <a:ext cx="288000" cy="288000"/>
+          </a:xfrm>
+          <a:prstGeom prst="ellipse">
+            <a:avLst/>
+          </a:prstGeom>
+          <a:solidFill>
+            <a:schemeClr val="bg1"/>
+          </a:solidFill>
+          <a:ln w="19050">
+            <a:solidFill>
+              <a:srgbClr val="0070C0"/>
+            </a:solidFill>
+          </a:ln>
+        </p:spPr>
+        <p:style>
+          <a:lnRef idx="2">
+            <a:schemeClr val="accent1">
+              <a:shade val="50000"/>
+            </a:schemeClr>
+          </a:lnRef>
+          <a:fillRef idx="1">
+            <a:schemeClr val="accent1"/>
+          </a:fillRef>
+          <a:effectRef idx="0">
+            <a:schemeClr val="accent1"/>
+          </a:effectRef>
+          <a:fontRef idx="minor">
+            <a:schemeClr val="lt1"/>
+          </a:fontRef>
+        </p:style>
+        <p:txBody>
+          <a:bodyPr rtlCol="0" anchor="ctr"/>
+          <a:lstStyle/>
+          <a:p>
+            <a:pPr algn="ctr"/>
+            <a:r>
+              <a:rPr lang="fr-FR" sz="1200" dirty="0" smtClean="0">
+                <a:solidFill>
+                  <a:srgbClr val="0070C0"/>
+                </a:solidFill>
+              </a:rPr>
+              <a:t>3</a:t>
+            </a:r>
+            <a:endParaRPr lang="fr-FR" sz="1200" dirty="0">
+              <a:solidFill>
+                <a:srgbClr val="0070C0"/>
+              </a:solidFill>
+            </a:endParaRPr>
+          </a:p>
+        </p:txBody>
+      </p:sp>
+    </p:spTree>
+    <p:extLst>
+      <p:ext uri="{BB962C8B-B14F-4D97-AF65-F5344CB8AC3E}">
+        <p14:creationId xmlns:p14="http://schemas.microsoft.com/office/powerpoint/2010/main" val="3098591171"/>
+      </p:ext>
+    </p:extLst>
+  </p:cSld>
+  <p:clrMapOvr>
+    <a:masterClrMapping/>
+  </p:clrMapOvr>
+</p:sld>
+</file>
+
+<file path=ppt/slides/slide4.xml><?xml version="1.0" encoding="utf-8"?>
+<p:sld xmlns:a="http://schemas.openxmlformats.org/drawingml/2006/main" xmlns:r="http://schemas.openxmlformats.org/officeDocument/2006/relationships" xmlns:p="http://schemas.openxmlformats.org/presentationml/2006/main">
+  <p:cSld>
+    <p:spTree>
+      <p:nvGrpSpPr>
+        <p:cNvPr id="1" name=""/>
+        <p:cNvGrpSpPr/>
+        <p:nvPr/>
+      </p:nvGrpSpPr>
+      <p:grpSpPr>
+        <a:xfrm>
+          <a:off x="0" y="0"/>
+          <a:ext cx="0" cy="0"/>
+          <a:chOff x="0" y="0"/>
+          <a:chExt cx="0" cy="0"/>
+        </a:xfrm>
+      </p:grpSpPr>
+      <p:sp>
+        <p:nvSpPr>
+          <p:cNvPr id="21" name="Ellipse 20"/>
+          <p:cNvSpPr/>
+          <p:nvPr/>
+        </p:nvSpPr>
+        <p:spPr>
+          <a:xfrm>
+            <a:off x="2346775" y="3356992"/>
+            <a:ext cx="1584178" cy="1584178"/>
+          </a:xfrm>
+          <a:prstGeom prst="ellipse">
+            <a:avLst/>
+          </a:prstGeom>
+          <a:solidFill>
+            <a:schemeClr val="bg1"/>
+          </a:solidFill>
+          <a:ln w="19050">
+            <a:solidFill>
+              <a:srgbClr val="00B050"/>
+            </a:solidFill>
+          </a:ln>
+        </p:spPr>
+        <p:style>
+          <a:lnRef idx="2">
+            <a:schemeClr val="accent1">
+              <a:shade val="50000"/>
+            </a:schemeClr>
+          </a:lnRef>
+          <a:fillRef idx="1">
+            <a:schemeClr val="accent1"/>
+          </a:fillRef>
+          <a:effectRef idx="0">
+            <a:schemeClr val="accent1"/>
+          </a:effectRef>
+          <a:fontRef idx="minor">
+            <a:schemeClr val="lt1"/>
+          </a:fontRef>
+        </p:style>
+        <p:txBody>
+          <a:bodyPr rtlCol="0" anchor="ctr"/>
+          <a:lstStyle/>
+          <a:p>
+            <a:pPr algn="ctr"/>
+            <a:endParaRPr lang="fr-FR"/>
+          </a:p>
+        </p:txBody>
+      </p:sp>
+      <p:sp>
+        <p:nvSpPr>
+          <p:cNvPr id="17" name="Rectangle 16"/>
+          <p:cNvSpPr/>
+          <p:nvPr/>
+        </p:nvSpPr>
+        <p:spPr>
+          <a:xfrm>
+            <a:off x="1507594" y="5291712"/>
+            <a:ext cx="360000" cy="144000"/>
+          </a:xfrm>
+          <a:prstGeom prst="rect">
+            <a:avLst/>
+          </a:prstGeom>
+          <a:pattFill prst="wdUpDiag">
+            <a:fgClr>
+              <a:schemeClr val="tx1"/>
+            </a:fgClr>
+            <a:bgClr>
+              <a:schemeClr val="bg1"/>
+            </a:bgClr>
+          </a:pattFill>
+          <a:ln>
+            <a:noFill/>
+          </a:ln>
+        </p:spPr>
+        <p:style>
+          <a:lnRef idx="2">
+            <a:schemeClr val="accent1">
+              <a:shade val="50000"/>
+            </a:schemeClr>
+          </a:lnRef>
+          <a:fillRef idx="1">
+            <a:schemeClr val="accent1"/>
+          </a:fillRef>
+          <a:effectRef idx="0">
+            <a:schemeClr val="accent1"/>
+          </a:effectRef>
+          <a:fontRef idx="minor">
+            <a:schemeClr val="lt1"/>
+          </a:fontRef>
+        </p:style>
+        <p:txBody>
+          <a:bodyPr rtlCol="0" anchor="ctr"/>
+          <a:lstStyle/>
+          <a:p>
+            <a:pPr algn="ctr"/>
+            <a:endParaRPr lang="fr-FR"/>
+          </a:p>
+        </p:txBody>
+      </p:sp>
+      <p:cxnSp>
+        <p:nvCxnSpPr>
+          <p:cNvPr id="6" name="Connecteur droit 5"/>
+          <p:cNvCxnSpPr>
+            <a:stCxn id="4" idx="4"/>
+            <a:endCxn id="17" idx="0"/>
+          </p:cNvCxnSpPr>
+          <p:nvPr/>
+        </p:nvCxnSpPr>
+        <p:spPr>
+          <a:xfrm flipH="1">
+            <a:off x="1687594" y="5005322"/>
+            <a:ext cx="21" cy="286390"/>
+          </a:xfrm>
+          <a:prstGeom prst="line">
+            <a:avLst/>
+          </a:prstGeom>
+          <a:ln w="19050">
+            <a:solidFill>
+              <a:schemeClr val="tx1"/>
+            </a:solidFill>
+          </a:ln>
+        </p:spPr>
+        <p:style>
+          <a:lnRef idx="1">
+            <a:schemeClr val="accent1"/>
+          </a:lnRef>
+          <a:fillRef idx="0">
+            <a:schemeClr val="accent1"/>
+          </a:fillRef>
+          <a:effectRef idx="0">
+            <a:schemeClr val="accent1"/>
+          </a:effectRef>
+          <a:fontRef idx="minor">
+            <a:schemeClr val="tx1"/>
+          </a:fontRef>
+        </p:style>
+      </p:cxnSp>
+      <p:cxnSp>
+        <p:nvCxnSpPr>
+          <p:cNvPr id="8" name="Connecteur droit 7"/>
+          <p:cNvCxnSpPr/>
+          <p:nvPr/>
+        </p:nvCxnSpPr>
+        <p:spPr>
+          <a:xfrm flipH="1">
+            <a:off x="1507594" y="5291713"/>
+            <a:ext cx="360040" cy="0"/>
+          </a:xfrm>
+          <a:prstGeom prst="line">
+            <a:avLst/>
+          </a:prstGeom>
+          <a:ln w="19050">
+            <a:solidFill>
+              <a:schemeClr val="tx1"/>
+            </a:solidFill>
+          </a:ln>
+        </p:spPr>
+        <p:style>
+          <a:lnRef idx="1">
+            <a:schemeClr val="accent1"/>
+          </a:lnRef>
+          <a:fillRef idx="0">
+            <a:schemeClr val="accent1"/>
+          </a:fillRef>
+          <a:effectRef idx="0">
+            <a:schemeClr val="accent1"/>
+          </a:effectRef>
+          <a:fontRef idx="minor">
+            <a:schemeClr val="tx1"/>
+          </a:fontRef>
+        </p:style>
+      </p:cxnSp>
+      <p:cxnSp>
+        <p:nvCxnSpPr>
+          <p:cNvPr id="18" name="Connecteur droit 17"/>
+          <p:cNvCxnSpPr/>
+          <p:nvPr/>
+        </p:nvCxnSpPr>
+        <p:spPr>
+          <a:xfrm flipV="1">
+            <a:off x="1687615" y="4149081"/>
+            <a:ext cx="1451249" cy="712241"/>
+          </a:xfrm>
+          <a:prstGeom prst="line">
+            <a:avLst/>
+          </a:prstGeom>
+          <a:ln w="19050">
+            <a:solidFill>
+              <a:srgbClr val="FF0000"/>
+            </a:solidFill>
+          </a:ln>
+        </p:spPr>
+        <p:style>
+          <a:lnRef idx="1">
+            <a:schemeClr val="accent1"/>
+          </a:lnRef>
+          <a:fillRef idx="0">
+            <a:schemeClr val="accent1"/>
+          </a:fillRef>
+          <a:effectRef idx="0">
+            <a:schemeClr val="accent1"/>
+          </a:effectRef>
+          <a:fontRef idx="minor">
+            <a:schemeClr val="tx1"/>
+          </a:fontRef>
+        </p:style>
+      </p:cxnSp>
+      <p:sp>
+        <p:nvSpPr>
+          <p:cNvPr id="4" name="Ellipse 3"/>
+          <p:cNvSpPr/>
+          <p:nvPr/>
+        </p:nvSpPr>
+        <p:spPr>
+          <a:xfrm>
+            <a:off x="1543615" y="4717322"/>
+            <a:ext cx="288000" cy="288000"/>
+          </a:xfrm>
+          <a:prstGeom prst="ellipse">
+            <a:avLst/>
+          </a:prstGeom>
+          <a:solidFill>
+            <a:schemeClr val="bg1"/>
+          </a:solidFill>
+          <a:ln w="19050">
+            <a:solidFill>
+              <a:schemeClr val="tx1"/>
+            </a:solidFill>
+          </a:ln>
+        </p:spPr>
+        <p:style>
+          <a:lnRef idx="2">
+            <a:schemeClr val="accent1">
+              <a:shade val="50000"/>
+            </a:schemeClr>
+          </a:lnRef>
+          <a:fillRef idx="1">
+            <a:schemeClr val="accent1"/>
+          </a:fillRef>
+          <a:effectRef idx="0">
+            <a:schemeClr val="accent1"/>
+          </a:effectRef>
+          <a:fontRef idx="minor">
+            <a:schemeClr val="lt1"/>
+          </a:fontRef>
+        </p:style>
+        <p:txBody>
+          <a:bodyPr rtlCol="0" anchor="ctr"/>
+          <a:lstStyle/>
+          <a:p>
+            <a:pPr algn="ctr"/>
+            <a:endParaRPr lang="fr-FR"/>
+          </a:p>
+        </p:txBody>
+      </p:sp>
+      <p:sp>
+        <p:nvSpPr>
+          <p:cNvPr id="28" name="Ellipse 27"/>
+          <p:cNvSpPr/>
+          <p:nvPr/>
+        </p:nvSpPr>
+        <p:spPr>
+          <a:xfrm>
+            <a:off x="2978926" y="3989143"/>
+            <a:ext cx="319875" cy="319875"/>
+          </a:xfrm>
+          <a:prstGeom prst="ellipse">
+            <a:avLst/>
+          </a:prstGeom>
+          <a:solidFill>
+            <a:schemeClr val="bg1"/>
+          </a:solidFill>
+          <a:ln w="19050">
+            <a:solidFill>
+              <a:srgbClr val="00B050"/>
+            </a:solidFill>
+          </a:ln>
+        </p:spPr>
+        <p:style>
+          <a:lnRef idx="2">
+            <a:schemeClr val="accent1">
+              <a:shade val="50000"/>
+            </a:schemeClr>
+          </a:lnRef>
+          <a:fillRef idx="1">
+            <a:schemeClr val="accent1"/>
+          </a:fillRef>
+          <a:effectRef idx="0">
+            <a:schemeClr val="accent1"/>
+          </a:effectRef>
+          <a:fontRef idx="minor">
+            <a:schemeClr val="lt1"/>
+          </a:fontRef>
+        </p:style>
+        <p:txBody>
+          <a:bodyPr rtlCol="0" anchor="ctr"/>
+          <a:lstStyle/>
+          <a:p>
+            <a:pPr algn="ctr"/>
+            <a:endParaRPr lang="fr-FR"/>
+          </a:p>
+        </p:txBody>
+      </p:sp>
+      <p:cxnSp>
+        <p:nvCxnSpPr>
+          <p:cNvPr id="30" name="Connecteur droit 29"/>
+          <p:cNvCxnSpPr/>
+          <p:nvPr/>
+        </p:nvCxnSpPr>
+        <p:spPr>
+          <a:xfrm>
+            <a:off x="2843808" y="4941170"/>
+            <a:ext cx="1433136" cy="0"/>
+          </a:xfrm>
+          <a:prstGeom prst="line">
+            <a:avLst/>
+          </a:prstGeom>
+          <a:ln w="19050">
+            <a:solidFill>
+              <a:srgbClr val="0070C0"/>
+            </a:solidFill>
+          </a:ln>
+        </p:spPr>
+        <p:style>
+          <a:lnRef idx="1">
+            <a:schemeClr val="accent1"/>
+          </a:lnRef>
+          <a:fillRef idx="0">
+            <a:schemeClr val="accent1"/>
+          </a:fillRef>
+          <a:effectRef idx="0">
+            <a:schemeClr val="accent1"/>
+          </a:effectRef>
+          <a:fontRef idx="minor">
+            <a:schemeClr val="tx1"/>
+          </a:fontRef>
+        </p:style>
+      </p:cxnSp>
+      <p:cxnSp>
+        <p:nvCxnSpPr>
+          <p:cNvPr id="33" name="Connecteur droit 32"/>
+          <p:cNvCxnSpPr/>
+          <p:nvPr/>
+        </p:nvCxnSpPr>
+        <p:spPr>
+          <a:xfrm flipV="1">
+            <a:off x="3560376" y="4941171"/>
+            <a:ext cx="1" cy="792088"/>
+          </a:xfrm>
+          <a:prstGeom prst="line">
+            <a:avLst/>
+          </a:prstGeom>
+          <a:ln w="19050">
+            <a:solidFill>
+              <a:srgbClr val="0070C0"/>
+            </a:solidFill>
+          </a:ln>
+        </p:spPr>
+        <p:style>
+          <a:lnRef idx="1">
+            <a:schemeClr val="accent1"/>
+          </a:lnRef>
+          <a:fillRef idx="0">
+            <a:schemeClr val="accent1"/>
+          </a:fillRef>
+          <a:effectRef idx="0">
+            <a:schemeClr val="accent1"/>
+          </a:effectRef>
+          <a:fontRef idx="minor">
+            <a:schemeClr val="tx1"/>
+          </a:fontRef>
+        </p:style>
+      </p:cxnSp>
+      <p:cxnSp>
+        <p:nvCxnSpPr>
+          <p:cNvPr id="36" name="Connecteur droit 35"/>
+          <p:cNvCxnSpPr>
+            <a:stCxn id="21" idx="7"/>
+            <a:endCxn id="28" idx="7"/>
+          </p:cNvCxnSpPr>
+          <p:nvPr/>
+        </p:nvCxnSpPr>
+        <p:spPr>
+          <a:xfrm flipH="1">
+            <a:off x="3251956" y="3588989"/>
+            <a:ext cx="447000" cy="446999"/>
+          </a:xfrm>
+          <a:prstGeom prst="line">
+            <a:avLst/>
+          </a:prstGeom>
+          <a:ln w="19050">
+            <a:solidFill>
+              <a:srgbClr val="00B050"/>
+            </a:solidFill>
+          </a:ln>
+        </p:spPr>
+        <p:style>
+          <a:lnRef idx="1">
+            <a:schemeClr val="accent1"/>
+          </a:lnRef>
+          <a:fillRef idx="0">
+            <a:schemeClr val="accent1"/>
+          </a:fillRef>
+          <a:effectRef idx="0">
+            <a:schemeClr val="accent1"/>
+          </a:effectRef>
+          <a:fontRef idx="minor">
+            <a:schemeClr val="tx1"/>
+          </a:fontRef>
+        </p:style>
+      </p:cxnSp>
+      <p:sp>
+        <p:nvSpPr>
+          <p:cNvPr id="39" name="Rectangle 38"/>
+          <p:cNvSpPr/>
+          <p:nvPr/>
+        </p:nvSpPr>
+        <p:spPr>
+          <a:xfrm>
+            <a:off x="3488376" y="5219712"/>
+            <a:ext cx="144000" cy="288000"/>
+          </a:xfrm>
+          <a:prstGeom prst="rect">
+            <a:avLst/>
+          </a:prstGeom>
+          <a:solidFill>
+            <a:schemeClr val="bg1"/>
+          </a:solidFill>
+          <a:ln w="19050">
+            <a:solidFill>
+              <a:schemeClr val="tx1"/>
+            </a:solidFill>
+          </a:ln>
+        </p:spPr>
+        <p:style>
+          <a:lnRef idx="2">
+            <a:schemeClr val="accent1">
+              <a:shade val="50000"/>
+            </a:schemeClr>
+          </a:lnRef>
+          <a:fillRef idx="1">
+            <a:schemeClr val="accent1"/>
+          </a:fillRef>
+          <a:effectRef idx="0">
+            <a:schemeClr val="accent1"/>
+          </a:effectRef>
+          <a:fontRef idx="minor">
+            <a:schemeClr val="lt1"/>
+          </a:fontRef>
+        </p:style>
+        <p:txBody>
+          <a:bodyPr rtlCol="0" anchor="ctr"/>
+          <a:lstStyle/>
+          <a:p>
+            <a:pPr algn="ctr"/>
+            <a:endParaRPr lang="fr-FR"/>
+          </a:p>
+        </p:txBody>
+      </p:sp>
+      <p:cxnSp>
+        <p:nvCxnSpPr>
+          <p:cNvPr id="40" name="Connecteur droit 39"/>
+          <p:cNvCxnSpPr/>
+          <p:nvPr/>
+        </p:nvCxnSpPr>
+        <p:spPr>
+          <a:xfrm flipH="1">
+            <a:off x="1687594" y="5148517"/>
+            <a:ext cx="1291332" cy="1"/>
+          </a:xfrm>
+          <a:prstGeom prst="line">
+            <a:avLst/>
+          </a:prstGeom>
+          <a:ln w="19050">
+            <a:solidFill>
+              <a:schemeClr val="tx1"/>
+            </a:solidFill>
+          </a:ln>
+        </p:spPr>
+        <p:style>
+          <a:lnRef idx="1">
+            <a:schemeClr val="accent1"/>
+          </a:lnRef>
+          <a:fillRef idx="0">
+            <a:schemeClr val="accent1"/>
+          </a:fillRef>
+          <a:effectRef idx="0">
+            <a:schemeClr val="accent1"/>
+          </a:effectRef>
+          <a:fontRef idx="minor">
+            <a:schemeClr val="tx1"/>
+          </a:fontRef>
+        </p:style>
+      </p:cxnSp>
+      <p:cxnSp>
+        <p:nvCxnSpPr>
+          <p:cNvPr id="43" name="Connecteur droit 42"/>
+          <p:cNvCxnSpPr>
+            <a:stCxn id="39" idx="1"/>
+          </p:cNvCxnSpPr>
+          <p:nvPr/>
+        </p:nvCxnSpPr>
+        <p:spPr>
+          <a:xfrm flipH="1">
+            <a:off x="2978926" y="5363712"/>
+            <a:ext cx="509450" cy="0"/>
+          </a:xfrm>
+          <a:prstGeom prst="line">
+            <a:avLst/>
+          </a:prstGeom>
+          <a:ln w="19050">
+            <a:solidFill>
+              <a:schemeClr val="tx1"/>
+            </a:solidFill>
+          </a:ln>
+        </p:spPr>
+        <p:style>
+          <a:lnRef idx="1">
+            <a:schemeClr val="accent1"/>
+          </a:lnRef>
+          <a:fillRef idx="0">
+            <a:schemeClr val="accent1"/>
+          </a:fillRef>
+          <a:effectRef idx="0">
+            <a:schemeClr val="accent1"/>
+          </a:effectRef>
+          <a:fontRef idx="minor">
+            <a:schemeClr val="tx1"/>
+          </a:fontRef>
+        </p:style>
+      </p:cxnSp>
+      <p:cxnSp>
+        <p:nvCxnSpPr>
+          <p:cNvPr id="46" name="Connecteur droit 45"/>
+          <p:cNvCxnSpPr/>
+          <p:nvPr/>
+        </p:nvCxnSpPr>
+        <p:spPr>
+          <a:xfrm>
+            <a:off x="2978926" y="5148518"/>
+            <a:ext cx="0" cy="215195"/>
+          </a:xfrm>
+          <a:prstGeom prst="line">
+            <a:avLst/>
+          </a:prstGeom>
+          <a:ln w="19050">
+            <a:solidFill>
+              <a:schemeClr val="tx1"/>
+            </a:solidFill>
+          </a:ln>
+        </p:spPr>
+        <p:style>
+          <a:lnRef idx="1">
+            <a:schemeClr val="accent1"/>
+          </a:lnRef>
+          <a:fillRef idx="0">
+            <a:schemeClr val="accent1"/>
+          </a:fillRef>
+          <a:effectRef idx="0">
+            <a:schemeClr val="accent1"/>
+          </a:effectRef>
+          <a:fontRef idx="minor">
+            <a:schemeClr val="tx1"/>
+          </a:fontRef>
+        </p:style>
+      </p:cxnSp>
+      <mc:AlternateContent xmlns:mc="http://schemas.openxmlformats.org/markup-compatibility/2006">
+        <mc:Choice xmlns:a14="http://schemas.microsoft.com/office/drawing/2010/main" Requires="a14">
+          <p:sp>
+            <p:nvSpPr>
+              <p:cNvPr id="51" name="ZoneTexte 50"/>
+              <p:cNvSpPr txBox="1"/>
+              <p:nvPr/>
+            </p:nvSpPr>
+            <p:spPr>
+              <a:xfrm>
+                <a:off x="1223343" y="4722822"/>
+                <a:ext cx="325024" cy="276999"/>
+              </a:xfrm>
+              <a:prstGeom prst="rect">
+                <a:avLst/>
+              </a:prstGeom>
+              <a:noFill/>
+            </p:spPr>
+            <p:txBody>
+              <a:bodyPr wrap="none" rtlCol="0">
+                <a:spAutoFit/>
+              </a:bodyPr>
+              <a:lstStyle/>
+              <a:p>
+                <a14:m>
+                  <m:oMathPara xmlns:m="http://schemas.openxmlformats.org/officeDocument/2006/math">
+                    <m:oMathParaPr>
+                      <m:jc m:val="centerGroup"/>
+                    </m:oMathParaPr>
+                    <m:oMath xmlns:m="http://schemas.openxmlformats.org/officeDocument/2006/math">
+                      <m:r>
+                        <a:rPr lang="fr-FR" sz="1200" b="0" i="1" smtClean="0">
+                          <a:latin typeface="Cambria Math"/>
+                        </a:rPr>
+                        <m:t>𝐵</m:t>
+                      </m:r>
+                    </m:oMath>
+                  </m:oMathPara>
+                </a14:m>
+                <a:endParaRPr lang="fr-FR" sz="1200" dirty="0"/>
+              </a:p>
+            </p:txBody>
+          </p:sp>
+        </mc:Choice>
+        <mc:Fallback>
+          <p:sp>
+            <p:nvSpPr>
+              <p:cNvPr id="51" name="ZoneTexte 50"/>
+              <p:cNvSpPr txBox="1">
+                <a:spLocks noRot="1" noChangeAspect="1" noMove="1" noResize="1" noEditPoints="1" noAdjustHandles="1" noChangeArrowheads="1" noChangeShapeType="1" noTextEdit="1"/>
+              </p:cNvSpPr>
+              <p:nvPr/>
+            </p:nvSpPr>
+            <p:spPr>
+              <a:xfrm>
+                <a:off x="1223343" y="4722822"/>
+                <a:ext cx="325024" cy="276999"/>
+              </a:xfrm>
+              <a:prstGeom prst="rect">
+                <a:avLst/>
+              </a:prstGeom>
+              <a:blipFill rotWithShape="1">
+                <a:blip r:embed="rId2"/>
+                <a:stretch>
+                  <a:fillRect/>
+                </a:stretch>
+              </a:blipFill>
+            </p:spPr>
+            <p:txBody>
+              <a:bodyPr/>
+              <a:lstStyle/>
+              <a:p>
+                <a:r>
+                  <a:rPr lang="fr-FR">
+                    <a:noFill/>
+                  </a:rPr>
+                  <a:t> </a:t>
+                </a:r>
+              </a:p>
+            </p:txBody>
+          </p:sp>
+        </mc:Fallback>
+      </mc:AlternateContent>
+      <mc:AlternateContent xmlns:mc="http://schemas.openxmlformats.org/markup-compatibility/2006">
+        <mc:Choice xmlns:a14="http://schemas.microsoft.com/office/drawing/2010/main" Requires="a14">
+          <p:sp>
+            <p:nvSpPr>
+              <p:cNvPr id="52" name="ZoneTexte 51"/>
+              <p:cNvSpPr txBox="1"/>
+              <p:nvPr/>
+            </p:nvSpPr>
+            <p:spPr>
+              <a:xfrm>
+                <a:off x="2979611" y="3709250"/>
+                <a:ext cx="319190" cy="276999"/>
+              </a:xfrm>
+              <a:prstGeom prst="rect">
+                <a:avLst/>
+              </a:prstGeom>
+              <a:noFill/>
+            </p:spPr>
+            <p:txBody>
+              <a:bodyPr wrap="none" rtlCol="0">
+                <a:spAutoFit/>
+              </a:bodyPr>
+              <a:lstStyle/>
+              <a:p>
+                <a14:m>
+                  <m:oMathPara xmlns:m="http://schemas.openxmlformats.org/officeDocument/2006/math">
+                    <m:oMathParaPr>
+                      <m:jc m:val="centerGroup"/>
+                    </m:oMathParaPr>
+                    <m:oMath xmlns:m="http://schemas.openxmlformats.org/officeDocument/2006/math">
+                      <m:r>
+                        <a:rPr lang="fr-FR" sz="1200" b="0" i="1" smtClean="0">
+                          <a:latin typeface="Cambria Math"/>
+                        </a:rPr>
+                        <m:t>𝐴</m:t>
+                      </m:r>
+                    </m:oMath>
+                  </m:oMathPara>
+                </a14:m>
+                <a:endParaRPr lang="fr-FR" sz="1200" dirty="0"/>
+              </a:p>
+            </p:txBody>
+          </p:sp>
+        </mc:Choice>
+        <mc:Fallback>
+          <p:sp>
+            <p:nvSpPr>
+              <p:cNvPr id="52" name="ZoneTexte 51"/>
+              <p:cNvSpPr txBox="1">
+                <a:spLocks noRot="1" noChangeAspect="1" noMove="1" noResize="1" noEditPoints="1" noAdjustHandles="1" noChangeArrowheads="1" noChangeShapeType="1" noTextEdit="1"/>
+              </p:cNvSpPr>
+              <p:nvPr/>
+            </p:nvSpPr>
+            <p:spPr>
+              <a:xfrm>
+                <a:off x="2979611" y="3709250"/>
+                <a:ext cx="319190" cy="276999"/>
+              </a:xfrm>
+              <a:prstGeom prst="rect">
+                <a:avLst/>
+              </a:prstGeom>
+              <a:blipFill rotWithShape="1">
+                <a:blip r:embed="rId3"/>
+                <a:stretch>
+                  <a:fillRect/>
+                </a:stretch>
+              </a:blipFill>
+            </p:spPr>
+            <p:txBody>
+              <a:bodyPr/>
+              <a:lstStyle/>
+              <a:p>
+                <a:r>
+                  <a:rPr lang="fr-FR">
+                    <a:noFill/>
+                  </a:rPr>
+                  <a:t> </a:t>
+                </a:r>
+              </a:p>
+            </p:txBody>
+          </p:sp>
+        </mc:Fallback>
+      </mc:AlternateContent>
+      <mc:AlternateContent xmlns:mc="http://schemas.openxmlformats.org/markup-compatibility/2006">
+        <mc:Choice xmlns:a14="http://schemas.microsoft.com/office/drawing/2010/main" Requires="a14">
+          <p:sp>
+            <p:nvSpPr>
+              <p:cNvPr id="53" name="ZoneTexte 52"/>
+              <p:cNvSpPr txBox="1"/>
+              <p:nvPr/>
+            </p:nvSpPr>
+            <p:spPr>
+              <a:xfrm>
+                <a:off x="2973753" y="4978559"/>
+                <a:ext cx="330219" cy="276999"/>
+              </a:xfrm>
+              <a:prstGeom prst="rect">
+                <a:avLst/>
+              </a:prstGeom>
+              <a:noFill/>
+            </p:spPr>
+            <p:txBody>
+              <a:bodyPr wrap="none" rtlCol="0">
+                <a:spAutoFit/>
+              </a:bodyPr>
+              <a:lstStyle/>
+              <a:p>
+                <a14:m>
+                  <m:oMathPara xmlns:m="http://schemas.openxmlformats.org/officeDocument/2006/math">
+                    <m:oMathParaPr>
+                      <m:jc m:val="centerGroup"/>
+                    </m:oMathParaPr>
+                    <m:oMath xmlns:m="http://schemas.openxmlformats.org/officeDocument/2006/math">
+                      <m:r>
+                        <a:rPr lang="fr-FR" sz="1200" b="0" i="1" smtClean="0">
+                          <a:latin typeface="Cambria Math"/>
+                        </a:rPr>
+                        <m:t>𝐷</m:t>
+                      </m:r>
+                    </m:oMath>
+                  </m:oMathPara>
+                </a14:m>
+                <a:endParaRPr lang="fr-FR" sz="1200" dirty="0"/>
+              </a:p>
+            </p:txBody>
+          </p:sp>
+        </mc:Choice>
+        <mc:Fallback>
+          <p:sp>
+            <p:nvSpPr>
+              <p:cNvPr id="53" name="ZoneTexte 52"/>
+              <p:cNvSpPr txBox="1">
+                <a:spLocks noRot="1" noChangeAspect="1" noMove="1" noResize="1" noEditPoints="1" noAdjustHandles="1" noChangeArrowheads="1" noChangeShapeType="1" noTextEdit="1"/>
+              </p:cNvSpPr>
+              <p:nvPr/>
+            </p:nvSpPr>
+            <p:spPr>
+              <a:xfrm>
+                <a:off x="2973753" y="4978559"/>
+                <a:ext cx="330219" cy="276999"/>
+              </a:xfrm>
+              <a:prstGeom prst="rect">
+                <a:avLst/>
+              </a:prstGeom>
+              <a:blipFill rotWithShape="1">
+                <a:blip r:embed="rId4"/>
+                <a:stretch>
+                  <a:fillRect/>
+                </a:stretch>
+              </a:blipFill>
+            </p:spPr>
+            <p:txBody>
+              <a:bodyPr/>
+              <a:lstStyle/>
+              <a:p>
+                <a:r>
+                  <a:rPr lang="fr-FR">
+                    <a:noFill/>
+                  </a:rPr>
+                  <a:t> </a:t>
+                </a:r>
+              </a:p>
+            </p:txBody>
+          </p:sp>
+        </mc:Fallback>
+      </mc:AlternateContent>
+      <mc:AlternateContent xmlns:mc="http://schemas.openxmlformats.org/markup-compatibility/2006">
+        <mc:Choice xmlns:a14="http://schemas.microsoft.com/office/drawing/2010/main" Requires="a14">
+          <p:sp>
+            <p:nvSpPr>
+              <p:cNvPr id="54" name="ZoneTexte 53"/>
+              <p:cNvSpPr txBox="1"/>
+              <p:nvPr/>
+            </p:nvSpPr>
+            <p:spPr>
+              <a:xfrm>
+                <a:off x="3560377" y="4941170"/>
+                <a:ext cx="322139" cy="276999"/>
+              </a:xfrm>
+              <a:prstGeom prst="rect">
+                <a:avLst/>
+              </a:prstGeom>
+              <a:noFill/>
+            </p:spPr>
+            <p:txBody>
+              <a:bodyPr wrap="none" rtlCol="0">
+                <a:spAutoFit/>
+              </a:bodyPr>
+              <a:lstStyle/>
+              <a:p>
+                <a14:m>
+                  <m:oMathPara xmlns:m="http://schemas.openxmlformats.org/officeDocument/2006/math">
+                    <m:oMathParaPr>
+                      <m:jc m:val="centerGroup"/>
+                    </m:oMathParaPr>
+                    <m:oMath xmlns:m="http://schemas.openxmlformats.org/officeDocument/2006/math">
+                      <m:r>
+                        <a:rPr lang="fr-FR" sz="1200" b="0" i="1" smtClean="0">
+                          <a:latin typeface="Cambria Math"/>
+                        </a:rPr>
+                        <m:t>𝐸</m:t>
+                      </m:r>
+                    </m:oMath>
+                  </m:oMathPara>
+                </a14:m>
+                <a:endParaRPr lang="fr-FR" sz="1200" dirty="0"/>
+              </a:p>
+            </p:txBody>
+          </p:sp>
+        </mc:Choice>
+        <mc:Fallback>
+          <p:sp>
+            <p:nvSpPr>
+              <p:cNvPr id="54" name="ZoneTexte 53"/>
+              <p:cNvSpPr txBox="1">
+                <a:spLocks noRot="1" noChangeAspect="1" noMove="1" noResize="1" noEditPoints="1" noAdjustHandles="1" noChangeArrowheads="1" noChangeShapeType="1" noTextEdit="1"/>
+              </p:cNvSpPr>
+              <p:nvPr/>
+            </p:nvSpPr>
+            <p:spPr>
+              <a:xfrm>
+                <a:off x="3560377" y="4941170"/>
+                <a:ext cx="322139" cy="276999"/>
+              </a:xfrm>
+              <a:prstGeom prst="rect">
+                <a:avLst/>
+              </a:prstGeom>
+              <a:blipFill rotWithShape="1">
+                <a:blip r:embed="rId5"/>
+                <a:stretch>
+                  <a:fillRect/>
+                </a:stretch>
+              </a:blipFill>
+            </p:spPr>
+            <p:txBody>
+              <a:bodyPr/>
+              <a:lstStyle/>
+              <a:p>
+                <a:r>
+                  <a:rPr lang="fr-FR">
+                    <a:noFill/>
+                  </a:rPr>
+                  <a:t> </a:t>
+                </a:r>
+              </a:p>
+            </p:txBody>
+          </p:sp>
+        </mc:Fallback>
+      </mc:AlternateContent>
+      <mc:AlternateContent xmlns:mc="http://schemas.openxmlformats.org/markup-compatibility/2006">
+        <mc:Choice xmlns:a14="http://schemas.microsoft.com/office/drawing/2010/main" Requires="a14">
+          <p:sp>
+            <p:nvSpPr>
+              <p:cNvPr id="55" name="ZoneTexte 54"/>
+              <p:cNvSpPr txBox="1"/>
+              <p:nvPr/>
+            </p:nvSpPr>
+            <p:spPr>
+              <a:xfrm>
+                <a:off x="3632376" y="5230713"/>
+                <a:ext cx="320536" cy="276999"/>
+              </a:xfrm>
+              <a:prstGeom prst="rect">
+                <a:avLst/>
+              </a:prstGeom>
+              <a:noFill/>
+            </p:spPr>
+            <p:txBody>
+              <a:bodyPr wrap="none" rtlCol="0">
+                <a:spAutoFit/>
+              </a:bodyPr>
+              <a:lstStyle/>
+              <a:p>
+                <a14:m>
+                  <m:oMathPara xmlns:m="http://schemas.openxmlformats.org/officeDocument/2006/math">
+                    <m:oMathParaPr>
+                      <m:jc m:val="centerGroup"/>
+                    </m:oMathParaPr>
+                    <m:oMath xmlns:m="http://schemas.openxmlformats.org/officeDocument/2006/math">
+                      <m:r>
+                        <a:rPr lang="fr-FR" sz="1200" b="0" i="1" smtClean="0">
+                          <a:latin typeface="Cambria Math"/>
+                        </a:rPr>
+                        <m:t>𝐹</m:t>
+                      </m:r>
+                    </m:oMath>
+                  </m:oMathPara>
+                </a14:m>
+                <a:endParaRPr lang="fr-FR" sz="1200" dirty="0"/>
+              </a:p>
+            </p:txBody>
+          </p:sp>
+        </mc:Choice>
+        <mc:Fallback>
+          <p:sp>
+            <p:nvSpPr>
+              <p:cNvPr id="55" name="ZoneTexte 54"/>
+              <p:cNvSpPr txBox="1">
+                <a:spLocks noRot="1" noChangeAspect="1" noMove="1" noResize="1" noEditPoints="1" noAdjustHandles="1" noChangeArrowheads="1" noChangeShapeType="1" noTextEdit="1"/>
+              </p:cNvSpPr>
+              <p:nvPr/>
+            </p:nvSpPr>
+            <p:spPr>
+              <a:xfrm>
+                <a:off x="3632376" y="5230713"/>
+                <a:ext cx="320536" cy="276999"/>
+              </a:xfrm>
+              <a:prstGeom prst="rect">
+                <a:avLst/>
+              </a:prstGeom>
+              <a:blipFill rotWithShape="1">
+                <a:blip r:embed="rId6"/>
+                <a:stretch>
+                  <a:fillRect/>
+                </a:stretch>
+              </a:blipFill>
+            </p:spPr>
+            <p:txBody>
+              <a:bodyPr/>
+              <a:lstStyle/>
+              <a:p>
+                <a:r>
+                  <a:rPr lang="fr-FR">
+                    <a:noFill/>
+                  </a:rPr>
+                  <a:t> </a:t>
+                </a:r>
+              </a:p>
+            </p:txBody>
+          </p:sp>
+        </mc:Fallback>
+      </mc:AlternateContent>
+      <mc:AlternateContent xmlns:mc="http://schemas.openxmlformats.org/markup-compatibility/2006">
+        <mc:Choice xmlns:a14="http://schemas.microsoft.com/office/drawing/2010/main" Requires="a14">
+          <p:sp>
+            <p:nvSpPr>
+              <p:cNvPr id="56" name="ZoneTexte 55"/>
+              <p:cNvSpPr txBox="1"/>
+              <p:nvPr/>
+            </p:nvSpPr>
+            <p:spPr>
+              <a:xfrm>
+                <a:off x="3691292" y="3356992"/>
+                <a:ext cx="318036" cy="276999"/>
+              </a:xfrm>
+              <a:prstGeom prst="rect">
+                <a:avLst/>
+              </a:prstGeom>
+              <a:noFill/>
+            </p:spPr>
+            <p:txBody>
+              <a:bodyPr wrap="none" rtlCol="0">
+                <a:spAutoFit/>
+              </a:bodyPr>
+              <a:lstStyle/>
+              <a:p>
+                <a14:m>
+                  <m:oMathPara xmlns:m="http://schemas.openxmlformats.org/officeDocument/2006/math">
+                    <m:oMathParaPr>
+                      <m:jc m:val="centerGroup"/>
+                    </m:oMathParaPr>
+                    <m:oMath xmlns:m="http://schemas.openxmlformats.org/officeDocument/2006/math">
+                      <m:r>
+                        <a:rPr lang="fr-FR" sz="1200" b="0" i="1" smtClean="0">
+                          <a:latin typeface="Cambria Math"/>
+                        </a:rPr>
+                        <m:t>𝐶</m:t>
+                      </m:r>
+                    </m:oMath>
+                  </m:oMathPara>
+                </a14:m>
+                <a:endParaRPr lang="fr-FR" sz="1200" dirty="0"/>
+              </a:p>
+            </p:txBody>
+          </p:sp>
+        </mc:Choice>
+        <mc:Fallback>
+          <p:sp>
+            <p:nvSpPr>
+              <p:cNvPr id="56" name="ZoneTexte 55"/>
+              <p:cNvSpPr txBox="1">
+                <a:spLocks noRot="1" noChangeAspect="1" noMove="1" noResize="1" noEditPoints="1" noAdjustHandles="1" noChangeArrowheads="1" noChangeShapeType="1" noTextEdit="1"/>
+              </p:cNvSpPr>
+              <p:nvPr/>
+            </p:nvSpPr>
+            <p:spPr>
+              <a:xfrm>
+                <a:off x="3691292" y="3356992"/>
+                <a:ext cx="318036" cy="276999"/>
+              </a:xfrm>
+              <a:prstGeom prst="rect">
+                <a:avLst/>
+              </a:prstGeom>
+              <a:blipFill rotWithShape="1">
+                <a:blip r:embed="rId7"/>
+                <a:stretch>
+                  <a:fillRect/>
+                </a:stretch>
+              </a:blipFill>
+            </p:spPr>
+            <p:txBody>
+              <a:bodyPr/>
+              <a:lstStyle/>
+              <a:p>
+                <a:r>
+                  <a:rPr lang="fr-FR">
+                    <a:noFill/>
+                  </a:rPr>
+                  <a:t> </a:t>
+                </a:r>
+              </a:p>
+            </p:txBody>
+          </p:sp>
+        </mc:Fallback>
+      </mc:AlternateContent>
+      <p:sp>
+        <p:nvSpPr>
+          <p:cNvPr id="58" name="Ellipse 57"/>
+          <p:cNvSpPr/>
+          <p:nvPr/>
+        </p:nvSpPr>
+        <p:spPr>
+          <a:xfrm>
+            <a:off x="1907704" y="5193215"/>
+            <a:ext cx="288000" cy="288000"/>
+          </a:xfrm>
+          <a:prstGeom prst="ellipse">
+            <a:avLst/>
+          </a:prstGeom>
+          <a:solidFill>
+            <a:schemeClr val="bg1"/>
+          </a:solidFill>
+          <a:ln w="19050">
+            <a:solidFill>
+              <a:schemeClr val="tx1"/>
+            </a:solidFill>
+          </a:ln>
+        </p:spPr>
+        <p:style>
+          <a:lnRef idx="2">
+            <a:schemeClr val="accent1">
+              <a:shade val="50000"/>
+            </a:schemeClr>
+          </a:lnRef>
+          <a:fillRef idx="1">
+            <a:schemeClr val="accent1"/>
+          </a:fillRef>
+          <a:effectRef idx="0">
+            <a:schemeClr val="accent1"/>
+          </a:effectRef>
+          <a:fontRef idx="minor">
+            <a:schemeClr val="lt1"/>
+          </a:fontRef>
+        </p:style>
+        <p:txBody>
+          <a:bodyPr rtlCol="0" anchor="ctr"/>
+          <a:lstStyle/>
+          <a:p>
+            <a:pPr algn="ctr"/>
+            <a:r>
+              <a:rPr lang="fr-FR" sz="1200" dirty="0" smtClean="0">
+                <a:solidFill>
+                  <a:sysClr val="windowText" lastClr="000000"/>
+                </a:solidFill>
+              </a:rPr>
+              <a:t>0</a:t>
+            </a:r>
+            <a:endParaRPr lang="fr-FR" sz="1200" dirty="0">
+              <a:solidFill>
+                <a:sysClr val="windowText" lastClr="000000"/>
+              </a:solidFill>
+            </a:endParaRPr>
+          </a:p>
+        </p:txBody>
+      </p:sp>
+      <p:sp>
+        <p:nvSpPr>
+          <p:cNvPr id="59" name="Ellipse 58"/>
+          <p:cNvSpPr/>
+          <p:nvPr/>
+        </p:nvSpPr>
+        <p:spPr>
+          <a:xfrm>
+            <a:off x="2122520" y="4220350"/>
+            <a:ext cx="288000" cy="288000"/>
+          </a:xfrm>
+          <a:prstGeom prst="ellipse">
+            <a:avLst/>
+          </a:prstGeom>
+          <a:solidFill>
+            <a:schemeClr val="bg1"/>
+          </a:solidFill>
+          <a:ln w="19050">
+            <a:solidFill>
+              <a:srgbClr val="FF0000"/>
+            </a:solidFill>
+          </a:ln>
+        </p:spPr>
+        <p:style>
+          <a:lnRef idx="2">
+            <a:schemeClr val="accent1">
+              <a:shade val="50000"/>
+            </a:schemeClr>
+          </a:lnRef>
+          <a:fillRef idx="1">
+            <a:schemeClr val="accent1"/>
+          </a:fillRef>
+          <a:effectRef idx="0">
+            <a:schemeClr val="accent1"/>
+          </a:effectRef>
+          <a:fontRef idx="minor">
+            <a:schemeClr val="lt1"/>
+          </a:fontRef>
+        </p:style>
+        <p:txBody>
+          <a:bodyPr rtlCol="0" anchor="ctr"/>
+          <a:lstStyle/>
+          <a:p>
+            <a:pPr algn="ctr"/>
+            <a:r>
+              <a:rPr lang="fr-FR" sz="1200" dirty="0">
+                <a:solidFill>
+                  <a:srgbClr val="FF0000"/>
+                </a:solidFill>
+              </a:rPr>
+              <a:t>1</a:t>
+            </a:r>
+            <a:endParaRPr lang="fr-FR" sz="1200" dirty="0">
+              <a:solidFill>
+                <a:srgbClr val="FF0000"/>
+              </a:solidFill>
+            </a:endParaRPr>
+          </a:p>
+        </p:txBody>
+      </p:sp>
+      <p:sp>
+        <p:nvSpPr>
+          <p:cNvPr id="60" name="Ellipse 59"/>
+          <p:cNvSpPr/>
+          <p:nvPr/>
+        </p:nvSpPr>
+        <p:spPr>
+          <a:xfrm>
+            <a:off x="3950917" y="4021018"/>
+            <a:ext cx="288000" cy="288000"/>
+          </a:xfrm>
+          <a:prstGeom prst="ellipse">
+            <a:avLst/>
+          </a:prstGeom>
+          <a:solidFill>
+            <a:schemeClr val="bg1"/>
+          </a:solidFill>
+          <a:ln w="19050">
+            <a:solidFill>
+              <a:srgbClr val="00B050"/>
+            </a:solidFill>
+          </a:ln>
+        </p:spPr>
+        <p:style>
+          <a:lnRef idx="2">
+            <a:schemeClr val="accent1">
+              <a:shade val="50000"/>
+            </a:schemeClr>
+          </a:lnRef>
+          <a:fillRef idx="1">
+            <a:schemeClr val="accent1"/>
+          </a:fillRef>
+          <a:effectRef idx="0">
+            <a:schemeClr val="accent1"/>
+          </a:effectRef>
+          <a:fontRef idx="minor">
+            <a:schemeClr val="lt1"/>
+          </a:fontRef>
+        </p:style>
+        <p:txBody>
+          <a:bodyPr rtlCol="0" anchor="ctr"/>
+          <a:lstStyle/>
+          <a:p>
+            <a:pPr algn="ctr"/>
+            <a:r>
+              <a:rPr lang="fr-FR" sz="1200" dirty="0" smtClean="0">
+                <a:solidFill>
+                  <a:srgbClr val="00B050"/>
+                </a:solidFill>
+              </a:rPr>
+              <a:t>2</a:t>
+            </a:r>
+            <a:endParaRPr lang="fr-FR" sz="1200" dirty="0">
+              <a:solidFill>
+                <a:srgbClr val="00B050"/>
+              </a:solidFill>
+            </a:endParaRPr>
+          </a:p>
+        </p:txBody>
+      </p:sp>
+      <p:sp>
+        <p:nvSpPr>
+          <p:cNvPr id="61" name="Ellipse 60"/>
+          <p:cNvSpPr/>
+          <p:nvPr/>
+        </p:nvSpPr>
+        <p:spPr>
+          <a:xfrm>
+            <a:off x="3547292" y="5661248"/>
+            <a:ext cx="288000" cy="288000"/>
+          </a:xfrm>
+          <a:prstGeom prst="ellipse">
+            <a:avLst/>
+          </a:prstGeom>
+          <a:solidFill>
+            <a:schemeClr val="bg1"/>
+          </a:solidFill>
+          <a:ln w="19050">
+            <a:solidFill>
+              <a:srgbClr val="0070C0"/>
+            </a:solidFill>
+          </a:ln>
+        </p:spPr>
+        <p:style>
+          <a:lnRef idx="2">
+            <a:schemeClr val="accent1">
+              <a:shade val="50000"/>
+            </a:schemeClr>
+          </a:lnRef>
+          <a:fillRef idx="1">
+            <a:schemeClr val="accent1"/>
+          </a:fillRef>
+          <a:effectRef idx="0">
+            <a:schemeClr val="accent1"/>
+          </a:effectRef>
+          <a:fontRef idx="minor">
+            <a:schemeClr val="lt1"/>
+          </a:fontRef>
+        </p:style>
+        <p:txBody>
+          <a:bodyPr rtlCol="0" anchor="ctr"/>
+          <a:lstStyle/>
+          <a:p>
+            <a:pPr algn="ctr"/>
+            <a:r>
+              <a:rPr lang="fr-FR" sz="1200" dirty="0" smtClean="0">
+                <a:solidFill>
+                  <a:srgbClr val="0070C0"/>
+                </a:solidFill>
+              </a:rPr>
+              <a:t>3</a:t>
+            </a:r>
+            <a:endParaRPr lang="fr-FR" sz="1200" dirty="0">
+              <a:solidFill>
+                <a:srgbClr val="0070C0"/>
+              </a:solidFill>
+            </a:endParaRPr>
+          </a:p>
+        </p:txBody>
+      </p:sp>
+      <p:cxnSp>
+        <p:nvCxnSpPr>
+          <p:cNvPr id="27" name="Connecteur droit avec flèche 26"/>
+          <p:cNvCxnSpPr/>
+          <p:nvPr/>
+        </p:nvCxnSpPr>
+        <p:spPr>
+          <a:xfrm flipV="1">
+            <a:off x="1691680" y="4597018"/>
+            <a:ext cx="519887" cy="264304"/>
+          </a:xfrm>
+          <a:prstGeom prst="straightConnector1">
+            <a:avLst/>
+          </a:prstGeom>
+          <a:ln w="19050">
+            <a:solidFill>
+              <a:srgbClr val="FF0000"/>
+            </a:solidFill>
+            <a:tailEnd type="stealth" w="med" len="lg"/>
+          </a:ln>
+        </p:spPr>
+        <p:style>
+          <a:lnRef idx="1">
+            <a:schemeClr val="accent1"/>
+          </a:lnRef>
+          <a:fillRef idx="0">
+            <a:schemeClr val="accent1"/>
+          </a:fillRef>
+          <a:effectRef idx="0">
+            <a:schemeClr val="accent1"/>
+          </a:effectRef>
+          <a:fontRef idx="minor">
+            <a:schemeClr val="tx1"/>
+          </a:fontRef>
+        </p:style>
+      </p:cxnSp>
+      <p:cxnSp>
+        <p:nvCxnSpPr>
+          <p:cNvPr id="31" name="Connecteur droit avec flèche 30"/>
+          <p:cNvCxnSpPr/>
+          <p:nvPr/>
+        </p:nvCxnSpPr>
+        <p:spPr>
+          <a:xfrm>
+            <a:off x="1691680" y="4861322"/>
+            <a:ext cx="721559" cy="0"/>
+          </a:xfrm>
+          <a:prstGeom prst="straightConnector1">
+            <a:avLst/>
+          </a:prstGeom>
+          <a:ln w="19050">
+            <a:solidFill>
+              <a:schemeClr val="tx1"/>
+            </a:solidFill>
+            <a:tailEnd type="stealth" w="med" len="lg"/>
+          </a:ln>
+        </p:spPr>
+        <p:style>
+          <a:lnRef idx="1">
+            <a:schemeClr val="accent1"/>
+          </a:lnRef>
+          <a:fillRef idx="0">
+            <a:schemeClr val="accent1"/>
+          </a:fillRef>
+          <a:effectRef idx="0">
+            <a:schemeClr val="accent1"/>
+          </a:effectRef>
+          <a:fontRef idx="minor">
+            <a:schemeClr val="tx1"/>
+          </a:fontRef>
+        </p:style>
+      </p:cxnSp>
+      <mc:AlternateContent xmlns:mc="http://schemas.openxmlformats.org/markup-compatibility/2006">
+        <mc:Choice xmlns:a14="http://schemas.microsoft.com/office/drawing/2010/main" Requires="a14">
+          <p:sp>
+            <p:nvSpPr>
+              <p:cNvPr id="35" name="ZoneTexte 34"/>
+              <p:cNvSpPr txBox="1"/>
+              <p:nvPr/>
+            </p:nvSpPr>
+            <p:spPr>
+              <a:xfrm>
+                <a:off x="1356640" y="4026518"/>
+                <a:ext cx="373949" cy="276999"/>
+              </a:xfrm>
+              <a:prstGeom prst="rect">
+                <a:avLst/>
+              </a:prstGeom>
+              <a:noFill/>
+            </p:spPr>
+            <p:txBody>
+              <a:bodyPr wrap="none" rtlCol="0">
+                <a:spAutoFit/>
+              </a:bodyPr>
+              <a:lstStyle/>
+              <a:p>
+                <a:pPr/>
+                <a14:m>
+                  <m:oMathPara xmlns:m="http://schemas.openxmlformats.org/officeDocument/2006/math">
+                    <m:oMathParaPr>
+                      <m:jc m:val="centerGroup"/>
+                    </m:oMathParaPr>
+                    <m:oMath xmlns:m="http://schemas.openxmlformats.org/officeDocument/2006/math">
+                      <m:acc>
+                        <m:accPr>
+                          <m:chr m:val="⃗"/>
+                          <m:ctrlPr>
+                            <a:rPr lang="fr-FR" sz="1200" i="1" smtClean="0">
+                              <a:latin typeface="Cambria Math"/>
+                            </a:rPr>
+                          </m:ctrlPr>
+                        </m:accPr>
+                        <m:e>
+                          <m:sSub>
+                            <m:sSubPr>
+                              <m:ctrlPr>
+                                <a:rPr lang="fr-FR" sz="1200" b="0" i="1" smtClean="0">
+                                  <a:latin typeface="Cambria Math"/>
+                                </a:rPr>
+                              </m:ctrlPr>
+                            </m:sSubPr>
+                            <m:e>
+                              <m:r>
+                                <a:rPr lang="fr-FR" sz="1200" b="0" i="1" smtClean="0">
+                                  <a:latin typeface="Cambria Math"/>
+                                </a:rPr>
+                                <m:t>𝑦</m:t>
+                              </m:r>
+                            </m:e>
+                            <m:sub>
+                              <m:r>
+                                <a:rPr lang="fr-FR" sz="1200" b="0" i="1" smtClean="0">
+                                  <a:latin typeface="Cambria Math"/>
+                                </a:rPr>
+                                <m:t>0</m:t>
+                              </m:r>
+                            </m:sub>
+                          </m:sSub>
+                        </m:e>
+                      </m:acc>
+                    </m:oMath>
+                  </m:oMathPara>
+                </a14:m>
+                <a:endParaRPr lang="fr-FR" sz="1200" dirty="0"/>
+              </a:p>
+            </p:txBody>
+          </p:sp>
+        </mc:Choice>
+        <mc:Fallback>
+          <p:sp>
+            <p:nvSpPr>
+              <p:cNvPr id="35" name="ZoneTexte 34"/>
+              <p:cNvSpPr txBox="1">
+                <a:spLocks noRot="1" noChangeAspect="1" noMove="1" noResize="1" noEditPoints="1" noAdjustHandles="1" noChangeArrowheads="1" noChangeShapeType="1" noTextEdit="1"/>
+              </p:cNvSpPr>
+              <p:nvPr/>
+            </p:nvSpPr>
+            <p:spPr>
+              <a:xfrm>
+                <a:off x="1356640" y="4026518"/>
+                <a:ext cx="373949" cy="276999"/>
+              </a:xfrm>
+              <a:prstGeom prst="rect">
+                <a:avLst/>
+              </a:prstGeom>
+              <a:blipFill rotWithShape="1">
+                <a:blip r:embed="rId8"/>
+                <a:stretch>
+                  <a:fillRect/>
+                </a:stretch>
+              </a:blipFill>
+            </p:spPr>
+            <p:txBody>
+              <a:bodyPr/>
+              <a:lstStyle/>
+              <a:p>
+                <a:r>
+                  <a:rPr lang="fr-FR">
+                    <a:noFill/>
+                  </a:rPr>
+                  <a:t> </a:t>
+                </a:r>
+              </a:p>
+            </p:txBody>
+          </p:sp>
+        </mc:Fallback>
+      </mc:AlternateContent>
+      <p:cxnSp>
+        <p:nvCxnSpPr>
+          <p:cNvPr id="37" name="Connecteur droit avec flèche 36"/>
+          <p:cNvCxnSpPr/>
+          <p:nvPr/>
+        </p:nvCxnSpPr>
+        <p:spPr>
+          <a:xfrm rot="16200000">
+            <a:off x="1330902" y="4508350"/>
+            <a:ext cx="721559" cy="0"/>
+          </a:xfrm>
+          <a:prstGeom prst="straightConnector1">
+            <a:avLst/>
+          </a:prstGeom>
+          <a:ln w="19050">
+            <a:solidFill>
+              <a:schemeClr val="tx1"/>
+            </a:solidFill>
+            <a:tailEnd type="stealth" w="med" len="lg"/>
+          </a:ln>
+        </p:spPr>
+        <p:style>
+          <a:lnRef idx="1">
+            <a:schemeClr val="accent1"/>
+          </a:lnRef>
+          <a:fillRef idx="0">
+            <a:schemeClr val="accent1"/>
+          </a:fillRef>
+          <a:effectRef idx="0">
+            <a:schemeClr val="accent1"/>
+          </a:effectRef>
+          <a:fontRef idx="minor">
+            <a:schemeClr val="tx1"/>
+          </a:fontRef>
+        </p:style>
+      </p:cxnSp>
+      <p:cxnSp>
+        <p:nvCxnSpPr>
+          <p:cNvPr id="38" name="Connecteur droit avec flèche 37"/>
+          <p:cNvCxnSpPr>
+            <a:endCxn id="21" idx="7"/>
+          </p:cNvCxnSpPr>
+          <p:nvPr/>
+        </p:nvCxnSpPr>
+        <p:spPr>
+          <a:xfrm flipV="1">
+            <a:off x="3139208" y="3588989"/>
+            <a:ext cx="559748" cy="560092"/>
+          </a:xfrm>
+          <a:prstGeom prst="straightConnector1">
+            <a:avLst/>
+          </a:prstGeom>
+          <a:ln w="19050">
+            <a:solidFill>
+              <a:srgbClr val="00B050"/>
+            </a:solidFill>
+            <a:tailEnd type="stealth" w="med" len="lg"/>
+          </a:ln>
+        </p:spPr>
+        <p:style>
+          <a:lnRef idx="1">
+            <a:schemeClr val="accent1"/>
+          </a:lnRef>
+          <a:fillRef idx="0">
+            <a:schemeClr val="accent1"/>
+          </a:fillRef>
+          <a:effectRef idx="0">
+            <a:schemeClr val="accent1"/>
+          </a:effectRef>
+          <a:fontRef idx="minor">
+            <a:schemeClr val="tx1"/>
+          </a:fontRef>
+        </p:style>
+      </p:cxnSp>
+      <mc:AlternateContent xmlns:mc="http://schemas.openxmlformats.org/markup-compatibility/2006">
+        <mc:Choice xmlns:a14="http://schemas.microsoft.com/office/drawing/2010/main" Requires="a14">
+          <p:sp>
+            <p:nvSpPr>
+              <p:cNvPr id="42" name="ZoneTexte 41"/>
+              <p:cNvSpPr txBox="1"/>
+              <p:nvPr/>
+            </p:nvSpPr>
+            <p:spPr>
+              <a:xfrm>
+                <a:off x="3206184" y="3544542"/>
+                <a:ext cx="372345" cy="276999"/>
+              </a:xfrm>
+              <a:prstGeom prst="rect">
+                <a:avLst/>
+              </a:prstGeom>
+              <a:noFill/>
+            </p:spPr>
+            <p:txBody>
+              <a:bodyPr wrap="none" rtlCol="0">
+                <a:spAutoFit/>
+              </a:bodyPr>
+              <a:lstStyle/>
+              <a:p>
+                <a:pPr/>
+                <a14:m>
+                  <m:oMathPara xmlns:m="http://schemas.openxmlformats.org/officeDocument/2006/math">
+                    <m:oMathParaPr>
+                      <m:jc m:val="centerGroup"/>
+                    </m:oMathParaPr>
+                    <m:oMath xmlns:m="http://schemas.openxmlformats.org/officeDocument/2006/math">
+                      <m:acc>
+                        <m:accPr>
+                          <m:chr m:val="⃗"/>
+                          <m:ctrlPr>
+                            <a:rPr lang="fr-FR" sz="1200" i="1" smtClean="0">
+                              <a:latin typeface="Cambria Math"/>
+                            </a:rPr>
+                          </m:ctrlPr>
+                        </m:accPr>
+                        <m:e>
+                          <m:sSub>
+                            <m:sSubPr>
+                              <m:ctrlPr>
+                                <a:rPr lang="fr-FR" sz="1200" b="0" i="1" smtClean="0">
+                                  <a:latin typeface="Cambria Math"/>
+                                </a:rPr>
+                              </m:ctrlPr>
+                            </m:sSubPr>
+                            <m:e>
+                              <m:r>
+                                <a:rPr lang="fr-FR" sz="1200" b="0" i="1" smtClean="0">
+                                  <a:latin typeface="Cambria Math"/>
+                                </a:rPr>
+                                <m:t>𝑥</m:t>
+                              </m:r>
+                            </m:e>
+                            <m:sub>
+                              <m:r>
+                                <a:rPr lang="fr-FR" sz="1200" b="0" i="1" smtClean="0">
+                                  <a:latin typeface="Cambria Math"/>
+                                </a:rPr>
+                                <m:t>2</m:t>
+                              </m:r>
+                            </m:sub>
+                          </m:sSub>
+                        </m:e>
+                      </m:acc>
+                    </m:oMath>
+                  </m:oMathPara>
+                </a14:m>
+                <a:endParaRPr lang="fr-FR" sz="1200" dirty="0"/>
+              </a:p>
+            </p:txBody>
+          </p:sp>
+        </mc:Choice>
+        <mc:Fallback>
+          <p:sp>
+            <p:nvSpPr>
+              <p:cNvPr id="42" name="ZoneTexte 41"/>
+              <p:cNvSpPr txBox="1">
+                <a:spLocks noRot="1" noChangeAspect="1" noMove="1" noResize="1" noEditPoints="1" noAdjustHandles="1" noChangeArrowheads="1" noChangeShapeType="1" noTextEdit="1"/>
+              </p:cNvSpPr>
+              <p:nvPr/>
+            </p:nvSpPr>
+            <p:spPr>
+              <a:xfrm>
+                <a:off x="3206184" y="3544542"/>
+                <a:ext cx="372345" cy="276999"/>
+              </a:xfrm>
+              <a:prstGeom prst="rect">
+                <a:avLst/>
+              </a:prstGeom>
+              <a:blipFill rotWithShape="1">
+                <a:blip r:embed="rId9"/>
+                <a:stretch>
+                  <a:fillRect/>
+                </a:stretch>
+              </a:blipFill>
+            </p:spPr>
+            <p:txBody>
+              <a:bodyPr/>
+              <a:lstStyle/>
+              <a:p>
+                <a:r>
+                  <a:rPr lang="fr-FR">
+                    <a:noFill/>
+                  </a:rPr>
+                  <a:t> </a:t>
+                </a:r>
+              </a:p>
+            </p:txBody>
+          </p:sp>
+        </mc:Fallback>
+      </mc:AlternateContent>
+      <mc:AlternateContent xmlns:mc="http://schemas.openxmlformats.org/markup-compatibility/2006">
+        <mc:Choice xmlns:a14="http://schemas.microsoft.com/office/drawing/2010/main" Requires="a14">
+          <p:sp>
+            <p:nvSpPr>
+              <p:cNvPr id="44" name="ZoneTexte 43"/>
+              <p:cNvSpPr txBox="1"/>
+              <p:nvPr/>
+            </p:nvSpPr>
+            <p:spPr>
+              <a:xfrm>
+                <a:off x="1852417" y="4417752"/>
+                <a:ext cx="368754" cy="276999"/>
+              </a:xfrm>
+              <a:prstGeom prst="rect">
+                <a:avLst/>
+              </a:prstGeom>
+              <a:noFill/>
+            </p:spPr>
+            <p:txBody>
+              <a:bodyPr wrap="none" rtlCol="0">
+                <a:spAutoFit/>
+              </a:bodyPr>
+              <a:lstStyle/>
+              <a:p>
+                <a:pPr/>
+                <a14:m>
+                  <m:oMathPara xmlns:m="http://schemas.openxmlformats.org/officeDocument/2006/math">
+                    <m:oMathParaPr>
+                      <m:jc m:val="centerGroup"/>
+                    </m:oMathParaPr>
+                    <m:oMath xmlns:m="http://schemas.openxmlformats.org/officeDocument/2006/math">
+                      <m:acc>
+                        <m:accPr>
+                          <m:chr m:val="⃗"/>
+                          <m:ctrlPr>
+                            <a:rPr lang="fr-FR" sz="1200" i="1" smtClean="0">
+                              <a:latin typeface="Cambria Math"/>
+                            </a:rPr>
+                          </m:ctrlPr>
+                        </m:accPr>
+                        <m:e>
+                          <m:sSub>
+                            <m:sSubPr>
+                              <m:ctrlPr>
+                                <a:rPr lang="fr-FR" sz="1200" b="0" i="1" smtClean="0">
+                                  <a:latin typeface="Cambria Math"/>
+                                </a:rPr>
+                              </m:ctrlPr>
+                            </m:sSubPr>
+                            <m:e>
+                              <m:r>
+                                <a:rPr lang="fr-FR" sz="1200" b="0" i="1" smtClean="0">
+                                  <a:latin typeface="Cambria Math"/>
+                                </a:rPr>
+                                <m:t>𝑥</m:t>
+                              </m:r>
+                            </m:e>
+                            <m:sub>
+                              <m:r>
+                                <a:rPr lang="fr-FR" sz="1200" b="0" i="1" smtClean="0">
+                                  <a:latin typeface="Cambria Math"/>
+                                </a:rPr>
+                                <m:t>1</m:t>
+                              </m:r>
+                            </m:sub>
+                          </m:sSub>
+                        </m:e>
+                      </m:acc>
+                    </m:oMath>
+                  </m:oMathPara>
+                </a14:m>
+                <a:endParaRPr lang="fr-FR" sz="1200" dirty="0"/>
+              </a:p>
+            </p:txBody>
+          </p:sp>
+        </mc:Choice>
+        <mc:Fallback>
+          <p:sp>
+            <p:nvSpPr>
+              <p:cNvPr id="44" name="ZoneTexte 43"/>
+              <p:cNvSpPr txBox="1">
+                <a:spLocks noRot="1" noChangeAspect="1" noMove="1" noResize="1" noEditPoints="1" noAdjustHandles="1" noChangeArrowheads="1" noChangeShapeType="1" noTextEdit="1"/>
+              </p:cNvSpPr>
+              <p:nvPr/>
+            </p:nvSpPr>
+            <p:spPr>
+              <a:xfrm>
+                <a:off x="1852417" y="4417752"/>
+                <a:ext cx="368754" cy="276999"/>
+              </a:xfrm>
+              <a:prstGeom prst="rect">
+                <a:avLst/>
+              </a:prstGeom>
+              <a:blipFill rotWithShape="1">
+                <a:blip r:embed="rId10"/>
+                <a:stretch>
+                  <a:fillRect/>
+                </a:stretch>
+              </a:blipFill>
+            </p:spPr>
+            <p:txBody>
+              <a:bodyPr/>
+              <a:lstStyle/>
+              <a:p>
+                <a:r>
+                  <a:rPr lang="fr-FR">
+                    <a:noFill/>
+                  </a:rPr>
+                  <a:t> </a:t>
+                </a:r>
+              </a:p>
+            </p:txBody>
+          </p:sp>
+        </mc:Fallback>
+      </mc:AlternateContent>
+      <mc:AlternateContent xmlns:mc="http://schemas.openxmlformats.org/markup-compatibility/2006">
+        <mc:Choice xmlns:a14="http://schemas.microsoft.com/office/drawing/2010/main" Requires="a14">
+          <p:sp>
+            <p:nvSpPr>
+              <p:cNvPr id="45" name="ZoneTexte 44"/>
+              <p:cNvSpPr txBox="1"/>
+              <p:nvPr/>
+            </p:nvSpPr>
+            <p:spPr>
+              <a:xfrm>
+                <a:off x="2187789" y="4861321"/>
+                <a:ext cx="372345" cy="276999"/>
+              </a:xfrm>
+              <a:prstGeom prst="rect">
+                <a:avLst/>
+              </a:prstGeom>
+              <a:noFill/>
+            </p:spPr>
+            <p:txBody>
+              <a:bodyPr wrap="none" rtlCol="0">
+                <a:spAutoFit/>
+              </a:bodyPr>
+              <a:lstStyle/>
+              <a:p>
+                <a:pPr/>
+                <a14:m>
+                  <m:oMathPara xmlns:m="http://schemas.openxmlformats.org/officeDocument/2006/math">
+                    <m:oMathParaPr>
+                      <m:jc m:val="centerGroup"/>
+                    </m:oMathParaPr>
+                    <m:oMath xmlns:m="http://schemas.openxmlformats.org/officeDocument/2006/math">
+                      <m:acc>
+                        <m:accPr>
+                          <m:chr m:val="⃗"/>
+                          <m:ctrlPr>
+                            <a:rPr lang="fr-FR" sz="1200" i="1" smtClean="0">
+                              <a:latin typeface="Cambria Math"/>
+                            </a:rPr>
+                          </m:ctrlPr>
+                        </m:accPr>
+                        <m:e>
+                          <m:sSub>
+                            <m:sSubPr>
+                              <m:ctrlPr>
+                                <a:rPr lang="fr-FR" sz="1200" b="0" i="1" smtClean="0">
+                                  <a:latin typeface="Cambria Math"/>
+                                </a:rPr>
+                              </m:ctrlPr>
+                            </m:sSubPr>
+                            <m:e>
+                              <m:r>
+                                <a:rPr lang="fr-FR" sz="1200" b="0" i="1" smtClean="0">
+                                  <a:latin typeface="Cambria Math"/>
+                                </a:rPr>
+                                <m:t>𝑥</m:t>
+                              </m:r>
+                            </m:e>
+                            <m:sub>
+                              <m:r>
+                                <a:rPr lang="fr-FR" sz="1200" b="0" i="1" smtClean="0">
+                                  <a:latin typeface="Cambria Math"/>
+                                </a:rPr>
+                                <m:t>0</m:t>
+                              </m:r>
+                            </m:sub>
+                          </m:sSub>
+                        </m:e>
+                      </m:acc>
+                    </m:oMath>
+                  </m:oMathPara>
+                </a14:m>
+                <a:endParaRPr lang="fr-FR" sz="1200" dirty="0"/>
+              </a:p>
+            </p:txBody>
+          </p:sp>
+        </mc:Choice>
+        <mc:Fallback>
+          <p:sp>
+            <p:nvSpPr>
+              <p:cNvPr id="45" name="ZoneTexte 44"/>
+              <p:cNvSpPr txBox="1">
+                <a:spLocks noRot="1" noChangeAspect="1" noMove="1" noResize="1" noEditPoints="1" noAdjustHandles="1" noChangeArrowheads="1" noChangeShapeType="1" noTextEdit="1"/>
+              </p:cNvSpPr>
+              <p:nvPr/>
+            </p:nvSpPr>
+            <p:spPr>
+              <a:xfrm>
+                <a:off x="2187789" y="4861321"/>
+                <a:ext cx="372345" cy="276999"/>
+              </a:xfrm>
+              <a:prstGeom prst="rect">
+                <a:avLst/>
+              </a:prstGeom>
+              <a:blipFill rotWithShape="1">
+                <a:blip r:embed="rId11"/>
+                <a:stretch>
+                  <a:fillRect/>
+                </a:stretch>
+              </a:blipFill>
+            </p:spPr>
+            <p:txBody>
+              <a:bodyPr/>
+              <a:lstStyle/>
+              <a:p>
+                <a:r>
+                  <a:rPr lang="fr-FR">
+                    <a:noFill/>
+                  </a:rPr>
+                  <a:t> </a:t>
+                </a:r>
+              </a:p>
+            </p:txBody>
+          </p:sp>
+        </mc:Fallback>
+      </mc:AlternateContent>
+      <mc:AlternateContent xmlns:mc="http://schemas.openxmlformats.org/markup-compatibility/2006">
+        <mc:Choice xmlns:a14="http://schemas.microsoft.com/office/drawing/2010/main" Requires="a14">
+          <p:sp>
+            <p:nvSpPr>
+              <p:cNvPr id="47" name="ZoneTexte 46"/>
+              <p:cNvSpPr txBox="1"/>
+              <p:nvPr/>
+            </p:nvSpPr>
+            <p:spPr>
+              <a:xfrm>
+                <a:off x="4127647" y="4895526"/>
+                <a:ext cx="372345" cy="276999"/>
+              </a:xfrm>
+              <a:prstGeom prst="rect">
+                <a:avLst/>
+              </a:prstGeom>
+              <a:noFill/>
+            </p:spPr>
+            <p:txBody>
+              <a:bodyPr wrap="none" rtlCol="0">
+                <a:spAutoFit/>
+              </a:bodyPr>
+              <a:lstStyle/>
+              <a:p>
+                <a:pPr/>
+                <a14:m>
+                  <m:oMathPara xmlns:m="http://schemas.openxmlformats.org/officeDocument/2006/math">
+                    <m:oMathParaPr>
+                      <m:jc m:val="centerGroup"/>
+                    </m:oMathParaPr>
+                    <m:oMath xmlns:m="http://schemas.openxmlformats.org/officeDocument/2006/math">
+                      <m:acc>
+                        <m:accPr>
+                          <m:chr m:val="⃗"/>
+                          <m:ctrlPr>
+                            <a:rPr lang="fr-FR" sz="1200" i="1" smtClean="0">
+                              <a:latin typeface="Cambria Math"/>
+                            </a:rPr>
+                          </m:ctrlPr>
+                        </m:accPr>
+                        <m:e>
+                          <m:sSub>
+                            <m:sSubPr>
+                              <m:ctrlPr>
+                                <a:rPr lang="fr-FR" sz="1200" b="0" i="1" smtClean="0">
+                                  <a:latin typeface="Cambria Math"/>
+                                </a:rPr>
+                              </m:ctrlPr>
+                            </m:sSubPr>
+                            <m:e>
+                              <m:r>
+                                <a:rPr lang="fr-FR" sz="1200" b="0" i="1" smtClean="0">
+                                  <a:latin typeface="Cambria Math"/>
+                                </a:rPr>
+                                <m:t>𝑥</m:t>
+                              </m:r>
+                            </m:e>
+                            <m:sub>
+                              <m:r>
+                                <a:rPr lang="fr-FR" sz="1200" b="0" i="1" smtClean="0">
+                                  <a:latin typeface="Cambria Math"/>
+                                </a:rPr>
+                                <m:t>3</m:t>
+                              </m:r>
+                            </m:sub>
+                          </m:sSub>
+                        </m:e>
+                      </m:acc>
+                    </m:oMath>
+                  </m:oMathPara>
+                </a14:m>
+                <a:endParaRPr lang="fr-FR" sz="1200" dirty="0"/>
+              </a:p>
+            </p:txBody>
+          </p:sp>
+        </mc:Choice>
+        <mc:Fallback>
+          <p:sp>
+            <p:nvSpPr>
+              <p:cNvPr id="47" name="ZoneTexte 46"/>
+              <p:cNvSpPr txBox="1">
+                <a:spLocks noRot="1" noChangeAspect="1" noMove="1" noResize="1" noEditPoints="1" noAdjustHandles="1" noChangeArrowheads="1" noChangeShapeType="1" noTextEdit="1"/>
+              </p:cNvSpPr>
+              <p:nvPr/>
+            </p:nvSpPr>
+            <p:spPr>
+              <a:xfrm>
+                <a:off x="4127647" y="4895526"/>
+                <a:ext cx="372345" cy="276999"/>
+              </a:xfrm>
+              <a:prstGeom prst="rect">
+                <a:avLst/>
+              </a:prstGeom>
+              <a:blipFill rotWithShape="1">
+                <a:blip r:embed="rId12"/>
+                <a:stretch>
+                  <a:fillRect/>
+                </a:stretch>
+              </a:blipFill>
+            </p:spPr>
+            <p:txBody>
+              <a:bodyPr/>
+              <a:lstStyle/>
+              <a:p>
+                <a:r>
+                  <a:rPr lang="fr-FR">
+                    <a:noFill/>
+                  </a:rPr>
+                  <a:t> </a:t>
+                </a:r>
+              </a:p>
+            </p:txBody>
+          </p:sp>
+        </mc:Fallback>
+      </mc:AlternateContent>
+      <p:cxnSp>
+        <p:nvCxnSpPr>
+          <p:cNvPr id="48" name="Connecteur droit avec flèche 47"/>
+          <p:cNvCxnSpPr/>
+          <p:nvPr/>
+        </p:nvCxnSpPr>
+        <p:spPr>
+          <a:xfrm>
+            <a:off x="3560377" y="4949912"/>
+            <a:ext cx="721559" cy="0"/>
+          </a:xfrm>
+          <a:prstGeom prst="straightConnector1">
+            <a:avLst/>
+          </a:prstGeom>
+          <a:ln w="19050">
+            <a:solidFill>
+              <a:srgbClr val="0070C0"/>
+            </a:solidFill>
+            <a:tailEnd type="stealth" w="med" len="lg"/>
+          </a:ln>
+        </p:spPr>
+        <p:style>
+          <a:lnRef idx="1">
+            <a:schemeClr val="accent1"/>
+          </a:lnRef>
+          <a:fillRef idx="0">
+            <a:schemeClr val="accent1"/>
+          </a:fillRef>
+          <a:effectRef idx="0">
+            <a:schemeClr val="accent1"/>
+          </a:effectRef>
+          <a:fontRef idx="minor">
+            <a:schemeClr val="tx1"/>
+          </a:fontRef>
+        </p:style>
+      </p:cxnSp>
+    </p:spTree>
+    <p:extLst>
+      <p:ext uri="{BB962C8B-B14F-4D97-AF65-F5344CB8AC3E}">
+        <p14:creationId xmlns:p14="http://schemas.microsoft.com/office/powerpoint/2010/main" val="6647485"/>
+      </p:ext>
+    </p:extLst>
+  </p:cSld>
+  <p:clrMapOvr>
+    <a:masterClrMapping/>
+  </p:clrMapOvr>
+</p:sld>
+</file>
+
+<file path=ppt/slides/slide5.xml><?xml version="1.0" encoding="utf-8"?>
+<p:sld xmlns:a="http://schemas.openxmlformats.org/drawingml/2006/main" xmlns:r="http://schemas.openxmlformats.org/officeDocument/2006/relationships" xmlns:p="http://schemas.openxmlformats.org/presentationml/2006/main">
+  <p:cSld>
+    <p:spTree>
+      <p:nvGrpSpPr>
+        <p:cNvPr id="1" name=""/>
+        <p:cNvGrpSpPr/>
+        <p:nvPr/>
+      </p:nvGrpSpPr>
+      <p:grpSpPr>
+        <a:xfrm>
+          <a:off x="0" y="0"/>
+          <a:ext cx="0" cy="0"/>
+          <a:chOff x="0" y="0"/>
+          <a:chExt cx="0" cy="0"/>
+        </a:xfrm>
+      </p:grpSpPr>
+      <p:grpSp>
+        <p:nvGrpSpPr>
+          <p:cNvPr id="16" name="Groupe 15"/>
+          <p:cNvGrpSpPr/>
+          <p:nvPr/>
+        </p:nvGrpSpPr>
+        <p:grpSpPr>
+          <a:xfrm>
+            <a:off x="1136426" y="3899314"/>
+            <a:ext cx="1610648" cy="1535476"/>
+            <a:chOff x="1136426" y="3899314"/>
+            <a:chExt cx="1610648" cy="1535476"/>
+          </a:xfrm>
+        </p:grpSpPr>
+        <mc:AlternateContent xmlns:mc="http://schemas.openxmlformats.org/markup-compatibility/2006">
+          <mc:Choice xmlns:a14="http://schemas.microsoft.com/office/drawing/2010/main" Requires="a14">
+            <p:sp>
+              <p:nvSpPr>
+                <p:cNvPr id="5" name="ZoneTexte 4"/>
+                <p:cNvSpPr txBox="1"/>
+                <p:nvPr/>
+              </p:nvSpPr>
+              <p:spPr>
+                <a:xfrm>
+                  <a:off x="1504705" y="3899314"/>
+                  <a:ext cx="373949" cy="276999"/>
+                </a:xfrm>
+                <a:prstGeom prst="rect">
+                  <a:avLst/>
+                </a:prstGeom>
+                <a:noFill/>
+              </p:spPr>
+              <p:txBody>
+                <a:bodyPr wrap="none" rtlCol="0">
+                  <a:spAutoFit/>
+                </a:bodyPr>
+                <a:lstStyle/>
+                <a:p>
+                  <a:pPr/>
+                  <a14:m>
+                    <m:oMathPara xmlns:m="http://schemas.openxmlformats.org/officeDocument/2006/math">
+                      <m:oMathParaPr>
+                        <m:jc m:val="centerGroup"/>
+                      </m:oMathParaPr>
+                      <m:oMath xmlns:m="http://schemas.openxmlformats.org/officeDocument/2006/math">
+                        <m:acc>
+                          <m:accPr>
+                            <m:chr m:val="⃗"/>
+                            <m:ctrlPr>
+                              <a:rPr lang="fr-FR" sz="1200" i="1" smtClean="0">
+                                <a:latin typeface="Cambria Math"/>
+                              </a:rPr>
+                            </m:ctrlPr>
+                          </m:accPr>
+                          <m:e>
+                            <m:sSub>
+                              <m:sSubPr>
+                                <m:ctrlPr>
+                                  <a:rPr lang="fr-FR" sz="1200" b="0" i="1" smtClean="0">
+                                    <a:latin typeface="Cambria Math"/>
+                                  </a:rPr>
+                                </m:ctrlPr>
+                              </m:sSubPr>
+                              <m:e>
+                                <m:r>
+                                  <a:rPr lang="fr-FR" sz="1200" b="0" i="1" smtClean="0">
+                                    <a:latin typeface="Cambria Math"/>
+                                  </a:rPr>
+                                  <m:t>𝑦</m:t>
+                                </m:r>
+                              </m:e>
+                              <m:sub>
+                                <m:r>
+                                  <a:rPr lang="fr-FR" sz="1200" b="0" i="1" smtClean="0">
+                                    <a:latin typeface="Cambria Math"/>
+                                  </a:rPr>
+                                  <m:t>0</m:t>
+                                </m:r>
+                              </m:sub>
+                            </m:sSub>
+                          </m:e>
+                        </m:acc>
+                      </m:oMath>
+                    </m:oMathPara>
+                  </a14:m>
+                  <a:endParaRPr lang="fr-FR" sz="1200" dirty="0"/>
+                </a:p>
+              </p:txBody>
+            </p:sp>
+          </mc:Choice>
+          <mc:Fallback>
+            <p:sp>
+              <p:nvSpPr>
+                <p:cNvPr id="5" name="ZoneTexte 4"/>
+                <p:cNvSpPr txBox="1">
+                  <a:spLocks noRot="1" noChangeAspect="1" noMove="1" noResize="1" noEditPoints="1" noAdjustHandles="1" noChangeArrowheads="1" noChangeShapeType="1" noTextEdit="1"/>
+                </p:cNvSpPr>
+                <p:nvPr/>
+              </p:nvSpPr>
+              <p:spPr>
+                <a:xfrm>
+                  <a:off x="1504705" y="3899314"/>
+                  <a:ext cx="373949" cy="276999"/>
+                </a:xfrm>
+                <a:prstGeom prst="rect">
+                  <a:avLst/>
+                </a:prstGeom>
+                <a:blipFill rotWithShape="1">
+                  <a:blip r:embed="rId2"/>
+                  <a:stretch>
+                    <a:fillRect/>
+                  </a:stretch>
+                </a:blipFill>
+              </p:spPr>
+              <p:txBody>
+                <a:bodyPr/>
+                <a:lstStyle/>
+                <a:p>
+                  <a:r>
+                    <a:rPr lang="fr-FR">
+                      <a:noFill/>
+                    </a:rPr>
+                    <a:t> </a:t>
+                  </a:r>
+                </a:p>
+              </p:txBody>
+            </p:sp>
+          </mc:Fallback>
+        </mc:AlternateContent>
+        <p:grpSp>
+          <p:nvGrpSpPr>
+            <p:cNvPr id="8" name="Groupe 7"/>
+            <p:cNvGrpSpPr/>
+            <p:nvPr/>
+          </p:nvGrpSpPr>
+          <p:grpSpPr>
+            <a:xfrm>
+              <a:off x="1691680" y="4147570"/>
+              <a:ext cx="721559" cy="721559"/>
+              <a:chOff x="1691680" y="4147570"/>
+              <a:chExt cx="721559" cy="721559"/>
+            </a:xfrm>
+          </p:grpSpPr>
+          <p:cxnSp>
+            <p:nvCxnSpPr>
+              <p:cNvPr id="4" name="Connecteur droit avec flèche 3"/>
+              <p:cNvCxnSpPr/>
+              <p:nvPr/>
+            </p:nvCxnSpPr>
+            <p:spPr>
+              <a:xfrm>
+                <a:off x="1691680" y="4861322"/>
+                <a:ext cx="721559" cy="0"/>
+              </a:xfrm>
+              <a:prstGeom prst="straightConnector1">
+                <a:avLst/>
+              </a:prstGeom>
+              <a:ln w="19050">
+                <a:solidFill>
+                  <a:schemeClr val="tx1"/>
+                </a:solidFill>
+                <a:tailEnd type="stealth" w="med" len="lg"/>
+              </a:ln>
+            </p:spPr>
+            <p:style>
+              <a:lnRef idx="1">
+                <a:schemeClr val="accent1"/>
+              </a:lnRef>
+              <a:fillRef idx="0">
+                <a:schemeClr val="accent1"/>
+              </a:fillRef>
+              <a:effectRef idx="0">
+                <a:schemeClr val="accent1"/>
+              </a:effectRef>
+              <a:fontRef idx="minor">
+                <a:schemeClr val="tx1"/>
+              </a:fontRef>
+            </p:style>
+          </p:cxnSp>
+          <p:cxnSp>
+            <p:nvCxnSpPr>
+              <p:cNvPr id="6" name="Connecteur droit avec flèche 5"/>
+              <p:cNvCxnSpPr/>
+              <p:nvPr/>
+            </p:nvCxnSpPr>
+            <p:spPr>
+              <a:xfrm rot="16200000">
+                <a:off x="1330902" y="4508350"/>
+                <a:ext cx="721559" cy="0"/>
+              </a:xfrm>
+              <a:prstGeom prst="straightConnector1">
+                <a:avLst/>
+              </a:prstGeom>
+              <a:ln w="19050">
+                <a:solidFill>
+                  <a:schemeClr val="tx1"/>
+                </a:solidFill>
+                <a:tailEnd type="stealth" w="med" len="lg"/>
+              </a:ln>
+            </p:spPr>
+            <p:style>
+              <a:lnRef idx="1">
+                <a:schemeClr val="accent1"/>
+              </a:lnRef>
+              <a:fillRef idx="0">
+                <a:schemeClr val="accent1"/>
+              </a:fillRef>
+              <a:effectRef idx="0">
+                <a:schemeClr val="accent1"/>
+              </a:effectRef>
+              <a:fontRef idx="minor">
+                <a:schemeClr val="tx1"/>
+              </a:fontRef>
+            </p:style>
+          </p:cxnSp>
+        </p:grpSp>
+        <mc:AlternateContent xmlns:mc="http://schemas.openxmlformats.org/markup-compatibility/2006">
+          <mc:Choice xmlns:a14="http://schemas.microsoft.com/office/drawing/2010/main" Requires="a14">
+            <p:sp>
+              <p:nvSpPr>
+                <p:cNvPr id="7" name="ZoneTexte 6"/>
+                <p:cNvSpPr txBox="1"/>
+                <p:nvPr/>
+              </p:nvSpPr>
+              <p:spPr>
+                <a:xfrm>
+                  <a:off x="2373961" y="4722821"/>
+                  <a:ext cx="372345" cy="276999"/>
+                </a:xfrm>
+                <a:prstGeom prst="rect">
+                  <a:avLst/>
+                </a:prstGeom>
+                <a:noFill/>
+              </p:spPr>
+              <p:txBody>
+                <a:bodyPr wrap="none" rtlCol="0">
+                  <a:spAutoFit/>
+                </a:bodyPr>
+                <a:lstStyle/>
+                <a:p>
+                  <a:pPr/>
+                  <a14:m>
+                    <m:oMathPara xmlns:m="http://schemas.openxmlformats.org/officeDocument/2006/math">
+                      <m:oMathParaPr>
+                        <m:jc m:val="centerGroup"/>
+                      </m:oMathParaPr>
+                      <m:oMath xmlns:m="http://schemas.openxmlformats.org/officeDocument/2006/math">
+                        <m:acc>
+                          <m:accPr>
+                            <m:chr m:val="⃗"/>
+                            <m:ctrlPr>
+                              <a:rPr lang="fr-FR" sz="1200" i="1" smtClean="0">
+                                <a:latin typeface="Cambria Math"/>
+                              </a:rPr>
+                            </m:ctrlPr>
+                          </m:accPr>
+                          <m:e>
+                            <m:sSub>
+                              <m:sSubPr>
+                                <m:ctrlPr>
+                                  <a:rPr lang="fr-FR" sz="1200" b="0" i="1" smtClean="0">
+                                    <a:latin typeface="Cambria Math"/>
+                                  </a:rPr>
+                                </m:ctrlPr>
+                              </m:sSubPr>
+                              <m:e>
+                                <m:r>
+                                  <a:rPr lang="fr-FR" sz="1200" b="0" i="1" smtClean="0">
+                                    <a:latin typeface="Cambria Math"/>
+                                  </a:rPr>
+                                  <m:t>𝑥</m:t>
+                                </m:r>
+                              </m:e>
+                              <m:sub>
+                                <m:r>
+                                  <a:rPr lang="fr-FR" sz="1200" b="0" i="1" smtClean="0">
+                                    <a:latin typeface="Cambria Math"/>
+                                  </a:rPr>
+                                  <m:t>0</m:t>
+                                </m:r>
+                              </m:sub>
+                            </m:sSub>
+                          </m:e>
+                        </m:acc>
+                      </m:oMath>
+                    </m:oMathPara>
+                  </a14:m>
+                  <a:endParaRPr lang="fr-FR" sz="1200" dirty="0"/>
+                </a:p>
+              </p:txBody>
+            </p:sp>
+          </mc:Choice>
+          <mc:Fallback>
+            <p:sp>
+              <p:nvSpPr>
+                <p:cNvPr id="7" name="ZoneTexte 6"/>
+                <p:cNvSpPr txBox="1">
+                  <a:spLocks noRot="1" noChangeAspect="1" noMove="1" noResize="1" noEditPoints="1" noAdjustHandles="1" noChangeArrowheads="1" noChangeShapeType="1" noTextEdit="1"/>
+                </p:cNvSpPr>
+                <p:nvPr/>
+              </p:nvSpPr>
+              <p:spPr>
+                <a:xfrm>
+                  <a:off x="2373961" y="4722821"/>
+                  <a:ext cx="372345" cy="276999"/>
+                </a:xfrm>
+                <a:prstGeom prst="rect">
+                  <a:avLst/>
+                </a:prstGeom>
+                <a:blipFill rotWithShape="1">
+                  <a:blip r:embed="rId3"/>
+                  <a:stretch>
+                    <a:fillRect/>
+                  </a:stretch>
+                </a:blipFill>
+              </p:spPr>
+              <p:txBody>
+                <a:bodyPr/>
+                <a:lstStyle/>
+                <a:p>
+                  <a:r>
+                    <a:rPr lang="fr-FR">
+                      <a:noFill/>
+                    </a:rPr>
+                    <a:t> </a:t>
+                  </a:r>
+                </a:p>
+              </p:txBody>
+            </p:sp>
+          </mc:Fallback>
+        </mc:AlternateContent>
+        <p:grpSp>
+          <p:nvGrpSpPr>
+            <p:cNvPr id="9" name="Groupe 8"/>
+            <p:cNvGrpSpPr/>
+            <p:nvPr/>
+          </p:nvGrpSpPr>
+          <p:grpSpPr>
+            <a:xfrm rot="20700000">
+              <a:off x="1596413" y="4066488"/>
+              <a:ext cx="721559" cy="721559"/>
+              <a:chOff x="1691680" y="4147570"/>
+              <a:chExt cx="721559" cy="721559"/>
+            </a:xfrm>
+          </p:grpSpPr>
+          <p:cxnSp>
+            <p:nvCxnSpPr>
+              <p:cNvPr id="10" name="Connecteur droit avec flèche 9"/>
+              <p:cNvCxnSpPr/>
+              <p:nvPr/>
+            </p:nvCxnSpPr>
+            <p:spPr>
+              <a:xfrm>
+                <a:off x="1691680" y="4861322"/>
+                <a:ext cx="721559" cy="0"/>
+              </a:xfrm>
+              <a:prstGeom prst="straightConnector1">
+                <a:avLst/>
+              </a:prstGeom>
+              <a:ln w="19050">
+                <a:solidFill>
+                  <a:srgbClr val="FF0000"/>
+                </a:solidFill>
+                <a:tailEnd type="stealth" w="med" len="lg"/>
+              </a:ln>
+            </p:spPr>
+            <p:style>
+              <a:lnRef idx="1">
+                <a:schemeClr val="accent1"/>
+              </a:lnRef>
+              <a:fillRef idx="0">
+                <a:schemeClr val="accent1"/>
+              </a:fillRef>
+              <a:effectRef idx="0">
+                <a:schemeClr val="accent1"/>
+              </a:effectRef>
+              <a:fontRef idx="minor">
+                <a:schemeClr val="tx1"/>
+              </a:fontRef>
+            </p:style>
+          </p:cxnSp>
+          <p:cxnSp>
+            <p:nvCxnSpPr>
+              <p:cNvPr id="11" name="Connecteur droit avec flèche 10"/>
+              <p:cNvCxnSpPr/>
+              <p:nvPr/>
+            </p:nvCxnSpPr>
+            <p:spPr>
+              <a:xfrm rot="16200000">
+                <a:off x="1330902" y="4508350"/>
+                <a:ext cx="721559" cy="0"/>
+              </a:xfrm>
+              <a:prstGeom prst="straightConnector1">
+                <a:avLst/>
+              </a:prstGeom>
+              <a:ln w="19050">
+                <a:solidFill>
+                  <a:srgbClr val="FF0000"/>
+                </a:solidFill>
+                <a:tailEnd type="stealth" w="med" len="lg"/>
+              </a:ln>
+            </p:spPr>
+            <p:style>
+              <a:lnRef idx="1">
+                <a:schemeClr val="accent1"/>
+              </a:lnRef>
+              <a:fillRef idx="0">
+                <a:schemeClr val="accent1"/>
+              </a:fillRef>
+              <a:effectRef idx="0">
+                <a:schemeClr val="accent1"/>
+              </a:effectRef>
+              <a:fontRef idx="minor">
+                <a:schemeClr val="tx1"/>
+              </a:fontRef>
+            </p:style>
+          </p:cxnSp>
+        </p:grpSp>
+        <mc:AlternateContent xmlns:mc="http://schemas.openxmlformats.org/markup-compatibility/2006">
+          <mc:Choice xmlns:a14="http://schemas.microsoft.com/office/drawing/2010/main" Requires="a14">
+            <p:sp>
+              <p:nvSpPr>
+                <p:cNvPr id="12" name="ZoneTexte 11"/>
+                <p:cNvSpPr txBox="1"/>
+                <p:nvPr/>
+              </p:nvSpPr>
+              <p:spPr>
+                <a:xfrm>
+                  <a:off x="2378320" y="4397837"/>
+                  <a:ext cx="368754" cy="276999"/>
+                </a:xfrm>
+                <a:prstGeom prst="rect">
+                  <a:avLst/>
+                </a:prstGeom>
+                <a:noFill/>
+              </p:spPr>
+              <p:txBody>
+                <a:bodyPr wrap="none" rtlCol="0">
+                  <a:spAutoFit/>
+                </a:bodyPr>
+                <a:lstStyle/>
+                <a:p>
+                  <a:pPr/>
+                  <a14:m>
+                    <m:oMathPara xmlns:m="http://schemas.openxmlformats.org/officeDocument/2006/math">
+                      <m:oMathParaPr>
+                        <m:jc m:val="centerGroup"/>
+                      </m:oMathParaPr>
+                      <m:oMath xmlns:m="http://schemas.openxmlformats.org/officeDocument/2006/math">
+                        <m:acc>
+                          <m:accPr>
+                            <m:chr m:val="⃗"/>
+                            <m:ctrlPr>
+                              <a:rPr lang="fr-FR" sz="1200" i="1" smtClean="0">
+                                <a:latin typeface="Cambria Math"/>
+                              </a:rPr>
+                            </m:ctrlPr>
+                          </m:accPr>
+                          <m:e>
+                            <m:sSub>
+                              <m:sSubPr>
+                                <m:ctrlPr>
+                                  <a:rPr lang="fr-FR" sz="1200" b="0" i="1" smtClean="0">
+                                    <a:latin typeface="Cambria Math"/>
+                                  </a:rPr>
+                                </m:ctrlPr>
+                              </m:sSubPr>
+                              <m:e>
+                                <m:r>
+                                  <a:rPr lang="fr-FR" sz="1200" b="0" i="1" smtClean="0">
+                                    <a:latin typeface="Cambria Math"/>
+                                  </a:rPr>
+                                  <m:t>𝑥</m:t>
+                                </m:r>
+                              </m:e>
+                              <m:sub>
+                                <m:r>
+                                  <a:rPr lang="fr-FR" sz="1200" b="0" i="1" smtClean="0">
+                                    <a:latin typeface="Cambria Math"/>
+                                  </a:rPr>
+                                  <m:t>1</m:t>
+                                </m:r>
+                              </m:sub>
+                            </m:sSub>
+                          </m:e>
+                        </m:acc>
+                      </m:oMath>
+                    </m:oMathPara>
+                  </a14:m>
+                  <a:endParaRPr lang="fr-FR" sz="1200" dirty="0"/>
+                </a:p>
+              </p:txBody>
+            </p:sp>
+          </mc:Choice>
+          <mc:Fallback>
+            <p:sp>
+              <p:nvSpPr>
+                <p:cNvPr id="12" name="ZoneTexte 11"/>
+                <p:cNvSpPr txBox="1">
+                  <a:spLocks noRot="1" noChangeAspect="1" noMove="1" noResize="1" noEditPoints="1" noAdjustHandles="1" noChangeArrowheads="1" noChangeShapeType="1" noTextEdit="1"/>
+                </p:cNvSpPr>
+                <p:nvPr/>
+              </p:nvSpPr>
+              <p:spPr>
+                <a:xfrm>
+                  <a:off x="2378320" y="4397837"/>
+                  <a:ext cx="368754" cy="276999"/>
+                </a:xfrm>
+                <a:prstGeom prst="rect">
+                  <a:avLst/>
+                </a:prstGeom>
+                <a:blipFill rotWithShape="1">
+                  <a:blip r:embed="rId4"/>
+                  <a:stretch>
+                    <a:fillRect/>
+                  </a:stretch>
+                </a:blipFill>
+              </p:spPr>
+              <p:txBody>
+                <a:bodyPr/>
+                <a:lstStyle/>
+                <a:p>
+                  <a:r>
+                    <a:rPr lang="fr-FR">
+                      <a:noFill/>
+                    </a:rPr>
+                    <a:t> </a:t>
+                  </a:r>
+                </a:p>
+              </p:txBody>
+            </p:sp>
+          </mc:Fallback>
+        </mc:AlternateContent>
+        <mc:AlternateContent xmlns:mc="http://schemas.openxmlformats.org/markup-compatibility/2006">
+          <mc:Choice xmlns:a14="http://schemas.microsoft.com/office/drawing/2010/main" Requires="a14">
+            <p:sp>
+              <p:nvSpPr>
+                <p:cNvPr id="13" name="ZoneTexte 12"/>
+                <p:cNvSpPr txBox="1"/>
+                <p:nvPr/>
+              </p:nvSpPr>
+              <p:spPr>
+                <a:xfrm>
+                  <a:off x="1239332" y="3899314"/>
+                  <a:ext cx="370358" cy="276999"/>
+                </a:xfrm>
+                <a:prstGeom prst="rect">
+                  <a:avLst/>
+                </a:prstGeom>
+                <a:noFill/>
+              </p:spPr>
+              <p:txBody>
+                <a:bodyPr wrap="none" rtlCol="0">
+                  <a:spAutoFit/>
+                </a:bodyPr>
+                <a:lstStyle/>
+                <a:p>
+                  <a:pPr/>
+                  <a14:m>
+                    <m:oMathPara xmlns:m="http://schemas.openxmlformats.org/officeDocument/2006/math">
+                      <m:oMathParaPr>
+                        <m:jc m:val="centerGroup"/>
+                      </m:oMathParaPr>
+                      <m:oMath xmlns:m="http://schemas.openxmlformats.org/officeDocument/2006/math">
+                        <m:acc>
+                          <m:accPr>
+                            <m:chr m:val="⃗"/>
+                            <m:ctrlPr>
+                              <a:rPr lang="fr-FR" sz="1200" i="1" smtClean="0">
+                                <a:latin typeface="Cambria Math"/>
+                              </a:rPr>
+                            </m:ctrlPr>
+                          </m:accPr>
+                          <m:e>
+                            <m:sSub>
+                              <m:sSubPr>
+                                <m:ctrlPr>
+                                  <a:rPr lang="fr-FR" sz="1200" b="0" i="1" smtClean="0">
+                                    <a:latin typeface="Cambria Math"/>
+                                  </a:rPr>
+                                </m:ctrlPr>
+                              </m:sSubPr>
+                              <m:e>
+                                <m:r>
+                                  <a:rPr lang="fr-FR" sz="1200" b="0" i="1" smtClean="0">
+                                    <a:latin typeface="Cambria Math"/>
+                                  </a:rPr>
+                                  <m:t>𝑦</m:t>
+                                </m:r>
+                              </m:e>
+                              <m:sub>
+                                <m:r>
+                                  <a:rPr lang="fr-FR" sz="1200" b="0" i="1" smtClean="0">
+                                    <a:latin typeface="Cambria Math"/>
+                                  </a:rPr>
+                                  <m:t>1</m:t>
+                                </m:r>
+                              </m:sub>
+                            </m:sSub>
+                          </m:e>
+                        </m:acc>
+                      </m:oMath>
+                    </m:oMathPara>
+                  </a14:m>
+                  <a:endParaRPr lang="fr-FR" sz="1200" dirty="0"/>
+                </a:p>
+              </p:txBody>
+            </p:sp>
+          </mc:Choice>
+          <mc:Fallback>
+            <p:sp>
+              <p:nvSpPr>
+                <p:cNvPr id="13" name="ZoneTexte 12"/>
+                <p:cNvSpPr txBox="1">
+                  <a:spLocks noRot="1" noChangeAspect="1" noMove="1" noResize="1" noEditPoints="1" noAdjustHandles="1" noChangeArrowheads="1" noChangeShapeType="1" noTextEdit="1"/>
+                </p:cNvSpPr>
+                <p:nvPr/>
+              </p:nvSpPr>
+              <p:spPr>
+                <a:xfrm>
+                  <a:off x="1239332" y="3899314"/>
+                  <a:ext cx="370358" cy="276999"/>
+                </a:xfrm>
+                <a:prstGeom prst="rect">
+                  <a:avLst/>
+                </a:prstGeom>
+                <a:blipFill rotWithShape="1">
+                  <a:blip r:embed="rId5"/>
+                  <a:stretch>
+                    <a:fillRect/>
+                  </a:stretch>
+                </a:blipFill>
+              </p:spPr>
+              <p:txBody>
+                <a:bodyPr/>
+                <a:lstStyle/>
+                <a:p>
+                  <a:r>
+                    <a:rPr lang="fr-FR">
+                      <a:noFill/>
+                    </a:rPr>
+                    <a:t> </a:t>
+                  </a:r>
+                </a:p>
+              </p:txBody>
+            </p:sp>
+          </mc:Fallback>
+        </mc:AlternateContent>
+        <p:sp>
+          <p:nvSpPr>
+            <p:cNvPr id="14" name="Arc 13"/>
+            <p:cNvSpPr/>
+            <p:nvPr/>
+          </p:nvSpPr>
+          <p:spPr>
+            <a:xfrm>
+              <a:off x="1136426" y="4303472"/>
+              <a:ext cx="1131318" cy="1131318"/>
+            </a:xfrm>
+            <a:prstGeom prst="arc">
+              <a:avLst>
+                <a:gd name="adj1" fmla="val 20711129"/>
+                <a:gd name="adj2" fmla="val 21425014"/>
+              </a:avLst>
+            </a:prstGeom>
+            <a:ln>
+              <a:headEnd type="stealth" w="sm" len="med"/>
+              <a:tailEnd type="none" w="med" len="lg"/>
+            </a:ln>
+          </p:spPr>
+          <p:style>
+            <a:lnRef idx="1">
+              <a:schemeClr val="accent1"/>
+            </a:lnRef>
+            <a:fillRef idx="0">
+              <a:schemeClr val="accent1"/>
+            </a:fillRef>
+            <a:effectRef idx="0">
+              <a:schemeClr val="accent1"/>
+            </a:effectRef>
+            <a:fontRef idx="minor">
+              <a:schemeClr val="tx1"/>
+            </a:fontRef>
+          </p:style>
+          <p:txBody>
+            <a:bodyPr rtlCol="0" anchor="ctr"/>
+            <a:lstStyle/>
+            <a:p>
+              <a:pPr algn="ctr"/>
+              <a:endParaRPr lang="fr-FR"/>
+            </a:p>
+          </p:txBody>
+        </p:sp>
+        <mc:AlternateContent xmlns:mc="http://schemas.openxmlformats.org/markup-compatibility/2006">
+          <mc:Choice xmlns:a14="http://schemas.microsoft.com/office/drawing/2010/main" Requires="a14">
+            <p:sp>
+              <p:nvSpPr>
+                <p:cNvPr id="15" name="ZoneTexte 14"/>
+                <p:cNvSpPr txBox="1"/>
+                <p:nvPr/>
+              </p:nvSpPr>
+              <p:spPr>
+                <a:xfrm>
+                  <a:off x="1950157" y="4440254"/>
+                  <a:ext cx="510524" cy="276999"/>
+                </a:xfrm>
+                <a:prstGeom prst="rect">
+                  <a:avLst/>
+                </a:prstGeom>
+                <a:noFill/>
+              </p:spPr>
+              <p:txBody>
+                <a:bodyPr wrap="none" rtlCol="0">
+                  <a:spAutoFit/>
+                </a:bodyPr>
+                <a:lstStyle/>
+                <a:p>
+                  <a:pPr/>
+                  <a14:m>
+                    <m:oMathPara xmlns:m="http://schemas.openxmlformats.org/officeDocument/2006/math">
+                      <m:oMathParaPr>
+                        <m:jc m:val="centerGroup"/>
+                      </m:oMathParaPr>
+                      <m:oMath xmlns:m="http://schemas.openxmlformats.org/officeDocument/2006/math">
+                        <m:r>
+                          <a:rPr lang="fr-FR" sz="1200" b="0" i="1" smtClean="0">
+                            <a:latin typeface="Cambria Math"/>
+                          </a:rPr>
+                          <m:t>𝛼</m:t>
+                        </m:r>
+                        <m:r>
+                          <a:rPr lang="fr-FR" sz="1200" b="0" i="1" smtClean="0">
+                            <a:latin typeface="Cambria Math"/>
+                          </a:rPr>
+                          <m:t>(</m:t>
+                        </m:r>
+                        <m:r>
+                          <a:rPr lang="fr-FR" sz="1200" b="0" i="1" smtClean="0">
+                            <a:latin typeface="Cambria Math"/>
+                          </a:rPr>
+                          <m:t>𝑡</m:t>
+                        </m:r>
+                        <m:r>
+                          <a:rPr lang="fr-FR" sz="1200" b="0" i="1" smtClean="0">
+                            <a:latin typeface="Cambria Math"/>
+                          </a:rPr>
+                          <m:t>)</m:t>
+                        </m:r>
+                      </m:oMath>
+                    </m:oMathPara>
+                  </a14:m>
+                  <a:endParaRPr lang="fr-FR" sz="1200" dirty="0"/>
+                </a:p>
+              </p:txBody>
+            </p:sp>
+          </mc:Choice>
+          <mc:Fallback>
+            <p:sp>
+              <p:nvSpPr>
+                <p:cNvPr id="15" name="ZoneTexte 14"/>
+                <p:cNvSpPr txBox="1">
+                  <a:spLocks noRot="1" noChangeAspect="1" noMove="1" noResize="1" noEditPoints="1" noAdjustHandles="1" noChangeArrowheads="1" noChangeShapeType="1" noTextEdit="1"/>
+                </p:cNvSpPr>
+                <p:nvPr/>
+              </p:nvSpPr>
+              <p:spPr>
+                <a:xfrm>
+                  <a:off x="1950157" y="4440254"/>
+                  <a:ext cx="510524" cy="276999"/>
+                </a:xfrm>
+                <a:prstGeom prst="rect">
+                  <a:avLst/>
+                </a:prstGeom>
+                <a:blipFill rotWithShape="1">
+                  <a:blip r:embed="rId6"/>
+                  <a:stretch>
+                    <a:fillRect b="-6522"/>
+                  </a:stretch>
+                </a:blipFill>
+              </p:spPr>
+              <p:txBody>
+                <a:bodyPr/>
+                <a:lstStyle/>
+                <a:p>
+                  <a:r>
+                    <a:rPr lang="fr-FR">
+                      <a:noFill/>
+                    </a:rPr>
+                    <a:t> </a:t>
+                  </a:r>
+                </a:p>
+              </p:txBody>
+            </p:sp>
+          </mc:Fallback>
+        </mc:AlternateContent>
+      </p:grpSp>
+      <p:grpSp>
+        <p:nvGrpSpPr>
+          <p:cNvPr id="17" name="Groupe 16"/>
+          <p:cNvGrpSpPr/>
+          <p:nvPr/>
+        </p:nvGrpSpPr>
+        <p:grpSpPr>
+          <a:xfrm>
+            <a:off x="2579952" y="3907098"/>
+            <a:ext cx="1614239" cy="1535476"/>
+            <a:chOff x="1136426" y="3899314"/>
+            <a:chExt cx="1614239" cy="1535476"/>
+          </a:xfrm>
+        </p:grpSpPr>
+        <mc:AlternateContent xmlns:mc="http://schemas.openxmlformats.org/markup-compatibility/2006">
+          <mc:Choice xmlns:a14="http://schemas.microsoft.com/office/drawing/2010/main" Requires="a14">
+            <p:sp>
+              <p:nvSpPr>
+                <p:cNvPr id="18" name="ZoneTexte 17"/>
+                <p:cNvSpPr txBox="1"/>
+                <p:nvPr/>
+              </p:nvSpPr>
+              <p:spPr>
+                <a:xfrm>
+                  <a:off x="1504705" y="3899314"/>
+                  <a:ext cx="370358" cy="276999"/>
+                </a:xfrm>
+                <a:prstGeom prst="rect">
+                  <a:avLst/>
+                </a:prstGeom>
+                <a:noFill/>
+              </p:spPr>
+              <p:txBody>
+                <a:bodyPr wrap="none" rtlCol="0">
+                  <a:spAutoFit/>
+                </a:bodyPr>
+                <a:lstStyle/>
+                <a:p>
+                  <a:pPr/>
+                  <a14:m>
+                    <m:oMathPara xmlns:m="http://schemas.openxmlformats.org/officeDocument/2006/math">
+                      <m:oMathParaPr>
+                        <m:jc m:val="centerGroup"/>
+                      </m:oMathParaPr>
+                      <m:oMath xmlns:m="http://schemas.openxmlformats.org/officeDocument/2006/math">
+                        <m:acc>
+                          <m:accPr>
+                            <m:chr m:val="⃗"/>
+                            <m:ctrlPr>
+                              <a:rPr lang="fr-FR" sz="1200" i="1" smtClean="0">
+                                <a:latin typeface="Cambria Math"/>
+                              </a:rPr>
+                            </m:ctrlPr>
+                          </m:accPr>
+                          <m:e>
+                            <m:sSub>
+                              <m:sSubPr>
+                                <m:ctrlPr>
+                                  <a:rPr lang="fr-FR" sz="1200" b="0" i="1" smtClean="0">
+                                    <a:latin typeface="Cambria Math"/>
+                                  </a:rPr>
+                                </m:ctrlPr>
+                              </m:sSubPr>
+                              <m:e>
+                                <m:r>
+                                  <a:rPr lang="fr-FR" sz="1200" b="0" i="1" smtClean="0">
+                                    <a:latin typeface="Cambria Math"/>
+                                  </a:rPr>
+                                  <m:t>𝑦</m:t>
+                                </m:r>
+                              </m:e>
+                              <m:sub>
+                                <m:r>
+                                  <a:rPr lang="fr-FR" sz="1200" b="0" i="1" smtClean="0">
+                                    <a:latin typeface="Cambria Math"/>
+                                  </a:rPr>
+                                  <m:t>1</m:t>
+                                </m:r>
+                              </m:sub>
+                            </m:sSub>
+                          </m:e>
+                        </m:acc>
+                      </m:oMath>
+                    </m:oMathPara>
+                  </a14:m>
+                  <a:endParaRPr lang="fr-FR" sz="1200" dirty="0"/>
+                </a:p>
+              </p:txBody>
+            </p:sp>
+          </mc:Choice>
+          <mc:Fallback>
+            <p:sp>
+              <p:nvSpPr>
+                <p:cNvPr id="18" name="ZoneTexte 17"/>
+                <p:cNvSpPr txBox="1">
+                  <a:spLocks noRot="1" noChangeAspect="1" noMove="1" noResize="1" noEditPoints="1" noAdjustHandles="1" noChangeArrowheads="1" noChangeShapeType="1" noTextEdit="1"/>
+                </p:cNvSpPr>
+                <p:nvPr/>
+              </p:nvSpPr>
+              <p:spPr>
+                <a:xfrm>
+                  <a:off x="1504705" y="3899314"/>
+                  <a:ext cx="370358" cy="276999"/>
+                </a:xfrm>
+                <a:prstGeom prst="rect">
+                  <a:avLst/>
+                </a:prstGeom>
+                <a:blipFill rotWithShape="1">
+                  <a:blip r:embed="rId7"/>
+                  <a:stretch>
+                    <a:fillRect/>
+                  </a:stretch>
+                </a:blipFill>
+              </p:spPr>
+              <p:txBody>
+                <a:bodyPr/>
+                <a:lstStyle/>
+                <a:p>
+                  <a:r>
+                    <a:rPr lang="fr-FR">
+                      <a:noFill/>
+                    </a:rPr>
+                    <a:t> </a:t>
+                  </a:r>
+                </a:p>
+              </p:txBody>
+            </p:sp>
+          </mc:Fallback>
+        </mc:AlternateContent>
+        <p:grpSp>
+          <p:nvGrpSpPr>
+            <p:cNvPr id="19" name="Groupe 18"/>
+            <p:cNvGrpSpPr/>
+            <p:nvPr/>
+          </p:nvGrpSpPr>
+          <p:grpSpPr>
+            <a:xfrm>
+              <a:off x="1691680" y="4147570"/>
+              <a:ext cx="721559" cy="721559"/>
+              <a:chOff x="1691680" y="4147570"/>
+              <a:chExt cx="721559" cy="721559"/>
+            </a:xfrm>
+          </p:grpSpPr>
+          <p:cxnSp>
+            <p:nvCxnSpPr>
+              <p:cNvPr id="28" name="Connecteur droit avec flèche 27"/>
+              <p:cNvCxnSpPr/>
+              <p:nvPr/>
+            </p:nvCxnSpPr>
+            <p:spPr>
+              <a:xfrm>
+                <a:off x="1691680" y="4861322"/>
+                <a:ext cx="721559" cy="0"/>
+              </a:xfrm>
+              <a:prstGeom prst="straightConnector1">
+                <a:avLst/>
+              </a:prstGeom>
+              <a:ln w="19050">
+                <a:solidFill>
+                  <a:srgbClr val="FF0000"/>
+                </a:solidFill>
+                <a:tailEnd type="stealth" w="med" len="lg"/>
+              </a:ln>
+            </p:spPr>
+            <p:style>
+              <a:lnRef idx="1">
+                <a:schemeClr val="accent1"/>
+              </a:lnRef>
+              <a:fillRef idx="0">
+                <a:schemeClr val="accent1"/>
+              </a:fillRef>
+              <a:effectRef idx="0">
+                <a:schemeClr val="accent1"/>
+              </a:effectRef>
+              <a:fontRef idx="minor">
+                <a:schemeClr val="tx1"/>
+              </a:fontRef>
+            </p:style>
+          </p:cxnSp>
+          <p:cxnSp>
+            <p:nvCxnSpPr>
+              <p:cNvPr id="29" name="Connecteur droit avec flèche 28"/>
+              <p:cNvCxnSpPr/>
+              <p:nvPr/>
+            </p:nvCxnSpPr>
+            <p:spPr>
+              <a:xfrm rot="16200000">
+                <a:off x="1330902" y="4508350"/>
+                <a:ext cx="721559" cy="0"/>
+              </a:xfrm>
+              <a:prstGeom prst="straightConnector1">
+                <a:avLst/>
+              </a:prstGeom>
+              <a:ln w="19050">
+                <a:solidFill>
+                  <a:srgbClr val="FF0000"/>
+                </a:solidFill>
+                <a:tailEnd type="stealth" w="med" len="lg"/>
+              </a:ln>
+            </p:spPr>
+            <p:style>
+              <a:lnRef idx="1">
+                <a:schemeClr val="accent1"/>
+              </a:lnRef>
+              <a:fillRef idx="0">
+                <a:schemeClr val="accent1"/>
+              </a:fillRef>
+              <a:effectRef idx="0">
+                <a:schemeClr val="accent1"/>
+              </a:effectRef>
+              <a:fontRef idx="minor">
+                <a:schemeClr val="tx1"/>
+              </a:fontRef>
+            </p:style>
+          </p:cxnSp>
+        </p:grpSp>
+        <mc:AlternateContent xmlns:mc="http://schemas.openxmlformats.org/markup-compatibility/2006">
+          <mc:Choice xmlns:a14="http://schemas.microsoft.com/office/drawing/2010/main" Requires="a14">
+            <p:sp>
+              <p:nvSpPr>
+                <p:cNvPr id="20" name="ZoneTexte 19"/>
+                <p:cNvSpPr txBox="1"/>
+                <p:nvPr/>
+              </p:nvSpPr>
+              <p:spPr>
+                <a:xfrm>
+                  <a:off x="2373961" y="4722821"/>
+                  <a:ext cx="368754" cy="276999"/>
+                </a:xfrm>
+                <a:prstGeom prst="rect">
+                  <a:avLst/>
+                </a:prstGeom>
+                <a:noFill/>
+              </p:spPr>
+              <p:txBody>
+                <a:bodyPr wrap="none" rtlCol="0">
+                  <a:spAutoFit/>
+                </a:bodyPr>
+                <a:lstStyle/>
+                <a:p>
+                  <a:pPr/>
+                  <a14:m>
+                    <m:oMathPara xmlns:m="http://schemas.openxmlformats.org/officeDocument/2006/math">
+                      <m:oMathParaPr>
+                        <m:jc m:val="centerGroup"/>
+                      </m:oMathParaPr>
+                      <m:oMath xmlns:m="http://schemas.openxmlformats.org/officeDocument/2006/math">
+                        <m:acc>
+                          <m:accPr>
+                            <m:chr m:val="⃗"/>
+                            <m:ctrlPr>
+                              <a:rPr lang="fr-FR" sz="1200" i="1" smtClean="0">
+                                <a:latin typeface="Cambria Math"/>
+                              </a:rPr>
+                            </m:ctrlPr>
+                          </m:accPr>
+                          <m:e>
+                            <m:sSub>
+                              <m:sSubPr>
+                                <m:ctrlPr>
+                                  <a:rPr lang="fr-FR" sz="1200" b="0" i="1" smtClean="0">
+                                    <a:latin typeface="Cambria Math"/>
+                                  </a:rPr>
+                                </m:ctrlPr>
+                              </m:sSubPr>
+                              <m:e>
+                                <m:r>
+                                  <a:rPr lang="fr-FR" sz="1200" b="0" i="1" smtClean="0">
+                                    <a:latin typeface="Cambria Math"/>
+                                  </a:rPr>
+                                  <m:t>𝑥</m:t>
+                                </m:r>
+                              </m:e>
+                              <m:sub>
+                                <m:r>
+                                  <a:rPr lang="fr-FR" sz="1200" b="0" i="1" smtClean="0">
+                                    <a:latin typeface="Cambria Math"/>
+                                  </a:rPr>
+                                  <m:t>1</m:t>
+                                </m:r>
+                              </m:sub>
+                            </m:sSub>
+                          </m:e>
+                        </m:acc>
+                      </m:oMath>
+                    </m:oMathPara>
+                  </a14:m>
+                  <a:endParaRPr lang="fr-FR" sz="1200" dirty="0"/>
+                </a:p>
+              </p:txBody>
+            </p:sp>
+          </mc:Choice>
+          <mc:Fallback>
+            <p:sp>
+              <p:nvSpPr>
+                <p:cNvPr id="20" name="ZoneTexte 19"/>
+                <p:cNvSpPr txBox="1">
+                  <a:spLocks noRot="1" noChangeAspect="1" noMove="1" noResize="1" noEditPoints="1" noAdjustHandles="1" noChangeArrowheads="1" noChangeShapeType="1" noTextEdit="1"/>
+                </p:cNvSpPr>
+                <p:nvPr/>
+              </p:nvSpPr>
+              <p:spPr>
+                <a:xfrm>
+                  <a:off x="2373961" y="4722821"/>
+                  <a:ext cx="368754" cy="276999"/>
+                </a:xfrm>
+                <a:prstGeom prst="rect">
+                  <a:avLst/>
+                </a:prstGeom>
+                <a:blipFill rotWithShape="1">
+                  <a:blip r:embed="rId8"/>
+                  <a:stretch>
+                    <a:fillRect/>
+                  </a:stretch>
+                </a:blipFill>
+              </p:spPr>
+              <p:txBody>
+                <a:bodyPr/>
+                <a:lstStyle/>
+                <a:p>
+                  <a:r>
+                    <a:rPr lang="fr-FR">
+                      <a:noFill/>
+                    </a:rPr>
+                    <a:t> </a:t>
+                  </a:r>
+                </a:p>
+              </p:txBody>
+            </p:sp>
+          </mc:Fallback>
+        </mc:AlternateContent>
+        <p:grpSp>
+          <p:nvGrpSpPr>
+            <p:cNvPr id="21" name="Groupe 20"/>
+            <p:cNvGrpSpPr/>
+            <p:nvPr/>
+          </p:nvGrpSpPr>
+          <p:grpSpPr>
+            <a:xfrm rot="20700000">
+              <a:off x="1596413" y="4066488"/>
+              <a:ext cx="721559" cy="721559"/>
+              <a:chOff x="1691680" y="4147570"/>
+              <a:chExt cx="721559" cy="721559"/>
+            </a:xfrm>
+          </p:grpSpPr>
+          <p:cxnSp>
+            <p:nvCxnSpPr>
+              <p:cNvPr id="26" name="Connecteur droit avec flèche 25"/>
+              <p:cNvCxnSpPr/>
+              <p:nvPr/>
+            </p:nvCxnSpPr>
+            <p:spPr>
+              <a:xfrm>
+                <a:off x="1691680" y="4861322"/>
+                <a:ext cx="721559" cy="0"/>
+              </a:xfrm>
+              <a:prstGeom prst="straightConnector1">
+                <a:avLst/>
+              </a:prstGeom>
+              <a:ln w="19050">
+                <a:solidFill>
+                  <a:srgbClr val="00B050"/>
+                </a:solidFill>
+                <a:tailEnd type="stealth" w="med" len="lg"/>
+              </a:ln>
+            </p:spPr>
+            <p:style>
+              <a:lnRef idx="1">
+                <a:schemeClr val="accent1"/>
+              </a:lnRef>
+              <a:fillRef idx="0">
+                <a:schemeClr val="accent1"/>
+              </a:fillRef>
+              <a:effectRef idx="0">
+                <a:schemeClr val="accent1"/>
+              </a:effectRef>
+              <a:fontRef idx="minor">
+                <a:schemeClr val="tx1"/>
+              </a:fontRef>
+            </p:style>
+          </p:cxnSp>
+          <p:cxnSp>
+            <p:nvCxnSpPr>
+              <p:cNvPr id="27" name="Connecteur droit avec flèche 26"/>
+              <p:cNvCxnSpPr/>
+              <p:nvPr/>
+            </p:nvCxnSpPr>
+            <p:spPr>
+              <a:xfrm rot="16200000">
+                <a:off x="1330902" y="4508350"/>
+                <a:ext cx="721559" cy="0"/>
+              </a:xfrm>
+              <a:prstGeom prst="straightConnector1">
+                <a:avLst/>
+              </a:prstGeom>
+              <a:ln w="19050">
+                <a:solidFill>
+                  <a:srgbClr val="00B050"/>
+                </a:solidFill>
+                <a:tailEnd type="stealth" w="med" len="lg"/>
+              </a:ln>
+            </p:spPr>
+            <p:style>
+              <a:lnRef idx="1">
+                <a:schemeClr val="accent1"/>
+              </a:lnRef>
+              <a:fillRef idx="0">
+                <a:schemeClr val="accent1"/>
+              </a:fillRef>
+              <a:effectRef idx="0">
+                <a:schemeClr val="accent1"/>
+              </a:effectRef>
+              <a:fontRef idx="minor">
+                <a:schemeClr val="tx1"/>
+              </a:fontRef>
+            </p:style>
+          </p:cxnSp>
+        </p:grpSp>
+        <mc:AlternateContent xmlns:mc="http://schemas.openxmlformats.org/markup-compatibility/2006">
+          <mc:Choice xmlns:a14="http://schemas.microsoft.com/office/drawing/2010/main" Requires="a14">
+            <p:sp>
+              <p:nvSpPr>
+                <p:cNvPr id="22" name="ZoneTexte 21"/>
+                <p:cNvSpPr txBox="1"/>
+                <p:nvPr/>
+              </p:nvSpPr>
+              <p:spPr>
+                <a:xfrm>
+                  <a:off x="2378320" y="4397837"/>
+                  <a:ext cx="372345" cy="276999"/>
+                </a:xfrm>
+                <a:prstGeom prst="rect">
+                  <a:avLst/>
+                </a:prstGeom>
+                <a:noFill/>
+              </p:spPr>
+              <p:txBody>
+                <a:bodyPr wrap="none" rtlCol="0">
+                  <a:spAutoFit/>
+                </a:bodyPr>
+                <a:lstStyle/>
+                <a:p>
+                  <a:pPr/>
+                  <a14:m>
+                    <m:oMathPara xmlns:m="http://schemas.openxmlformats.org/officeDocument/2006/math">
+                      <m:oMathParaPr>
+                        <m:jc m:val="centerGroup"/>
+                      </m:oMathParaPr>
+                      <m:oMath xmlns:m="http://schemas.openxmlformats.org/officeDocument/2006/math">
+                        <m:acc>
+                          <m:accPr>
+                            <m:chr m:val="⃗"/>
+                            <m:ctrlPr>
+                              <a:rPr lang="fr-FR" sz="1200" i="1" smtClean="0">
+                                <a:latin typeface="Cambria Math"/>
+                              </a:rPr>
+                            </m:ctrlPr>
+                          </m:accPr>
+                          <m:e>
+                            <m:sSub>
+                              <m:sSubPr>
+                                <m:ctrlPr>
+                                  <a:rPr lang="fr-FR" sz="1200" b="0" i="1" smtClean="0">
+                                    <a:latin typeface="Cambria Math"/>
+                                  </a:rPr>
+                                </m:ctrlPr>
+                              </m:sSubPr>
+                              <m:e>
+                                <m:r>
+                                  <a:rPr lang="fr-FR" sz="1200" b="0" i="1" smtClean="0">
+                                    <a:latin typeface="Cambria Math"/>
+                                  </a:rPr>
+                                  <m:t>𝑥</m:t>
+                                </m:r>
+                              </m:e>
+                              <m:sub>
+                                <m:r>
+                                  <a:rPr lang="fr-FR" sz="1200" b="0" i="1" smtClean="0">
+                                    <a:latin typeface="Cambria Math"/>
+                                  </a:rPr>
+                                  <m:t>2</m:t>
+                                </m:r>
+                              </m:sub>
+                            </m:sSub>
+                          </m:e>
+                        </m:acc>
+                      </m:oMath>
+                    </m:oMathPara>
+                  </a14:m>
+                  <a:endParaRPr lang="fr-FR" sz="1200" dirty="0"/>
+                </a:p>
+              </p:txBody>
+            </p:sp>
+          </mc:Choice>
+          <mc:Fallback>
+            <p:sp>
+              <p:nvSpPr>
+                <p:cNvPr id="22" name="ZoneTexte 21"/>
+                <p:cNvSpPr txBox="1">
+                  <a:spLocks noRot="1" noChangeAspect="1" noMove="1" noResize="1" noEditPoints="1" noAdjustHandles="1" noChangeArrowheads="1" noChangeShapeType="1" noTextEdit="1"/>
+                </p:cNvSpPr>
+                <p:nvPr/>
+              </p:nvSpPr>
+              <p:spPr>
+                <a:xfrm>
+                  <a:off x="2378320" y="4397837"/>
+                  <a:ext cx="372345" cy="276999"/>
+                </a:xfrm>
+                <a:prstGeom prst="rect">
+                  <a:avLst/>
+                </a:prstGeom>
+                <a:blipFill rotWithShape="1">
+                  <a:blip r:embed="rId9"/>
+                  <a:stretch>
+                    <a:fillRect/>
+                  </a:stretch>
+                </a:blipFill>
+              </p:spPr>
+              <p:txBody>
+                <a:bodyPr/>
+                <a:lstStyle/>
+                <a:p>
+                  <a:r>
+                    <a:rPr lang="fr-FR">
+                      <a:noFill/>
+                    </a:rPr>
+                    <a:t> </a:t>
+                  </a:r>
+                </a:p>
+              </p:txBody>
+            </p:sp>
+          </mc:Fallback>
+        </mc:AlternateContent>
+        <mc:AlternateContent xmlns:mc="http://schemas.openxmlformats.org/markup-compatibility/2006">
+          <mc:Choice xmlns:a14="http://schemas.microsoft.com/office/drawing/2010/main" Requires="a14">
+            <p:sp>
+              <p:nvSpPr>
+                <p:cNvPr id="23" name="ZoneTexte 22"/>
+                <p:cNvSpPr txBox="1"/>
+                <p:nvPr/>
+              </p:nvSpPr>
+              <p:spPr>
+                <a:xfrm>
+                  <a:off x="1239332" y="3899314"/>
+                  <a:ext cx="373949" cy="276999"/>
+                </a:xfrm>
+                <a:prstGeom prst="rect">
+                  <a:avLst/>
+                </a:prstGeom>
+                <a:noFill/>
+              </p:spPr>
+              <p:txBody>
+                <a:bodyPr wrap="none" rtlCol="0">
+                  <a:spAutoFit/>
+                </a:bodyPr>
+                <a:lstStyle/>
+                <a:p>
+                  <a:pPr/>
+                  <a14:m>
+                    <m:oMathPara xmlns:m="http://schemas.openxmlformats.org/officeDocument/2006/math">
+                      <m:oMathParaPr>
+                        <m:jc m:val="centerGroup"/>
+                      </m:oMathParaPr>
+                      <m:oMath xmlns:m="http://schemas.openxmlformats.org/officeDocument/2006/math">
+                        <m:acc>
+                          <m:accPr>
+                            <m:chr m:val="⃗"/>
+                            <m:ctrlPr>
+                              <a:rPr lang="fr-FR" sz="1200" i="1" smtClean="0">
+                                <a:latin typeface="Cambria Math"/>
+                              </a:rPr>
+                            </m:ctrlPr>
+                          </m:accPr>
+                          <m:e>
+                            <m:sSub>
+                              <m:sSubPr>
+                                <m:ctrlPr>
+                                  <a:rPr lang="fr-FR" sz="1200" b="0" i="1" smtClean="0">
+                                    <a:latin typeface="Cambria Math"/>
+                                  </a:rPr>
+                                </m:ctrlPr>
+                              </m:sSubPr>
+                              <m:e>
+                                <m:r>
+                                  <a:rPr lang="fr-FR" sz="1200" b="0" i="1" smtClean="0">
+                                    <a:latin typeface="Cambria Math"/>
+                                  </a:rPr>
+                                  <m:t>𝑦</m:t>
+                                </m:r>
+                              </m:e>
+                              <m:sub>
+                                <m:r>
+                                  <a:rPr lang="fr-FR" sz="1200" b="0" i="1" smtClean="0">
+                                    <a:latin typeface="Cambria Math"/>
+                                  </a:rPr>
+                                  <m:t>2</m:t>
+                                </m:r>
+                              </m:sub>
+                            </m:sSub>
+                          </m:e>
+                        </m:acc>
+                      </m:oMath>
+                    </m:oMathPara>
+                  </a14:m>
+                  <a:endParaRPr lang="fr-FR" sz="1200" dirty="0"/>
+                </a:p>
+              </p:txBody>
+            </p:sp>
+          </mc:Choice>
+          <mc:Fallback>
+            <p:sp>
+              <p:nvSpPr>
+                <p:cNvPr id="23" name="ZoneTexte 22"/>
+                <p:cNvSpPr txBox="1">
+                  <a:spLocks noRot="1" noChangeAspect="1" noMove="1" noResize="1" noEditPoints="1" noAdjustHandles="1" noChangeArrowheads="1" noChangeShapeType="1" noTextEdit="1"/>
+                </p:cNvSpPr>
+                <p:nvPr/>
+              </p:nvSpPr>
+              <p:spPr>
+                <a:xfrm>
+                  <a:off x="1239332" y="3899314"/>
+                  <a:ext cx="373949" cy="276999"/>
+                </a:xfrm>
+                <a:prstGeom prst="rect">
+                  <a:avLst/>
+                </a:prstGeom>
+                <a:blipFill rotWithShape="1">
+                  <a:blip r:embed="rId10"/>
+                  <a:stretch>
+                    <a:fillRect/>
+                  </a:stretch>
+                </a:blipFill>
+              </p:spPr>
+              <p:txBody>
+                <a:bodyPr/>
+                <a:lstStyle/>
+                <a:p>
+                  <a:r>
+                    <a:rPr lang="fr-FR">
+                      <a:noFill/>
+                    </a:rPr>
+                    <a:t> </a:t>
+                  </a:r>
+                </a:p>
+              </p:txBody>
+            </p:sp>
+          </mc:Fallback>
+        </mc:AlternateContent>
+        <p:sp>
+          <p:nvSpPr>
+            <p:cNvPr id="24" name="Arc 23"/>
+            <p:cNvSpPr/>
+            <p:nvPr/>
+          </p:nvSpPr>
+          <p:spPr>
+            <a:xfrm>
+              <a:off x="1136426" y="4303472"/>
+              <a:ext cx="1131318" cy="1131318"/>
+            </a:xfrm>
+            <a:prstGeom prst="arc">
+              <a:avLst>
+                <a:gd name="adj1" fmla="val 20711129"/>
+                <a:gd name="adj2" fmla="val 21425014"/>
+              </a:avLst>
+            </a:prstGeom>
+            <a:ln>
+              <a:headEnd type="stealth" w="sm" len="med"/>
+              <a:tailEnd type="none" w="med" len="lg"/>
+            </a:ln>
+          </p:spPr>
+          <p:style>
+            <a:lnRef idx="1">
+              <a:schemeClr val="accent1"/>
+            </a:lnRef>
+            <a:fillRef idx="0">
+              <a:schemeClr val="accent1"/>
+            </a:fillRef>
+            <a:effectRef idx="0">
+              <a:schemeClr val="accent1"/>
+            </a:effectRef>
+            <a:fontRef idx="minor">
+              <a:schemeClr val="tx1"/>
+            </a:fontRef>
+          </p:style>
+          <p:txBody>
+            <a:bodyPr rtlCol="0" anchor="ctr"/>
+            <a:lstStyle/>
+            <a:p>
+              <a:pPr algn="ctr"/>
+              <a:endParaRPr lang="fr-FR"/>
+            </a:p>
+          </p:txBody>
+        </p:sp>
+        <mc:AlternateContent xmlns:mc="http://schemas.openxmlformats.org/markup-compatibility/2006">
+          <mc:Choice xmlns:a14="http://schemas.microsoft.com/office/drawing/2010/main" Requires="a14">
+            <p:sp>
+              <p:nvSpPr>
+                <p:cNvPr id="25" name="ZoneTexte 24"/>
+                <p:cNvSpPr txBox="1"/>
+                <p:nvPr/>
+              </p:nvSpPr>
+              <p:spPr>
+                <a:xfrm>
+                  <a:off x="1950157" y="4440254"/>
+                  <a:ext cx="510524" cy="276999"/>
+                </a:xfrm>
+                <a:prstGeom prst="rect">
+                  <a:avLst/>
+                </a:prstGeom>
+                <a:noFill/>
+              </p:spPr>
+              <p:txBody>
+                <a:bodyPr wrap="none" rtlCol="0">
+                  <a:spAutoFit/>
+                </a:bodyPr>
+                <a:lstStyle/>
+                <a:p>
+                  <a:pPr/>
+                  <a14:m>
+                    <m:oMathPara xmlns:m="http://schemas.openxmlformats.org/officeDocument/2006/math">
+                      <m:oMathParaPr>
+                        <m:jc m:val="centerGroup"/>
+                      </m:oMathParaPr>
+                      <m:oMath xmlns:m="http://schemas.openxmlformats.org/officeDocument/2006/math">
+                        <m:r>
+                          <a:rPr lang="fr-FR" sz="1200" b="0" i="1" smtClean="0">
+                            <a:latin typeface="Cambria Math"/>
+                          </a:rPr>
+                          <m:t>𝛽</m:t>
+                        </m:r>
+                        <m:r>
+                          <a:rPr lang="fr-FR" sz="1200" b="0" i="1" smtClean="0">
+                            <a:latin typeface="Cambria Math"/>
+                          </a:rPr>
+                          <m:t>(</m:t>
+                        </m:r>
+                        <m:r>
+                          <a:rPr lang="fr-FR" sz="1200" b="0" i="1" smtClean="0">
+                            <a:latin typeface="Cambria Math"/>
+                          </a:rPr>
+                          <m:t>𝑡</m:t>
+                        </m:r>
+                        <m:r>
+                          <a:rPr lang="fr-FR" sz="1200" b="0" i="1" smtClean="0">
+                            <a:latin typeface="Cambria Math"/>
+                          </a:rPr>
+                          <m:t>)</m:t>
+                        </m:r>
+                      </m:oMath>
+                    </m:oMathPara>
+                  </a14:m>
+                  <a:endParaRPr lang="fr-FR" sz="1200" dirty="0"/>
+                </a:p>
+              </p:txBody>
+            </p:sp>
+          </mc:Choice>
+          <mc:Fallback>
+            <p:sp>
+              <p:nvSpPr>
+                <p:cNvPr id="25" name="ZoneTexte 24"/>
+                <p:cNvSpPr txBox="1">
+                  <a:spLocks noRot="1" noChangeAspect="1" noMove="1" noResize="1" noEditPoints="1" noAdjustHandles="1" noChangeArrowheads="1" noChangeShapeType="1" noTextEdit="1"/>
+                </p:cNvSpPr>
+                <p:nvPr/>
+              </p:nvSpPr>
+              <p:spPr>
+                <a:xfrm>
+                  <a:off x="1950157" y="4440254"/>
+                  <a:ext cx="510524" cy="276999"/>
+                </a:xfrm>
+                <a:prstGeom prst="rect">
+                  <a:avLst/>
+                </a:prstGeom>
+                <a:blipFill rotWithShape="1">
+                  <a:blip r:embed="rId11"/>
+                  <a:stretch>
+                    <a:fillRect b="-8889"/>
+                  </a:stretch>
+                </a:blipFill>
+              </p:spPr>
+              <p:txBody>
+                <a:bodyPr/>
+                <a:lstStyle/>
+                <a:p>
+                  <a:r>
+                    <a:rPr lang="fr-FR">
+                      <a:noFill/>
+                    </a:rPr>
+                    <a:t> </a:t>
+                  </a:r>
+                </a:p>
+              </p:txBody>
+            </p:sp>
+          </mc:Fallback>
+        </mc:AlternateContent>
+      </p:grpSp>
+    </p:spTree>
+    <p:extLst>
+      <p:ext uri="{BB962C8B-B14F-4D97-AF65-F5344CB8AC3E}">
+        <p14:creationId xmlns:p14="http://schemas.microsoft.com/office/powerpoint/2010/main" val="228396735"/>
       </p:ext>
     </p:extLst>
   </p:cSld>
